--- a/Test Driven Development/materials/pptx/11. TDD-Best-Practice.pptx
+++ b/Test Driven Development/materials/pptx/11. TDD-Best-Practice.pptx
@@ -7,30 +7,29 @@
     <p:sldMasterId id="2147483694" r:id="rId3"/>
   </p:sldMasterIdLst>
   <p:notesMasterIdLst>
-    <p:notesMasterId r:id="rId25"/>
+    <p:notesMasterId r:id="rId24"/>
   </p:notesMasterIdLst>
   <p:sldIdLst>
     <p:sldId id="355" r:id="rId4"/>
-    <p:sldId id="257" r:id="rId5"/>
-    <p:sldId id="375" r:id="rId6"/>
-    <p:sldId id="376" r:id="rId7"/>
-    <p:sldId id="377" r:id="rId8"/>
-    <p:sldId id="378" r:id="rId9"/>
-    <p:sldId id="379" r:id="rId10"/>
-    <p:sldId id="380" r:id="rId11"/>
-    <p:sldId id="381" r:id="rId12"/>
-    <p:sldId id="382" r:id="rId13"/>
-    <p:sldId id="383" r:id="rId14"/>
-    <p:sldId id="384" r:id="rId15"/>
-    <p:sldId id="385" r:id="rId16"/>
-    <p:sldId id="386" r:id="rId17"/>
-    <p:sldId id="387" r:id="rId18"/>
-    <p:sldId id="388" r:id="rId19"/>
-    <p:sldId id="389" r:id="rId20"/>
-    <p:sldId id="390" r:id="rId21"/>
-    <p:sldId id="391" r:id="rId22"/>
-    <p:sldId id="357" r:id="rId23"/>
-    <p:sldId id="356" r:id="rId24"/>
+    <p:sldId id="375" r:id="rId5"/>
+    <p:sldId id="376" r:id="rId6"/>
+    <p:sldId id="377" r:id="rId7"/>
+    <p:sldId id="378" r:id="rId8"/>
+    <p:sldId id="379" r:id="rId9"/>
+    <p:sldId id="380" r:id="rId10"/>
+    <p:sldId id="381" r:id="rId11"/>
+    <p:sldId id="382" r:id="rId12"/>
+    <p:sldId id="383" r:id="rId13"/>
+    <p:sldId id="384" r:id="rId14"/>
+    <p:sldId id="385" r:id="rId15"/>
+    <p:sldId id="386" r:id="rId16"/>
+    <p:sldId id="387" r:id="rId17"/>
+    <p:sldId id="388" r:id="rId18"/>
+    <p:sldId id="389" r:id="rId19"/>
+    <p:sldId id="390" r:id="rId20"/>
+    <p:sldId id="391" r:id="rId21"/>
+    <p:sldId id="357" r:id="rId22"/>
+    <p:sldId id="356" r:id="rId23"/>
   </p:sldIdLst>
   <p:sldSz cx="9144000" cy="6858000" type="screen4x3"/>
   <p:notesSz cx="6858000" cy="9144000"/>
@@ -214,7 +213,7 @@
           <a:p>
             <a:fld id="{B946ECE3-FD69-FE4C-B5B3-E9526994F809}" type="datetimeFigureOut">
               <a:rPr lang="en-US" smtClean="0"/>
-              <a:t>11/1/12</a:t>
+              <a:t>12/16/12</a:t>
             </a:fld>
             <a:endParaRPr lang="en-US"/>
           </a:p>
@@ -564,7 +563,7 @@
           <a:p>
             <a:fld id="{3A3568CC-110C-4346-A0AE-B1FBECAA9176}" type="slidenum">
               <a:rPr lang="en-US" smtClean="0"/>
-              <a:t>3</a:t>
+              <a:t>2</a:t>
             </a:fld>
             <a:endParaRPr lang="en-US" dirty="0"/>
           </a:p>
@@ -648,7 +647,7 @@
           <a:p>
             <a:fld id="{3A3568CC-110C-4346-A0AE-B1FBECAA9176}" type="slidenum">
               <a:rPr lang="en-US" smtClean="0"/>
-              <a:t>12</a:t>
+              <a:t>11</a:t>
             </a:fld>
             <a:endParaRPr lang="en-US"/>
           </a:p>
@@ -732,7 +731,7 @@
           <a:p>
             <a:fld id="{3A3568CC-110C-4346-A0AE-B1FBECAA9176}" type="slidenum">
               <a:rPr lang="en-US" smtClean="0"/>
-              <a:t>13</a:t>
+              <a:t>12</a:t>
             </a:fld>
             <a:endParaRPr lang="en-US"/>
           </a:p>
@@ -816,7 +815,7 @@
           <a:p>
             <a:fld id="{3A3568CC-110C-4346-A0AE-B1FBECAA9176}" type="slidenum">
               <a:rPr lang="en-US" smtClean="0"/>
-              <a:t>14</a:t>
+              <a:t>13</a:t>
             </a:fld>
             <a:endParaRPr lang="en-US"/>
           </a:p>
@@ -900,7 +899,7 @@
           <a:p>
             <a:fld id="{3A3568CC-110C-4346-A0AE-B1FBECAA9176}" type="slidenum">
               <a:rPr lang="en-US" smtClean="0"/>
-              <a:t>15</a:t>
+              <a:t>14</a:t>
             </a:fld>
             <a:endParaRPr lang="en-US"/>
           </a:p>
@@ -984,7 +983,7 @@
           <a:p>
             <a:fld id="{3A3568CC-110C-4346-A0AE-B1FBECAA9176}" type="slidenum">
               <a:rPr lang="en-US" smtClean="0"/>
-              <a:t>16</a:t>
+              <a:t>15</a:t>
             </a:fld>
             <a:endParaRPr lang="en-US"/>
           </a:p>
@@ -1068,7 +1067,7 @@
           <a:p>
             <a:fld id="{3A3568CC-110C-4346-A0AE-B1FBECAA9176}" type="slidenum">
               <a:rPr lang="en-US" smtClean="0"/>
-              <a:t>17</a:t>
+              <a:t>16</a:t>
             </a:fld>
             <a:endParaRPr lang="en-US"/>
           </a:p>
@@ -1152,7 +1151,7 @@
           <a:p>
             <a:fld id="{3A3568CC-110C-4346-A0AE-B1FBECAA9176}" type="slidenum">
               <a:rPr lang="en-US" smtClean="0"/>
-              <a:t>18</a:t>
+              <a:t>17</a:t>
             </a:fld>
             <a:endParaRPr lang="en-US"/>
           </a:p>
@@ -1236,7 +1235,7 @@
           <a:p>
             <a:fld id="{3A3568CC-110C-4346-A0AE-B1FBECAA9176}" type="slidenum">
               <a:rPr lang="en-US" smtClean="0"/>
-              <a:t>19</a:t>
+              <a:t>18</a:t>
             </a:fld>
             <a:endParaRPr lang="en-US"/>
           </a:p>
@@ -1320,7 +1319,7 @@
           <a:p>
             <a:fld id="{3A3568CC-110C-4346-A0AE-B1FBECAA9176}" type="slidenum">
               <a:rPr lang="en-US" smtClean="0"/>
-              <a:t>4</a:t>
+              <a:t>3</a:t>
             </a:fld>
             <a:endParaRPr lang="en-US"/>
           </a:p>
@@ -1404,7 +1403,7 @@
           <a:p>
             <a:fld id="{3A3568CC-110C-4346-A0AE-B1FBECAA9176}" type="slidenum">
               <a:rPr lang="en-US" smtClean="0"/>
-              <a:t>5</a:t>
+              <a:t>4</a:t>
             </a:fld>
             <a:endParaRPr lang="en-US"/>
           </a:p>
@@ -1488,7 +1487,7 @@
           <a:p>
             <a:fld id="{3A3568CC-110C-4346-A0AE-B1FBECAA9176}" type="slidenum">
               <a:rPr lang="en-US" smtClean="0"/>
-              <a:t>6</a:t>
+              <a:t>5</a:t>
             </a:fld>
             <a:endParaRPr lang="en-US"/>
           </a:p>
@@ -1572,7 +1571,7 @@
           <a:p>
             <a:fld id="{3A3568CC-110C-4346-A0AE-B1FBECAA9176}" type="slidenum">
               <a:rPr lang="en-US" smtClean="0"/>
-              <a:t>7</a:t>
+              <a:t>6</a:t>
             </a:fld>
             <a:endParaRPr lang="en-US"/>
           </a:p>
@@ -1656,7 +1655,7 @@
           <a:p>
             <a:fld id="{3A3568CC-110C-4346-A0AE-B1FBECAA9176}" type="slidenum">
               <a:rPr lang="en-US" smtClean="0"/>
-              <a:t>8</a:t>
+              <a:t>7</a:t>
             </a:fld>
             <a:endParaRPr lang="en-US"/>
           </a:p>
@@ -1740,7 +1739,7 @@
           <a:p>
             <a:fld id="{3A3568CC-110C-4346-A0AE-B1FBECAA9176}" type="slidenum">
               <a:rPr lang="en-US" smtClean="0"/>
-              <a:t>9</a:t>
+              <a:t>8</a:t>
             </a:fld>
             <a:endParaRPr lang="en-US"/>
           </a:p>
@@ -1824,7 +1823,7 @@
           <a:p>
             <a:fld id="{3A3568CC-110C-4346-A0AE-B1FBECAA9176}" type="slidenum">
               <a:rPr lang="en-US" smtClean="0"/>
-              <a:t>10</a:t>
+              <a:t>9</a:t>
             </a:fld>
             <a:endParaRPr lang="en-US"/>
           </a:p>
@@ -1908,7 +1907,7 @@
           <a:p>
             <a:fld id="{3A3568CC-110C-4346-A0AE-B1FBECAA9176}" type="slidenum">
               <a:rPr lang="en-US" smtClean="0"/>
-              <a:t>11</a:t>
+              <a:t>10</a:t>
             </a:fld>
             <a:endParaRPr lang="en-US"/>
           </a:p>
@@ -2108,7 +2107,7 @@
           <a:p>
             <a:fld id="{7793EDCB-5B64-3143-AFED-AA1357A092FA}" type="datetimeFigureOut">
               <a:rPr lang="en-US" smtClean="0"/>
-              <a:t>11/1/12</a:t>
+              <a:t>12/16/12</a:t>
             </a:fld>
             <a:endParaRPr lang="en-US"/>
           </a:p>
@@ -2278,7 +2277,7 @@
           <a:p>
             <a:fld id="{7793EDCB-5B64-3143-AFED-AA1357A092FA}" type="datetimeFigureOut">
               <a:rPr lang="en-US" smtClean="0"/>
-              <a:t>11/1/12</a:t>
+              <a:t>12/16/12</a:t>
             </a:fld>
             <a:endParaRPr lang="en-US"/>
           </a:p>
@@ -2458,7 +2457,7 @@
           <a:p>
             <a:fld id="{7793EDCB-5B64-3143-AFED-AA1357A092FA}" type="datetimeFigureOut">
               <a:rPr lang="en-US" smtClean="0"/>
-              <a:t>11/1/12</a:t>
+              <a:t>12/16/12</a:t>
             </a:fld>
             <a:endParaRPr lang="en-US"/>
           </a:p>
@@ -5501,7 +5500,7 @@
           <a:p>
             <a:fld id="{7793EDCB-5B64-3143-AFED-AA1357A092FA}" type="datetimeFigureOut">
               <a:rPr lang="en-US" smtClean="0"/>
-              <a:t>11/1/12</a:t>
+              <a:t>12/16/12</a:t>
             </a:fld>
             <a:endParaRPr lang="en-US"/>
           </a:p>
@@ -8193,7 +8192,7 @@
                   <a:spcPct val="0"/>
                 </a:spcAft>
               </a:pPr>
-              <a:t>11/1/12</a:t>
+              <a:t>12/16/12</a:t>
             </a:fld>
             <a:endParaRPr lang="ru-RU">
               <a:solidFill>
@@ -8554,7 +8553,7 @@
           <a:p>
             <a:fld id="{7793EDCB-5B64-3143-AFED-AA1357A092FA}" type="datetimeFigureOut">
               <a:rPr lang="en-US" smtClean="0"/>
-              <a:t>11/1/12</a:t>
+              <a:t>12/16/12</a:t>
             </a:fld>
             <a:endParaRPr lang="en-US"/>
           </a:p>
@@ -13524,7 +13523,7 @@
           <a:p>
             <a:fld id="{7793EDCB-5B64-3143-AFED-AA1357A092FA}" type="datetimeFigureOut">
               <a:rPr lang="en-US" smtClean="0"/>
-              <a:t>11/1/12</a:t>
+              <a:t>12/16/12</a:t>
             </a:fld>
             <a:endParaRPr lang="en-US"/>
           </a:p>
@@ -15142,7 +15141,7 @@
           <a:p>
             <a:fld id="{7793EDCB-5B64-3143-AFED-AA1357A092FA}" type="datetimeFigureOut">
               <a:rPr lang="en-US" smtClean="0"/>
-              <a:t>11/1/12</a:t>
+              <a:t>12/16/12</a:t>
             </a:fld>
             <a:endParaRPr lang="en-US"/>
           </a:p>
@@ -15260,7 +15259,7 @@
           <a:p>
             <a:fld id="{7793EDCB-5B64-3143-AFED-AA1357A092FA}" type="datetimeFigureOut">
               <a:rPr lang="en-US" smtClean="0"/>
-              <a:t>11/1/12</a:t>
+              <a:t>12/16/12</a:t>
             </a:fld>
             <a:endParaRPr lang="en-US"/>
           </a:p>
@@ -15355,7 +15354,7 @@
           <a:p>
             <a:fld id="{7793EDCB-5B64-3143-AFED-AA1357A092FA}" type="datetimeFigureOut">
               <a:rPr lang="en-US" smtClean="0"/>
-              <a:t>11/1/12</a:t>
+              <a:t>12/16/12</a:t>
             </a:fld>
             <a:endParaRPr lang="en-US"/>
           </a:p>
@@ -15632,7 +15631,7 @@
           <a:p>
             <a:fld id="{7793EDCB-5B64-3143-AFED-AA1357A092FA}" type="datetimeFigureOut">
               <a:rPr lang="en-US" smtClean="0"/>
-              <a:t>11/1/12</a:t>
+              <a:t>12/16/12</a:t>
             </a:fld>
             <a:endParaRPr lang="en-US"/>
           </a:p>
@@ -15885,7 +15884,7 @@
           <a:p>
             <a:fld id="{7793EDCB-5B64-3143-AFED-AA1357A092FA}" type="datetimeFigureOut">
               <a:rPr lang="en-US" smtClean="0"/>
-              <a:t>11/1/12</a:t>
+              <a:t>12/16/12</a:t>
             </a:fld>
             <a:endParaRPr lang="en-US"/>
           </a:p>
@@ -16098,7 +16097,7 @@
           <a:p>
             <a:fld id="{7793EDCB-5B64-3143-AFED-AA1357A092FA}" type="datetimeFigureOut">
               <a:rPr lang="en-US" smtClean="0"/>
-              <a:t>11/1/12</a:t>
+              <a:t>12/16/12</a:t>
             </a:fld>
             <a:endParaRPr lang="en-US"/>
           </a:p>
@@ -18670,11 +18669,7 @@
           <a:p>
             <a:r>
               <a:rPr lang="en-US" dirty="0" smtClean="0"/>
-              <a:t>Module </a:t>
-            </a:r>
-            <a:r>
-              <a:rPr lang="en-US" dirty="0" smtClean="0"/>
-              <a:t>11</a:t>
+              <a:t>Module 11</a:t>
             </a:r>
             <a:endParaRPr lang="en-US" dirty="0"/>
           </a:p>
@@ -18782,6 +18777,54 @@
       </p:grpSpPr>
       <p:sp>
         <p:nvSpPr>
+          <p:cNvPr id="4" name="Rounded Rectangle 3"/>
+          <p:cNvSpPr/>
+          <p:nvPr/>
+        </p:nvSpPr>
+        <p:spPr>
+          <a:xfrm>
+            <a:off x="952500" y="3457074"/>
+            <a:ext cx="7353300" cy="1219200"/>
+          </a:xfrm>
+          <a:prstGeom prst="roundRect">
+            <a:avLst>
+              <a:gd name="adj" fmla="val 9148"/>
+            </a:avLst>
+          </a:prstGeom>
+          <a:solidFill>
+            <a:schemeClr val="accent4">
+              <a:alpha val="18000"/>
+            </a:schemeClr>
+          </a:solidFill>
+          <a:ln>
+            <a:noFill/>
+          </a:ln>
+        </p:spPr>
+        <p:style>
+          <a:lnRef idx="2">
+            <a:schemeClr val="accent1"/>
+          </a:lnRef>
+          <a:fillRef idx="1">
+            <a:schemeClr val="lt1"/>
+          </a:fillRef>
+          <a:effectRef idx="0">
+            <a:schemeClr val="accent1"/>
+          </a:effectRef>
+          <a:fontRef idx="minor">
+            <a:schemeClr val="dk1"/>
+          </a:fontRef>
+        </p:style>
+        <p:txBody>
+          <a:bodyPr rtlCol="0" anchor="ctr"/>
+          <a:lstStyle/>
+          <a:p>
+            <a:pPr algn="ctr"/>
+            <a:endParaRPr lang="en-US"/>
+          </a:p>
+        </p:txBody>
+      </p:sp>
+      <p:sp>
+        <p:nvSpPr>
           <p:cNvPr id="2" name="Title 1"/>
           <p:cNvSpPr>
             <a:spLocks noGrp="1"/>
@@ -18797,7 +18840,7 @@
           <a:p>
             <a:r>
               <a:rPr lang="ru-RU" dirty="0"/>
-              <a:t>Константы в проверках</a:t>
+              <a:t>Независимые тесты</a:t>
             </a:r>
           </a:p>
         </p:txBody>
@@ -18816,8 +18859,8 @@
         </p:nvSpPr>
         <p:spPr bwMode="auto">
           <a:xfrm>
-            <a:off x="2045928" y="2201198"/>
-            <a:ext cx="5023841" cy="2732604"/>
+            <a:off x="952500" y="1924199"/>
+            <a:ext cx="7239000" cy="3840600"/>
           </a:xfrm>
           <a:prstGeom prst="rect">
             <a:avLst/>
@@ -18849,21 +18892,27 @@
                 <a:solidFill>
                   <a:schemeClr val="accent4"/>
                 </a:solidFill>
+                <a:latin typeface="Arial"/>
+                <a:cs typeface="Arial"/>
               </a:rPr>
-              <a:t>В первом случае, мы должны реализовать внутри теста ту же логику, что и в тестируемом </a:t>
+              <a:t>Модульный тест должен тестировать поведение одного </a:t>
             </a:r>
             <a:r>
               <a:rPr lang="ru-RU" dirty="0" smtClean="0">
                 <a:solidFill>
                   <a:schemeClr val="accent4"/>
                 </a:solidFill>
+                <a:latin typeface="Arial"/>
+                <a:cs typeface="Arial"/>
               </a:rPr>
-              <a:t>методе</a:t>
+              <a:t>метода</a:t>
             </a:r>
             <a:endParaRPr lang="en-US" dirty="0" smtClean="0">
               <a:solidFill>
                 <a:schemeClr val="accent4"/>
               </a:solidFill>
+              <a:latin typeface="Arial"/>
+              <a:cs typeface="Arial"/>
             </a:endParaRPr>
           </a:p>
           <a:p>
@@ -18879,6 +18928,8 @@
               <a:solidFill>
                 <a:schemeClr val="accent4"/>
               </a:solidFill>
+              <a:latin typeface="Arial"/>
+              <a:cs typeface="Arial"/>
             </a:endParaRPr>
           </a:p>
           <a:p>
@@ -18895,21 +18946,112 @@
                 <a:solidFill>
                   <a:schemeClr val="accent4"/>
                 </a:solidFill>
+                <a:latin typeface="Arial"/>
+                <a:cs typeface="Arial"/>
               </a:rPr>
-              <a:t>В случае ошибки в методе, мы должны будем править как метод, так и </a:t>
+              <a:t>Тестирование нескольких методов одновременно может существенно увеличить время на рефакторинг и отлов </a:t>
             </a:r>
             <a:r>
               <a:rPr lang="ru-RU" dirty="0" smtClean="0">
                 <a:solidFill>
                   <a:schemeClr val="accent4"/>
                 </a:solidFill>
+                <a:latin typeface="Arial"/>
+                <a:cs typeface="Arial"/>
               </a:rPr>
-              <a:t>тест</a:t>
+              <a:t>ошибок</a:t>
             </a:r>
             <a:endParaRPr lang="en-US" dirty="0" smtClean="0">
               <a:solidFill>
                 <a:schemeClr val="accent4"/>
               </a:solidFill>
+              <a:latin typeface="Arial"/>
+              <a:cs typeface="Arial"/>
+            </a:endParaRPr>
+          </a:p>
+          <a:p>
+            <a:pPr marL="287338" indent="-287338" defTabSz="803275">
+              <a:buClr>
+                <a:srgbClr val="FF6600"/>
+              </a:buClr>
+              <a:buSzPct val="125000"/>
+              <a:buFont typeface="Wingdings" charset="0"/>
+              <a:buChar char="§"/>
+            </a:pPr>
+            <a:endParaRPr lang="en-US" dirty="0">
+              <a:solidFill>
+                <a:schemeClr val="accent4"/>
+              </a:solidFill>
+              <a:latin typeface="Arial"/>
+              <a:cs typeface="Arial"/>
+            </a:endParaRPr>
+          </a:p>
+          <a:p>
+            <a:pPr marL="287338" indent="-287338" defTabSz="803275">
+              <a:buClr>
+                <a:srgbClr val="FF6600"/>
+              </a:buClr>
+              <a:buSzPct val="125000"/>
+              <a:buFont typeface="Wingdings" charset="0"/>
+              <a:buChar char="§"/>
+            </a:pPr>
+            <a:endParaRPr lang="en-US" dirty="0" smtClean="0">
+              <a:solidFill>
+                <a:schemeClr val="accent4"/>
+              </a:solidFill>
+              <a:latin typeface="Arial"/>
+              <a:cs typeface="Arial"/>
+            </a:endParaRPr>
+          </a:p>
+          <a:p>
+            <a:pPr marL="287338" indent="-287338" defTabSz="803275">
+              <a:buClr>
+                <a:srgbClr val="FF6600"/>
+              </a:buClr>
+              <a:buSzPct val="125000"/>
+              <a:buFont typeface="Wingdings" charset="0"/>
+              <a:buChar char="§"/>
+            </a:pPr>
+            <a:endParaRPr lang="en-US" dirty="0">
+              <a:solidFill>
+                <a:schemeClr val="accent4"/>
+              </a:solidFill>
+              <a:latin typeface="Arial"/>
+              <a:cs typeface="Arial"/>
+            </a:endParaRPr>
+          </a:p>
+          <a:p>
+            <a:pPr marL="287338" indent="-287338" defTabSz="803275">
+              <a:buClr>
+                <a:srgbClr val="FF6600"/>
+              </a:buClr>
+              <a:buSzPct val="125000"/>
+              <a:buFont typeface="Wingdings" charset="0"/>
+              <a:buChar char="§"/>
+            </a:pPr>
+            <a:endParaRPr lang="en-US" dirty="0" smtClean="0">
+              <a:solidFill>
+                <a:schemeClr val="accent4"/>
+              </a:solidFill>
+              <a:latin typeface="Arial"/>
+              <a:cs typeface="Arial"/>
+            </a:endParaRPr>
+          </a:p>
+          <a:p>
+            <a:pPr marL="287338" indent="-287338" defTabSz="803275">
+              <a:buClr>
+                <a:srgbClr val="FF6600"/>
+              </a:buClr>
+              <a:buSzPct val="125000"/>
+              <a:buFont typeface="Wingdings" charset="0"/>
+              <a:buChar char="§"/>
+            </a:pPr>
+            <a:endParaRPr lang="en-US" dirty="0">
+              <a:solidFill>
+                <a:schemeClr val="accent4"/>
+              </a:solidFill>
+              <a:latin typeface="Arial"/>
+              <a:cs typeface="Arial"/>
             </a:endParaRPr>
           </a:p>
           <a:p>
@@ -18925,6 +19067,33 @@
               <a:solidFill>
                 <a:schemeClr val="accent4"/>
               </a:solidFill>
+              <a:latin typeface="Arial"/>
+              <a:cs typeface="Arial"/>
+            </a:endParaRPr>
+          </a:p>
+          <a:p>
+            <a:pPr defTabSz="803275">
+              <a:buClr>
+                <a:srgbClr val="FF6600"/>
+              </a:buClr>
+              <a:buSzPct val="125000"/>
+            </a:pPr>
+            <a:r>
+              <a:rPr lang="ru-RU" dirty="0">
+                <a:solidFill>
+                  <a:schemeClr val="accent4"/>
+                </a:solidFill>
+                <a:latin typeface="Arial"/>
+                <a:cs typeface="Arial"/>
+              </a:rPr>
+              <a:t>	</a:t>
+            </a:r>
+            <a:endParaRPr lang="en-US" dirty="0" smtClean="0">
+              <a:solidFill>
+                <a:schemeClr val="accent4"/>
+              </a:solidFill>
+              <a:latin typeface="Arial"/>
+              <a:cs typeface="Arial"/>
             </a:endParaRPr>
           </a:p>
           <a:p>
@@ -18937,68 +19106,273 @@
               <a:buChar char="§"/>
             </a:pPr>
             <a:r>
+              <a:rPr lang="ru-RU" dirty="0" smtClean="0">
+                <a:solidFill>
+                  <a:schemeClr val="accent4"/>
+                </a:solidFill>
+                <a:latin typeface="Arial"/>
+                <a:cs typeface="Arial"/>
+              </a:rPr>
+              <a:t>В </a:t>
+            </a:r>
+            <a:r>
               <a:rPr lang="ru-RU" dirty="0">
                 <a:solidFill>
                   <a:schemeClr val="accent4"/>
                 </a:solidFill>
+                <a:latin typeface="Arial"/>
+                <a:cs typeface="Arial"/>
               </a:rPr>
-              <a:t>Вторая проверка более понятна и проста в сопровождении</a:t>
-            </a:r>
-          </a:p>
-        </p:txBody>
-      </p:sp>
-      <p:sp>
-        <p:nvSpPr>
-          <p:cNvPr id="4" name="Rectangle 3"/>
-          <p:cNvSpPr>
-            <a:spLocks noChangeArrowheads="1"/>
-          </p:cNvSpPr>
-          <p:nvPr>
-            <p:custDataLst>
-              <p:tags r:id="rId2"/>
-            </p:custDataLst>
-          </p:nvPr>
-        </p:nvSpPr>
-        <p:spPr bwMode="auto">
+              <a:t>случае ошибки будет трудно сказать, какой из методов отработал неправильно</a:t>
+            </a:r>
+          </a:p>
+        </p:txBody>
+      </p:sp>
+      <p:sp>
+        <p:nvSpPr>
+          <p:cNvPr id="3" name="Rectangle 2"/>
+          <p:cNvSpPr/>
+          <p:nvPr/>
+        </p:nvSpPr>
+        <p:spPr>
           <a:xfrm>
-            <a:off x="685800" y="1219200"/>
-            <a:ext cx="5023841" cy="516612"/>
+            <a:off x="1219200" y="3600271"/>
+            <a:ext cx="6858000" cy="1200329"/>
           </a:xfrm>
           <a:prstGeom prst="rect">
             <a:avLst/>
           </a:prstGeom>
-          <a:noFill/>
-          <a:ln w="19050">
-            <a:noFill/>
-            <a:miter lim="800000"/>
-            <a:headEnd/>
-            <a:tailEnd/>
-          </a:ln>
         </p:spPr>
         <p:txBody>
-          <a:bodyPr wrap="square" lIns="93296" tIns="144000" rIns="93296" bIns="93296">
+          <a:bodyPr wrap="square">
             <a:spAutoFit/>
           </a:bodyPr>
           <a:lstStyle/>
           <a:p>
-            <a:pPr defTabSz="803275">
-              <a:buClr>
-                <a:srgbClr val="FF6600"/>
-              </a:buClr>
-              <a:buSzPct val="125000"/>
-            </a:pPr>
+            <a:r>
+              <a:rPr lang="en-US" dirty="0" err="1">
+                <a:solidFill>
+                  <a:srgbClr val="4C73A6"/>
+                </a:solidFill>
+                <a:latin typeface="Menlo"/>
+              </a:rPr>
+              <a:t>int</a:t>
+            </a:r>
+            <a:r>
+              <a:rPr lang="en-US" dirty="0">
+                <a:solidFill>
+                  <a:srgbClr val="4C73A6"/>
+                </a:solidFill>
+                <a:latin typeface="Menlo"/>
+              </a:rPr>
+              <a:t> </a:t>
+            </a:r>
+            <a:r>
+              <a:rPr lang="en-US" dirty="0">
+                <a:solidFill>
+                  <a:srgbClr val="000000"/>
+                </a:solidFill>
+                <a:latin typeface="Menlo"/>
+              </a:rPr>
+              <a:t>return1 = </a:t>
+            </a:r>
+            <a:r>
+              <a:rPr lang="en-US" dirty="0" err="1">
+                <a:solidFill>
+                  <a:srgbClr val="000000"/>
+                </a:solidFill>
+                <a:latin typeface="Menlo"/>
+              </a:rPr>
+              <a:t>myClass.add</a:t>
+            </a:r>
+            <a:r>
+              <a:rPr lang="en-US" dirty="0">
+                <a:solidFill>
+                  <a:srgbClr val="000000"/>
+                </a:solidFill>
+                <a:latin typeface="Menlo"/>
+              </a:rPr>
+              <a:t>(</a:t>
+            </a:r>
+            <a:r>
+              <a:rPr lang="en-US" dirty="0">
+                <a:solidFill>
+                  <a:srgbClr val="0000FF"/>
+                </a:solidFill>
+                <a:latin typeface="Menlo"/>
+              </a:rPr>
+              <a:t>1</a:t>
+            </a:r>
             <a:r>
               <a:rPr lang="en-US" dirty="0" smtClean="0">
                 <a:solidFill>
-                  <a:schemeClr val="accent4"/>
-                </a:solidFill>
+                  <a:srgbClr val="000000"/>
+                </a:solidFill>
+                <a:latin typeface="Menlo"/>
               </a:rPr>
-              <a:t>Code HERE</a:t>
-            </a:r>
-            <a:endParaRPr lang="ru-RU" dirty="0">
-              <a:solidFill>
-                <a:schemeClr val="accent4"/>
-              </a:solidFill>
+              <a:t>, </a:t>
+            </a:r>
+            <a:r>
+              <a:rPr lang="en-US" dirty="0" smtClean="0">
+                <a:solidFill>
+                  <a:srgbClr val="0000FF"/>
+                </a:solidFill>
+                <a:latin typeface="Menlo"/>
+              </a:rPr>
+              <a:t>2</a:t>
+            </a:r>
+            <a:r>
+              <a:rPr lang="en-US" dirty="0">
+                <a:solidFill>
+                  <a:srgbClr val="000000"/>
+                </a:solidFill>
+                <a:latin typeface="Menlo"/>
+              </a:rPr>
+              <a:t>);</a:t>
+            </a:r>
+          </a:p>
+          <a:p>
+            <a:r>
+              <a:rPr lang="en-US" dirty="0" err="1">
+                <a:solidFill>
+                  <a:srgbClr val="4C73A6"/>
+                </a:solidFill>
+                <a:latin typeface="Menlo"/>
+              </a:rPr>
+              <a:t>int</a:t>
+            </a:r>
+            <a:r>
+              <a:rPr lang="en-US" dirty="0">
+                <a:solidFill>
+                  <a:srgbClr val="4C73A6"/>
+                </a:solidFill>
+                <a:latin typeface="Menlo"/>
+              </a:rPr>
+              <a:t> </a:t>
+            </a:r>
+            <a:r>
+              <a:rPr lang="en-US" dirty="0">
+                <a:solidFill>
+                  <a:srgbClr val="000000"/>
+                </a:solidFill>
+                <a:latin typeface="Menlo"/>
+              </a:rPr>
+              <a:t>return2 = </a:t>
+            </a:r>
+            <a:r>
+              <a:rPr lang="en-US" dirty="0" err="1">
+                <a:solidFill>
+                  <a:srgbClr val="000000"/>
+                </a:solidFill>
+                <a:latin typeface="Menlo"/>
+              </a:rPr>
+              <a:t>myClass.add</a:t>
+            </a:r>
+            <a:r>
+              <a:rPr lang="en-US" dirty="0">
+                <a:solidFill>
+                  <a:srgbClr val="000000"/>
+                </a:solidFill>
+                <a:latin typeface="Menlo"/>
+              </a:rPr>
+              <a:t>(-</a:t>
+            </a:r>
+            <a:r>
+              <a:rPr lang="en-US" dirty="0">
+                <a:solidFill>
+                  <a:srgbClr val="0000FF"/>
+                </a:solidFill>
+                <a:latin typeface="Menlo"/>
+              </a:rPr>
+              <a:t>1</a:t>
+            </a:r>
+            <a:r>
+              <a:rPr lang="en-US" dirty="0" smtClean="0">
+                <a:solidFill>
+                  <a:srgbClr val="000000"/>
+                </a:solidFill>
+                <a:latin typeface="Menlo"/>
+              </a:rPr>
+              <a:t>, -</a:t>
+            </a:r>
+            <a:r>
+              <a:rPr lang="en-US" dirty="0">
+                <a:solidFill>
+                  <a:srgbClr val="0000FF"/>
+                </a:solidFill>
+                <a:latin typeface="Menlo"/>
+              </a:rPr>
+              <a:t>2</a:t>
+            </a:r>
+            <a:r>
+              <a:rPr lang="en-US" dirty="0">
+                <a:solidFill>
+                  <a:srgbClr val="000000"/>
+                </a:solidFill>
+                <a:latin typeface="Menlo"/>
+              </a:rPr>
+              <a:t>);</a:t>
+            </a:r>
+          </a:p>
+          <a:p>
+            <a:r>
+              <a:rPr lang="pt-BR" dirty="0" err="1">
+                <a:solidFill>
+                  <a:srgbClr val="000000"/>
+                </a:solidFill>
+                <a:latin typeface="Menlo"/>
+              </a:rPr>
+              <a:t>assertTrue</a:t>
+            </a:r>
+            <a:r>
+              <a:rPr lang="pt-BR" dirty="0">
+                <a:solidFill>
+                  <a:srgbClr val="000000"/>
+                </a:solidFill>
+                <a:latin typeface="Menlo"/>
+              </a:rPr>
+              <a:t>(return1 </a:t>
+            </a:r>
+            <a:r>
+              <a:rPr lang="pt-BR" dirty="0" smtClean="0">
+                <a:solidFill>
+                  <a:srgbClr val="000000"/>
+                </a:solidFill>
+                <a:latin typeface="Menlo"/>
+              </a:rPr>
+              <a:t>- </a:t>
+            </a:r>
+            <a:r>
+              <a:rPr lang="pt-BR" dirty="0">
+                <a:solidFill>
+                  <a:srgbClr val="000000"/>
+                </a:solidFill>
+                <a:latin typeface="Menlo"/>
+              </a:rPr>
+              <a:t>return2 == </a:t>
+            </a:r>
+            <a:r>
+              <a:rPr lang="pt-BR" dirty="0">
+                <a:solidFill>
+                  <a:srgbClr val="0000FF"/>
+                </a:solidFill>
+                <a:latin typeface="Menlo"/>
+              </a:rPr>
+              <a:t>0</a:t>
+            </a:r>
+            <a:r>
+              <a:rPr lang="pt-BR" dirty="0">
+                <a:solidFill>
+                  <a:srgbClr val="000000"/>
+                </a:solidFill>
+                <a:latin typeface="Menlo"/>
+              </a:rPr>
+              <a:t>);</a:t>
+            </a:r>
+          </a:p>
+          <a:p>
+            <a:endParaRPr lang="en-US" dirty="0">
+              <a:latin typeface="Menlo"/>
             </a:endParaRPr>
           </a:p>
         </p:txBody>
@@ -19006,7 +19380,7 @@
     </p:spTree>
     <p:extLst>
       <p:ext uri="{BB962C8B-B14F-4D97-AF65-F5344CB8AC3E}">
-        <p14:creationId xmlns:p14="http://schemas.microsoft.com/office/powerpoint/2010/main" val="25189009"/>
+        <p14:creationId xmlns:p14="http://schemas.microsoft.com/office/powerpoint/2010/main" val="1324118388"/>
       </p:ext>
     </p:extLst>
   </p:cSld>
@@ -19076,8 +19450,8 @@
         </p:nvSpPr>
         <p:spPr bwMode="auto">
           <a:xfrm>
-            <a:off x="2045928" y="1924199"/>
-            <a:ext cx="5023841" cy="3009602"/>
+            <a:off x="1524000" y="2339697"/>
+            <a:ext cx="6096000" cy="2178606"/>
           </a:xfrm>
           <a:prstGeom prst="rect">
             <a:avLst/>
@@ -19109,21 +19483,27 @@
                 <a:solidFill>
                   <a:schemeClr val="accent4"/>
                 </a:solidFill>
+                <a:latin typeface="Arial"/>
+                <a:cs typeface="Arial"/>
               </a:rPr>
-              <a:t>Модульный тест должен тестировать поведение одного </a:t>
+              <a:t>Тесты должны быть независимы друг от </a:t>
             </a:r>
             <a:r>
               <a:rPr lang="ru-RU" dirty="0" smtClean="0">
                 <a:solidFill>
                   <a:schemeClr val="accent4"/>
                 </a:solidFill>
+                <a:latin typeface="Arial"/>
+                <a:cs typeface="Arial"/>
               </a:rPr>
-              <a:t>метода</a:t>
+              <a:t>друга</a:t>
             </a:r>
             <a:endParaRPr lang="en-US" dirty="0" smtClean="0">
               <a:solidFill>
                 <a:schemeClr val="accent4"/>
               </a:solidFill>
+              <a:latin typeface="Arial"/>
+              <a:cs typeface="Arial"/>
             </a:endParaRPr>
           </a:p>
           <a:p>
@@ -19139,6 +19519,8 @@
               <a:solidFill>
                 <a:schemeClr val="accent4"/>
               </a:solidFill>
+              <a:latin typeface="Arial"/>
+              <a:cs typeface="Arial"/>
             </a:endParaRPr>
           </a:p>
           <a:p>
@@ -19155,29 +19537,27 @@
                 <a:solidFill>
                   <a:schemeClr val="accent4"/>
                 </a:solidFill>
+                <a:latin typeface="Arial"/>
+                <a:cs typeface="Arial"/>
               </a:rPr>
-              <a:t>Тестирование нескольких методов одновременно может существенно увеличить время на рефакторинг и отлов ошибок</a:t>
-            </a:r>
-          </a:p>
-          <a:p>
-            <a:pPr defTabSz="803275">
-              <a:buClr>
-                <a:srgbClr val="FF6600"/>
-              </a:buClr>
-              <a:buSzPct val="125000"/>
-            </a:pPr>
-            <a:r>
-              <a:rPr lang="ru-RU" dirty="0">
+              <a:t>Порядок выполнения не должен влиять на </a:t>
+            </a:r>
+            <a:r>
+              <a:rPr lang="ru-RU" dirty="0" smtClean="0">
                 <a:solidFill>
                   <a:schemeClr val="accent4"/>
                 </a:solidFill>
+                <a:latin typeface="Arial"/>
+                <a:cs typeface="Arial"/>
               </a:rPr>
-              <a:t>	</a:t>
+              <a:t>результат</a:t>
             </a:r>
             <a:endParaRPr lang="en-US" dirty="0" smtClean="0">
               <a:solidFill>
                 <a:schemeClr val="accent4"/>
               </a:solidFill>
+              <a:latin typeface="Arial"/>
+              <a:cs typeface="Arial"/>
             </a:endParaRPr>
           </a:p>
           <a:p>
@@ -19189,21 +19569,32 @@
               <a:buFont typeface="Wingdings" charset="0"/>
               <a:buChar char="§"/>
             </a:pPr>
-            <a:r>
-              <a:rPr lang="ru-RU" dirty="0" smtClean="0">
+            <a:endParaRPr lang="ru-RU" dirty="0">
+              <a:solidFill>
+                <a:schemeClr val="accent4"/>
+              </a:solidFill>
+              <a:latin typeface="Arial"/>
+              <a:cs typeface="Arial"/>
+            </a:endParaRPr>
+          </a:p>
+          <a:p>
+            <a:pPr marL="287338" indent="-287338" defTabSz="803275">
+              <a:buClr>
+                <a:srgbClr val="FF6600"/>
+              </a:buClr>
+              <a:buSzPct val="125000"/>
+              <a:buFont typeface="Wingdings" charset="0"/>
+              <a:buChar char="§"/>
+            </a:pPr>
+            <a:r>
+              <a:rPr lang="ru-RU" dirty="0">
                 <a:solidFill>
                   <a:schemeClr val="accent4"/>
                 </a:solidFill>
+                <a:latin typeface="Arial"/>
+                <a:cs typeface="Arial"/>
               </a:rPr>
-              <a:t>В </a:t>
-            </a:r>
-            <a:r>
-              <a:rPr lang="ru-RU" dirty="0">
-                <a:solidFill>
-                  <a:schemeClr val="accent4"/>
-                </a:solidFill>
-              </a:rPr>
-              <a:t>случае ошибки будет трудно сказать, какой из методов отработал неправильно</a:t>
+              <a:t>Тесты не должны использовать общих данных, описывающих состояние тестируемого объекта</a:t>
             </a:r>
           </a:p>
         </p:txBody>
@@ -19211,7 +19602,7 @@
     </p:spTree>
     <p:extLst>
       <p:ext uri="{BB962C8B-B14F-4D97-AF65-F5344CB8AC3E}">
-        <p14:creationId xmlns:p14="http://schemas.microsoft.com/office/powerpoint/2010/main" val="1324118388"/>
+        <p14:creationId xmlns:p14="http://schemas.microsoft.com/office/powerpoint/2010/main" val="1154544219"/>
       </p:ext>
     </p:extLst>
   </p:cSld>
@@ -19262,7 +19653,7 @@
           <a:p>
             <a:r>
               <a:rPr lang="ru-RU" dirty="0"/>
-              <a:t>Независимые тесты</a:t>
+              <a:t>Изолированные тесты</a:t>
             </a:r>
           </a:p>
         </p:txBody>
@@ -19281,8 +19672,8 @@
         </p:nvSpPr>
         <p:spPr bwMode="auto">
           <a:xfrm>
-            <a:off x="2045928" y="2062698"/>
-            <a:ext cx="5023841" cy="2732604"/>
+            <a:off x="381000" y="1295400"/>
+            <a:ext cx="6781800" cy="4394598"/>
           </a:xfrm>
           <a:prstGeom prst="rect">
             <a:avLst/>
@@ -19314,21 +19705,27 @@
                 <a:solidFill>
                   <a:schemeClr val="accent4"/>
                 </a:solidFill>
+                <a:latin typeface="Arial"/>
+                <a:cs typeface="Arial"/>
               </a:rPr>
-              <a:t>Тесты должны быть независимы друг от </a:t>
+              <a:t>Модульные тесты должны быть изолированы от окружения такого как</a:t>
             </a:r>
             <a:r>
               <a:rPr lang="ru-RU" dirty="0" smtClean="0">
                 <a:solidFill>
                   <a:schemeClr val="accent4"/>
                 </a:solidFill>
+                <a:latin typeface="Arial"/>
+                <a:cs typeface="Arial"/>
               </a:rPr>
-              <a:t>друга</a:t>
+              <a:t>:</a:t>
             </a:r>
             <a:endParaRPr lang="en-US" dirty="0" smtClean="0">
               <a:solidFill>
                 <a:schemeClr val="accent4"/>
               </a:solidFill>
+              <a:latin typeface="Arial"/>
+              <a:cs typeface="Arial"/>
             </a:endParaRPr>
           </a:p>
           <a:p>
@@ -19344,41 +19741,263 @@
               <a:solidFill>
                 <a:schemeClr val="accent4"/>
               </a:solidFill>
+              <a:latin typeface="Arial"/>
+              <a:cs typeface="Arial"/>
             </a:endParaRPr>
           </a:p>
           <a:p>
-            <a:pPr marL="287338" indent="-287338" defTabSz="803275">
+            <a:pPr marL="744538" lvl="1" indent="-287338" defTabSz="803275">
               <a:buClr>
                 <a:srgbClr val="FF6600"/>
               </a:buClr>
               <a:buSzPct val="125000"/>
-              <a:buFont typeface="Wingdings" charset="0"/>
-              <a:buChar char="§"/>
+              <a:buFont typeface="Arial"/>
+              <a:buChar char="•"/>
             </a:pPr>
             <a:r>
               <a:rPr lang="ru-RU" dirty="0">
                 <a:solidFill>
                   <a:schemeClr val="accent4"/>
                 </a:solidFill>
+                <a:latin typeface="Arial"/>
+                <a:cs typeface="Arial"/>
               </a:rPr>
-              <a:t>Порядок выполнения не должен влиять на </a:t>
+              <a:t>доступ к базе </a:t>
             </a:r>
             <a:r>
               <a:rPr lang="ru-RU" dirty="0" smtClean="0">
                 <a:solidFill>
                   <a:schemeClr val="accent4"/>
                 </a:solidFill>
+                <a:latin typeface="Arial"/>
+                <a:cs typeface="Arial"/>
               </a:rPr>
-              <a:t>результат</a:t>
+              <a:t>данных</a:t>
             </a:r>
             <a:endParaRPr lang="en-US" dirty="0" smtClean="0">
               <a:solidFill>
                 <a:schemeClr val="accent4"/>
               </a:solidFill>
+              <a:latin typeface="Arial"/>
+              <a:cs typeface="Arial"/>
             </a:endParaRPr>
           </a:p>
           <a:p>
-            <a:pPr marL="287338" indent="-287338" defTabSz="803275">
+            <a:pPr lvl="1" defTabSz="803275">
+              <a:buClr>
+                <a:srgbClr val="FF6600"/>
+              </a:buClr>
+              <a:buSzPct val="125000"/>
+            </a:pPr>
+            <a:endParaRPr lang="ru-RU" dirty="0">
+              <a:solidFill>
+                <a:schemeClr val="accent4"/>
+              </a:solidFill>
+              <a:latin typeface="Arial"/>
+              <a:cs typeface="Arial"/>
+            </a:endParaRPr>
+          </a:p>
+          <a:p>
+            <a:pPr marL="744538" lvl="1" indent="-287338" defTabSz="803275">
+              <a:buClr>
+                <a:srgbClr val="FF6600"/>
+              </a:buClr>
+              <a:buSzPct val="125000"/>
+              <a:buFont typeface="Arial"/>
+              <a:buChar char="•"/>
+            </a:pPr>
+            <a:r>
+              <a:rPr lang="ru-RU" dirty="0">
+                <a:solidFill>
+                  <a:schemeClr val="accent4"/>
+                </a:solidFill>
+                <a:latin typeface="Arial"/>
+                <a:cs typeface="Arial"/>
+              </a:rPr>
+              <a:t>вызов </a:t>
+            </a:r>
+            <a:r>
+              <a:rPr lang="ru-RU" dirty="0" err="1" smtClean="0">
+                <a:solidFill>
+                  <a:schemeClr val="accent4"/>
+                </a:solidFill>
+                <a:latin typeface="Arial"/>
+                <a:cs typeface="Arial"/>
+              </a:rPr>
+              <a:t>вебсервисов</a:t>
+            </a:r>
+            <a:endParaRPr lang="en-US" dirty="0" smtClean="0">
+              <a:solidFill>
+                <a:schemeClr val="accent4"/>
+              </a:solidFill>
+              <a:latin typeface="Arial"/>
+              <a:cs typeface="Arial"/>
+            </a:endParaRPr>
+          </a:p>
+          <a:p>
+            <a:pPr marL="744538" lvl="1" indent="-287338" defTabSz="803275">
+              <a:buClr>
+                <a:srgbClr val="FF6600"/>
+              </a:buClr>
+              <a:buSzPct val="125000"/>
+              <a:buFont typeface="Arial"/>
+              <a:buChar char="•"/>
+            </a:pPr>
+            <a:endParaRPr lang="ru-RU" dirty="0">
+              <a:solidFill>
+                <a:schemeClr val="accent4"/>
+              </a:solidFill>
+              <a:latin typeface="Arial"/>
+              <a:cs typeface="Arial"/>
+            </a:endParaRPr>
+          </a:p>
+          <a:p>
+            <a:pPr marL="744538" lvl="1" indent="-287338" defTabSz="803275">
+              <a:buClr>
+                <a:srgbClr val="FF6600"/>
+              </a:buClr>
+              <a:buSzPct val="125000"/>
+              <a:buFont typeface="Arial"/>
+              <a:buChar char="•"/>
+            </a:pPr>
+            <a:r>
+              <a:rPr lang="ru-RU" dirty="0">
+                <a:solidFill>
+                  <a:schemeClr val="accent4"/>
+                </a:solidFill>
+                <a:latin typeface="Arial"/>
+                <a:cs typeface="Arial"/>
+              </a:rPr>
+              <a:t>переменные </a:t>
+            </a:r>
+            <a:r>
+              <a:rPr lang="ru-RU" dirty="0" smtClean="0">
+                <a:solidFill>
+                  <a:schemeClr val="accent4"/>
+                </a:solidFill>
+                <a:latin typeface="Arial"/>
+                <a:cs typeface="Arial"/>
+              </a:rPr>
+              <a:t>окружения</a:t>
+            </a:r>
+            <a:endParaRPr lang="en-US" dirty="0" smtClean="0">
+              <a:solidFill>
+                <a:schemeClr val="accent4"/>
+              </a:solidFill>
+              <a:latin typeface="Arial"/>
+              <a:cs typeface="Arial"/>
+            </a:endParaRPr>
+          </a:p>
+          <a:p>
+            <a:pPr marL="744538" lvl="1" indent="-287338" defTabSz="803275">
+              <a:buClr>
+                <a:srgbClr val="FF6600"/>
+              </a:buClr>
+              <a:buSzPct val="125000"/>
+              <a:buFont typeface="Arial"/>
+              <a:buChar char="•"/>
+            </a:pPr>
+            <a:endParaRPr lang="ru-RU" dirty="0">
+              <a:solidFill>
+                <a:schemeClr val="accent4"/>
+              </a:solidFill>
+              <a:latin typeface="Arial"/>
+              <a:cs typeface="Arial"/>
+            </a:endParaRPr>
+          </a:p>
+          <a:p>
+            <a:pPr marL="744538" lvl="1" indent="-287338" defTabSz="803275">
+              <a:buClr>
+                <a:srgbClr val="FF6600"/>
+              </a:buClr>
+              <a:buSzPct val="125000"/>
+              <a:buFont typeface="Arial"/>
+              <a:buChar char="•"/>
+            </a:pPr>
+            <a:r>
+              <a:rPr lang="ru-RU" dirty="0">
+                <a:solidFill>
+                  <a:schemeClr val="accent4"/>
+                </a:solidFill>
+                <a:latin typeface="Arial"/>
+                <a:cs typeface="Arial"/>
+              </a:rPr>
+              <a:t>файлы </a:t>
+            </a:r>
+            <a:r>
+              <a:rPr lang="ru-RU" dirty="0" smtClean="0">
+                <a:solidFill>
+                  <a:schemeClr val="accent4"/>
+                </a:solidFill>
+                <a:latin typeface="Arial"/>
+                <a:cs typeface="Arial"/>
+              </a:rPr>
+              <a:t>настроек</a:t>
+            </a:r>
+            <a:endParaRPr lang="en-US" dirty="0" smtClean="0">
+              <a:solidFill>
+                <a:schemeClr val="accent4"/>
+              </a:solidFill>
+              <a:latin typeface="Arial"/>
+              <a:cs typeface="Arial"/>
+            </a:endParaRPr>
+          </a:p>
+          <a:p>
+            <a:pPr marL="744538" lvl="1" indent="-287338" defTabSz="803275">
+              <a:buClr>
+                <a:srgbClr val="FF6600"/>
+              </a:buClr>
+              <a:buSzPct val="125000"/>
+              <a:buFont typeface="Arial"/>
+              <a:buChar char="•"/>
+            </a:pPr>
+            <a:endParaRPr lang="ru-RU" dirty="0">
+              <a:solidFill>
+                <a:schemeClr val="accent4"/>
+              </a:solidFill>
+              <a:latin typeface="Arial"/>
+              <a:cs typeface="Arial"/>
+            </a:endParaRPr>
+          </a:p>
+          <a:p>
+            <a:pPr marL="744538" lvl="1" indent="-287338" defTabSz="803275">
+              <a:buClr>
+                <a:srgbClr val="FF6600"/>
+              </a:buClr>
+              <a:buSzPct val="125000"/>
+              <a:buFont typeface="Arial"/>
+              <a:buChar char="•"/>
+            </a:pPr>
+            <a:r>
+              <a:rPr lang="ru-RU" dirty="0">
+                <a:solidFill>
+                  <a:schemeClr val="accent4"/>
+                </a:solidFill>
+                <a:latin typeface="Arial"/>
+                <a:cs typeface="Arial"/>
+              </a:rPr>
+              <a:t>системная дата и </a:t>
+            </a:r>
+            <a:r>
+              <a:rPr lang="ru-RU" dirty="0" smtClean="0">
+                <a:solidFill>
+                  <a:schemeClr val="accent4"/>
+                </a:solidFill>
+                <a:latin typeface="Arial"/>
+                <a:cs typeface="Arial"/>
+              </a:rPr>
+              <a:t>время</a:t>
+            </a:r>
+            <a:endParaRPr lang="en-US" dirty="0" smtClean="0">
+              <a:solidFill>
+                <a:schemeClr val="accent4"/>
+              </a:solidFill>
+              <a:latin typeface="Arial"/>
+              <a:cs typeface="Arial"/>
+            </a:endParaRPr>
+          </a:p>
+          <a:p>
+            <a:pPr marL="744538" lvl="1" indent="-287338" defTabSz="803275">
               <a:buClr>
                 <a:srgbClr val="FF6600"/>
               </a:buClr>
@@ -19390,6 +20009,8 @@
               <a:solidFill>
                 <a:schemeClr val="accent4"/>
               </a:solidFill>
+              <a:latin typeface="Arial"/>
+              <a:cs typeface="Arial"/>
             </a:endParaRPr>
           </a:p>
           <a:p>
@@ -19406,8 +20027,10 @@
                 <a:solidFill>
                   <a:schemeClr val="accent4"/>
                 </a:solidFill>
+                <a:latin typeface="Arial"/>
+                <a:cs typeface="Arial"/>
               </a:rPr>
-              <a:t>Тесты не должны использовать общих данных, описывающих состояние тестируемого объекта</a:t>
+              <a:t>Используйте заглушки – они легко пишутся, повторно используются и быстро работают</a:t>
             </a:r>
           </a:p>
         </p:txBody>
@@ -19415,7 +20038,7 @@
     </p:spTree>
     <p:extLst>
       <p:ext uri="{BB962C8B-B14F-4D97-AF65-F5344CB8AC3E}">
-        <p14:creationId xmlns:p14="http://schemas.microsoft.com/office/powerpoint/2010/main" val="1154544219"/>
+        <p14:creationId xmlns:p14="http://schemas.microsoft.com/office/powerpoint/2010/main" val="632140706"/>
       </p:ext>
     </p:extLst>
   </p:cSld>
@@ -19466,7 +20089,7 @@
           <a:p>
             <a:r>
               <a:rPr lang="ru-RU" dirty="0"/>
-              <a:t>Изолированные тесты</a:t>
+              <a:t>Именование и комментарии</a:t>
             </a:r>
           </a:p>
         </p:txBody>
@@ -19485,8 +20108,8 @@
         </p:nvSpPr>
         <p:spPr bwMode="auto">
           <a:xfrm>
-            <a:off x="2045928" y="1785700"/>
-            <a:ext cx="5023841" cy="3286601"/>
+            <a:off x="914400" y="2201198"/>
+            <a:ext cx="7315200" cy="2455605"/>
           </a:xfrm>
           <a:prstGeom prst="rect">
             <a:avLst/>
@@ -19518,21 +20141,27 @@
                 <a:solidFill>
                   <a:schemeClr val="accent4"/>
                 </a:solidFill>
+                <a:latin typeface="Arial"/>
+                <a:cs typeface="Arial"/>
               </a:rPr>
-              <a:t>Модульные тесты должны быть изолированы от окружения такого как</a:t>
+              <a:t>Имя тест-метода должно четко определять, какой метод он </a:t>
             </a:r>
             <a:r>
               <a:rPr lang="ru-RU" dirty="0" smtClean="0">
                 <a:solidFill>
                   <a:schemeClr val="accent4"/>
                 </a:solidFill>
+                <a:latin typeface="Arial"/>
+                <a:cs typeface="Arial"/>
               </a:rPr>
-              <a:t>:</a:t>
+              <a:t>тестирует</a:t>
             </a:r>
             <a:endParaRPr lang="en-US" dirty="0" smtClean="0">
               <a:solidFill>
                 <a:schemeClr val="accent4"/>
               </a:solidFill>
+              <a:latin typeface="Arial"/>
+              <a:cs typeface="Arial"/>
             </a:endParaRPr>
           </a:p>
           <a:p>
@@ -19548,10 +20177,12 @@
               <a:solidFill>
                 <a:schemeClr val="accent4"/>
               </a:solidFill>
+              <a:latin typeface="Arial"/>
+              <a:cs typeface="Arial"/>
             </a:endParaRPr>
           </a:p>
           <a:p>
-            <a:pPr marL="744538" lvl="1" indent="-287338" defTabSz="803275">
+            <a:pPr marL="287338" indent="-287338" defTabSz="803275">
               <a:buClr>
                 <a:srgbClr val="FF6600"/>
               </a:buClr>
@@ -19564,97 +20195,31 @@
                 <a:solidFill>
                   <a:schemeClr val="accent4"/>
                 </a:solidFill>
+                <a:latin typeface="Arial"/>
+                <a:cs typeface="Arial"/>
               </a:rPr>
-              <a:t>доступ к базе данных</a:t>
-            </a:r>
-          </a:p>
-          <a:p>
-            <a:pPr marL="744538" lvl="1" indent="-287338" defTabSz="803275">
-              <a:buClr>
-                <a:srgbClr val="FF6600"/>
-              </a:buClr>
-              <a:buSzPct val="125000"/>
-              <a:buFont typeface="Wingdings" charset="0"/>
-              <a:buChar char="§"/>
-            </a:pPr>
-            <a:r>
-              <a:rPr lang="ru-RU" dirty="0">
+              <a:t>В противном случае это ведет к увеличению затрат на поддержку и рефакторинг кода и </a:t>
+            </a:r>
+            <a:r>
+              <a:rPr lang="ru-RU" dirty="0" smtClean="0">
                 <a:solidFill>
                   <a:schemeClr val="accent4"/>
                 </a:solidFill>
+                <a:latin typeface="Arial"/>
+                <a:cs typeface="Arial"/>
               </a:rPr>
-              <a:t>вызов вебсервисов</a:t>
-            </a:r>
-          </a:p>
-          <a:p>
-            <a:pPr marL="744538" lvl="1" indent="-287338" defTabSz="803275">
-              <a:buClr>
-                <a:srgbClr val="FF6600"/>
-              </a:buClr>
-              <a:buSzPct val="125000"/>
-              <a:buFont typeface="Wingdings" charset="0"/>
-              <a:buChar char="§"/>
-            </a:pPr>
-            <a:r>
-              <a:rPr lang="ru-RU" dirty="0">
-                <a:solidFill>
-                  <a:schemeClr val="accent4"/>
-                </a:solidFill>
-              </a:rPr>
-              <a:t>переменные окружения</a:t>
-            </a:r>
-          </a:p>
-          <a:p>
-            <a:pPr marL="744538" lvl="1" indent="-287338" defTabSz="803275">
-              <a:buClr>
-                <a:srgbClr val="FF6600"/>
-              </a:buClr>
-              <a:buSzPct val="125000"/>
-              <a:buFont typeface="Wingdings" charset="0"/>
-              <a:buChar char="§"/>
-            </a:pPr>
-            <a:r>
-              <a:rPr lang="ru-RU" dirty="0">
-                <a:solidFill>
-                  <a:schemeClr val="accent4"/>
-                </a:solidFill>
-              </a:rPr>
-              <a:t>файлы настроек</a:t>
-            </a:r>
-          </a:p>
-          <a:p>
-            <a:pPr marL="744538" lvl="1" indent="-287338" defTabSz="803275">
-              <a:buClr>
-                <a:srgbClr val="FF6600"/>
-              </a:buClr>
-              <a:buSzPct val="125000"/>
-              <a:buFont typeface="Wingdings" charset="0"/>
-              <a:buChar char="§"/>
-            </a:pPr>
-            <a:r>
-              <a:rPr lang="ru-RU" dirty="0">
-                <a:solidFill>
-                  <a:schemeClr val="accent4"/>
-                </a:solidFill>
-              </a:rPr>
-              <a:t>системная дата и </a:t>
-            </a:r>
-            <a:r>
-              <a:rPr lang="ru-RU" dirty="0" smtClean="0">
-                <a:solidFill>
-                  <a:schemeClr val="accent4"/>
-                </a:solidFill>
-              </a:rPr>
-              <a:t>время</a:t>
+              <a:t>тестов</a:t>
             </a:r>
             <a:endParaRPr lang="en-US" dirty="0" smtClean="0">
               <a:solidFill>
                 <a:schemeClr val="accent4"/>
               </a:solidFill>
+              <a:latin typeface="Arial"/>
+              <a:cs typeface="Arial"/>
             </a:endParaRPr>
           </a:p>
           <a:p>
-            <a:pPr marL="744538" lvl="1" indent="-287338" defTabSz="803275">
+            <a:pPr marL="287338" indent="-287338" defTabSz="803275">
               <a:buClr>
                 <a:srgbClr val="FF6600"/>
               </a:buClr>
@@ -19666,6 +20231,8 @@
               <a:solidFill>
                 <a:schemeClr val="accent4"/>
               </a:solidFill>
+              <a:latin typeface="Arial"/>
+              <a:cs typeface="Arial"/>
             </a:endParaRPr>
           </a:p>
           <a:p>
@@ -19682,8 +20249,10 @@
                 <a:solidFill>
                   <a:schemeClr val="accent4"/>
                 </a:solidFill>
+                <a:latin typeface="Arial"/>
+                <a:cs typeface="Arial"/>
               </a:rPr>
-              <a:t>Используйте заглушки – они легко пишутся, повторно используются и быстро работают</a:t>
+              <a:t>Любые нестандартные ситуации должны быть хорошо откомментированны</a:t>
             </a:r>
           </a:p>
         </p:txBody>
@@ -19691,7 +20260,7 @@
     </p:spTree>
     <p:extLst>
       <p:ext uri="{BB962C8B-B14F-4D97-AF65-F5344CB8AC3E}">
-        <p14:creationId xmlns:p14="http://schemas.microsoft.com/office/powerpoint/2010/main" val="632140706"/>
+        <p14:creationId xmlns:p14="http://schemas.microsoft.com/office/powerpoint/2010/main" val="739026919"/>
       </p:ext>
     </p:extLst>
   </p:cSld>
@@ -19742,7 +20311,7 @@
           <a:p>
             <a:r>
               <a:rPr lang="ru-RU" dirty="0"/>
-              <a:t>Именование и комментарии</a:t>
+              <a:t>Сообщения об ошибках</a:t>
             </a:r>
           </a:p>
         </p:txBody>
@@ -19761,8 +20330,8 @@
         </p:nvSpPr>
         <p:spPr bwMode="auto">
           <a:xfrm>
-            <a:off x="2045928" y="2062698"/>
-            <a:ext cx="5023841" cy="2732604"/>
+            <a:off x="1066800" y="2755196"/>
+            <a:ext cx="7010400" cy="1347609"/>
           </a:xfrm>
           <a:prstGeom prst="rect">
             <a:avLst/>
@@ -19794,21 +20363,27 @@
                 <a:solidFill>
                   <a:schemeClr val="accent4"/>
                 </a:solidFill>
+                <a:latin typeface="Arial"/>
+                <a:cs typeface="Arial"/>
               </a:rPr>
-              <a:t>Имя тест-метода должно четко определять, какой метод он </a:t>
+              <a:t>Сообщения должны информативными и позволять однозначно идентифицировать причину </a:t>
             </a:r>
             <a:r>
               <a:rPr lang="ru-RU" dirty="0" smtClean="0">
                 <a:solidFill>
                   <a:schemeClr val="accent4"/>
                 </a:solidFill>
+                <a:latin typeface="Arial"/>
+                <a:cs typeface="Arial"/>
               </a:rPr>
-              <a:t>тестирует</a:t>
+              <a:t>ошибки</a:t>
             </a:r>
             <a:endParaRPr lang="en-US" dirty="0" smtClean="0">
               <a:solidFill>
                 <a:schemeClr val="accent4"/>
               </a:solidFill>
+              <a:latin typeface="Arial"/>
+              <a:cs typeface="Arial"/>
             </a:endParaRPr>
           </a:p>
           <a:p>
@@ -19824,6 +20399,8 @@
               <a:solidFill>
                 <a:schemeClr val="accent4"/>
               </a:solidFill>
+              <a:latin typeface="Arial"/>
+              <a:cs typeface="Arial"/>
             </a:endParaRPr>
           </a:p>
           <a:p>
@@ -19840,54 +20417,10 @@
                 <a:solidFill>
                   <a:schemeClr val="accent4"/>
                 </a:solidFill>
+                <a:latin typeface="Arial"/>
+                <a:cs typeface="Arial"/>
               </a:rPr>
-              <a:t>В противном случае это ведет к увеличению затрат на поддержку и рефакторинг кода и </a:t>
-            </a:r>
-            <a:r>
-              <a:rPr lang="ru-RU" dirty="0" smtClean="0">
-                <a:solidFill>
-                  <a:schemeClr val="accent4"/>
-                </a:solidFill>
-              </a:rPr>
-              <a:t>тестов</a:t>
-            </a:r>
-            <a:endParaRPr lang="en-US" dirty="0" smtClean="0">
-              <a:solidFill>
-                <a:schemeClr val="accent4"/>
-              </a:solidFill>
-            </a:endParaRPr>
-          </a:p>
-          <a:p>
-            <a:pPr marL="287338" indent="-287338" defTabSz="803275">
-              <a:buClr>
-                <a:srgbClr val="FF6600"/>
-              </a:buClr>
-              <a:buSzPct val="125000"/>
-              <a:buFont typeface="Wingdings" charset="0"/>
-              <a:buChar char="§"/>
-            </a:pPr>
-            <a:endParaRPr lang="ru-RU" dirty="0">
-              <a:solidFill>
-                <a:schemeClr val="accent4"/>
-              </a:solidFill>
-            </a:endParaRPr>
-          </a:p>
-          <a:p>
-            <a:pPr marL="287338" indent="-287338" defTabSz="803275">
-              <a:buClr>
-                <a:srgbClr val="FF6600"/>
-              </a:buClr>
-              <a:buSzPct val="125000"/>
-              <a:buFont typeface="Wingdings" charset="0"/>
-              <a:buChar char="§"/>
-            </a:pPr>
-            <a:r>
-              <a:rPr lang="ru-RU" dirty="0">
-                <a:solidFill>
-                  <a:schemeClr val="accent4"/>
-                </a:solidFill>
-              </a:rPr>
-              <a:t>Любые нестандартные ситуации должны быть хорошо откомментированны</a:t>
+              <a:t>Хорошие сообщения улучшают документирование кода</a:t>
             </a:r>
           </a:p>
         </p:txBody>
@@ -19895,7 +20428,7 @@
     </p:spTree>
     <p:extLst>
       <p:ext uri="{BB962C8B-B14F-4D97-AF65-F5344CB8AC3E}">
-        <p14:creationId xmlns:p14="http://schemas.microsoft.com/office/powerpoint/2010/main" val="739026919"/>
+        <p14:creationId xmlns:p14="http://schemas.microsoft.com/office/powerpoint/2010/main" val="1082017385"/>
       </p:ext>
     </p:extLst>
   </p:cSld>
@@ -19946,7 +20479,15 @@
           <a:p>
             <a:r>
               <a:rPr lang="ru-RU" dirty="0"/>
-              <a:t>Сообщения об ошибках</a:t>
+              <a:t>Тестирование </a:t>
+            </a:r>
+            <a:r>
+              <a:rPr lang="en-US" dirty="0"/>
+              <a:t>private </a:t>
+            </a:r>
+            <a:r>
+              <a:rPr lang="ru-RU" dirty="0"/>
+              <a:t>методов</a:t>
             </a:r>
           </a:p>
         </p:txBody>
@@ -19965,8 +20506,8 @@
         </p:nvSpPr>
         <p:spPr bwMode="auto">
           <a:xfrm>
-            <a:off x="2045928" y="2478197"/>
-            <a:ext cx="5023841" cy="1901607"/>
+            <a:off x="762000" y="2201198"/>
+            <a:ext cx="7750175" cy="2455605"/>
           </a:xfrm>
           <a:prstGeom prst="rect">
             <a:avLst/>
@@ -19998,21 +20539,27 @@
                 <a:solidFill>
                   <a:schemeClr val="accent4"/>
                 </a:solidFill>
+                <a:latin typeface="Arial"/>
+                <a:cs typeface="Arial"/>
               </a:rPr>
-              <a:t>Сообщения должны информативными и позволять однозначно идентифицировать причину </a:t>
+              <a:t>По данному вопросу нет однозначного </a:t>
             </a:r>
             <a:r>
               <a:rPr lang="ru-RU" dirty="0" smtClean="0">
                 <a:solidFill>
                   <a:schemeClr val="accent4"/>
                 </a:solidFill>
+                <a:latin typeface="Arial"/>
+                <a:cs typeface="Arial"/>
               </a:rPr>
-              <a:t>ошибки</a:t>
+              <a:t>мнения</a:t>
             </a:r>
             <a:endParaRPr lang="en-US" dirty="0" smtClean="0">
               <a:solidFill>
                 <a:schemeClr val="accent4"/>
               </a:solidFill>
+              <a:latin typeface="Arial"/>
+              <a:cs typeface="Arial"/>
             </a:endParaRPr>
           </a:p>
           <a:p>
@@ -20028,6 +20575,8 @@
               <a:solidFill>
                 <a:schemeClr val="accent4"/>
               </a:solidFill>
+              <a:latin typeface="Arial"/>
+              <a:cs typeface="Arial"/>
             </a:endParaRPr>
           </a:p>
           <a:p>
@@ -20044,8 +20593,64 @@
                 <a:solidFill>
                   <a:schemeClr val="accent4"/>
                 </a:solidFill>
+                <a:latin typeface="Arial"/>
+                <a:cs typeface="Arial"/>
               </a:rPr>
-              <a:t>Хорошие сообщения улучшают документирование кода</a:t>
+              <a:t>С одной стороны, мы должны быть уверены в поведении каждого из методов </a:t>
+            </a:r>
+            <a:r>
+              <a:rPr lang="ru-RU" dirty="0" smtClean="0">
+                <a:solidFill>
+                  <a:schemeClr val="accent4"/>
+                </a:solidFill>
+                <a:latin typeface="Arial"/>
+                <a:cs typeface="Arial"/>
+              </a:rPr>
+              <a:t>класса</a:t>
+            </a:r>
+            <a:endParaRPr lang="en-US" dirty="0" smtClean="0">
+              <a:solidFill>
+                <a:schemeClr val="accent4"/>
+              </a:solidFill>
+              <a:latin typeface="Arial"/>
+              <a:cs typeface="Arial"/>
+            </a:endParaRPr>
+          </a:p>
+          <a:p>
+            <a:pPr marL="287338" indent="-287338" defTabSz="803275">
+              <a:buClr>
+                <a:srgbClr val="FF6600"/>
+              </a:buClr>
+              <a:buSzPct val="125000"/>
+              <a:buFont typeface="Wingdings" charset="0"/>
+              <a:buChar char="§"/>
+            </a:pPr>
+            <a:endParaRPr lang="ru-RU" dirty="0">
+              <a:solidFill>
+                <a:schemeClr val="accent4"/>
+              </a:solidFill>
+              <a:latin typeface="Arial"/>
+              <a:cs typeface="Arial"/>
+            </a:endParaRPr>
+          </a:p>
+          <a:p>
+            <a:pPr marL="287338" indent="-287338" defTabSz="803275">
+              <a:buClr>
+                <a:srgbClr val="FF6600"/>
+              </a:buClr>
+              <a:buSzPct val="125000"/>
+              <a:buFont typeface="Wingdings" charset="0"/>
+              <a:buChar char="§"/>
+            </a:pPr>
+            <a:r>
+              <a:rPr lang="ru-RU" dirty="0">
+                <a:solidFill>
+                  <a:schemeClr val="accent4"/>
+                </a:solidFill>
+                <a:latin typeface="Arial"/>
+                <a:cs typeface="Arial"/>
+              </a:rPr>
+              <a:t>С другой стороны, цель модульного тестирования – проверка поведения интерфейсов класса, вне зависимости от внутренней реализации</a:t>
             </a:r>
           </a:p>
         </p:txBody>
@@ -20053,7 +20658,7 @@
     </p:spTree>
     <p:extLst>
       <p:ext uri="{BB962C8B-B14F-4D97-AF65-F5344CB8AC3E}">
-        <p14:creationId xmlns:p14="http://schemas.microsoft.com/office/powerpoint/2010/main" val="1082017385"/>
+        <p14:creationId xmlns:p14="http://schemas.microsoft.com/office/powerpoint/2010/main" val="3664060530"/>
       </p:ext>
     </p:extLst>
   </p:cSld>
@@ -20104,15 +20709,7 @@
           <a:p>
             <a:r>
               <a:rPr lang="ru-RU" dirty="0"/>
-              <a:t>Тестирование </a:t>
-            </a:r>
-            <a:r>
-              <a:rPr lang="en-US" dirty="0"/>
-              <a:t>private </a:t>
-            </a:r>
-            <a:r>
-              <a:rPr lang="ru-RU" dirty="0"/>
-              <a:t>методов</a:t>
+              <a:t>Разделение по бизнес-модулям</a:t>
             </a:r>
           </a:p>
         </p:txBody>
@@ -20131,8 +20728,8 @@
         </p:nvSpPr>
         <p:spPr bwMode="auto">
           <a:xfrm>
-            <a:off x="2045928" y="1924199"/>
-            <a:ext cx="5023841" cy="3009602"/>
+            <a:off x="1494316" y="2201198"/>
+            <a:ext cx="6155369" cy="2455605"/>
           </a:xfrm>
           <a:prstGeom prst="rect">
             <a:avLst/>
@@ -20164,21 +20761,27 @@
                 <a:solidFill>
                   <a:schemeClr val="accent4"/>
                 </a:solidFill>
+                <a:latin typeface="Arial"/>
+                <a:cs typeface="Arial"/>
               </a:rPr>
-              <a:t>По данному вопросу нет однозначного </a:t>
+              <a:t>Создавайте наборы тестов для каждого из </a:t>
             </a:r>
             <a:r>
               <a:rPr lang="ru-RU" dirty="0" smtClean="0">
                 <a:solidFill>
                   <a:schemeClr val="accent4"/>
                 </a:solidFill>
+                <a:latin typeface="Arial"/>
+                <a:cs typeface="Arial"/>
               </a:rPr>
-              <a:t>мнения</a:t>
+              <a:t>модулей</a:t>
             </a:r>
             <a:endParaRPr lang="en-US" dirty="0" smtClean="0">
               <a:solidFill>
                 <a:schemeClr val="accent4"/>
               </a:solidFill>
+              <a:latin typeface="Arial"/>
+              <a:cs typeface="Arial"/>
             </a:endParaRPr>
           </a:p>
           <a:p>
@@ -20194,6 +20797,8 @@
               <a:solidFill>
                 <a:schemeClr val="accent4"/>
               </a:solidFill>
+              <a:latin typeface="Arial"/>
+              <a:cs typeface="Arial"/>
             </a:endParaRPr>
           </a:p>
           <a:p>
@@ -20210,21 +20815,27 @@
                 <a:solidFill>
                   <a:schemeClr val="accent4"/>
                 </a:solidFill>
+                <a:latin typeface="Arial"/>
+                <a:cs typeface="Arial"/>
               </a:rPr>
-              <a:t>С одной стороны, мы должны быть уверены в поведении каждого из методов </a:t>
+              <a:t>Используйте иерархический </a:t>
             </a:r>
             <a:r>
               <a:rPr lang="ru-RU" dirty="0" smtClean="0">
                 <a:solidFill>
                   <a:schemeClr val="accent4"/>
                 </a:solidFill>
+                <a:latin typeface="Arial"/>
+                <a:cs typeface="Arial"/>
               </a:rPr>
-              <a:t>класса</a:t>
+              <a:t>подход</a:t>
             </a:r>
             <a:endParaRPr lang="en-US" dirty="0" smtClean="0">
               <a:solidFill>
                 <a:schemeClr val="accent4"/>
               </a:solidFill>
+              <a:latin typeface="Arial"/>
+              <a:cs typeface="Arial"/>
             </a:endParaRPr>
           </a:p>
           <a:p>
@@ -20240,6 +20851,8 @@
               <a:solidFill>
                 <a:schemeClr val="accent4"/>
               </a:solidFill>
+              <a:latin typeface="Arial"/>
+              <a:cs typeface="Arial"/>
             </a:endParaRPr>
           </a:p>
           <a:p>
@@ -20256,8 +20869,64 @@
                 <a:solidFill>
                   <a:schemeClr val="accent4"/>
                 </a:solidFill>
+                <a:latin typeface="Arial"/>
+                <a:cs typeface="Arial"/>
               </a:rPr>
-              <a:t>С другой стороны, цель модульного тестирования – проверка поведения интерфейсов класса, вне зависимости от внутренней реализации</a:t>
+              <a:t>Уменьшайте время выполнения наборов, разбивая их на </a:t>
+            </a:r>
+            <a:r>
+              <a:rPr lang="ru-RU" dirty="0" smtClean="0">
+                <a:solidFill>
+                  <a:schemeClr val="accent4"/>
+                </a:solidFill>
+                <a:latin typeface="Arial"/>
+                <a:cs typeface="Arial"/>
+              </a:rPr>
+              <a:t>подмодули</a:t>
+            </a:r>
+            <a:endParaRPr lang="en-US" dirty="0" smtClean="0">
+              <a:solidFill>
+                <a:schemeClr val="accent4"/>
+              </a:solidFill>
+              <a:latin typeface="Arial"/>
+              <a:cs typeface="Arial"/>
+            </a:endParaRPr>
+          </a:p>
+          <a:p>
+            <a:pPr marL="287338" indent="-287338" defTabSz="803275">
+              <a:buClr>
+                <a:srgbClr val="FF6600"/>
+              </a:buClr>
+              <a:buSzPct val="125000"/>
+              <a:buFont typeface="Wingdings" charset="0"/>
+              <a:buChar char="§"/>
+            </a:pPr>
+            <a:endParaRPr lang="ru-RU" dirty="0">
+              <a:solidFill>
+                <a:schemeClr val="accent4"/>
+              </a:solidFill>
+              <a:latin typeface="Arial"/>
+              <a:cs typeface="Arial"/>
+            </a:endParaRPr>
+          </a:p>
+          <a:p>
+            <a:pPr marL="287338" indent="-287338" defTabSz="803275">
+              <a:buClr>
+                <a:srgbClr val="FF6600"/>
+              </a:buClr>
+              <a:buSzPct val="125000"/>
+              <a:buFont typeface="Wingdings" charset="0"/>
+              <a:buChar char="§"/>
+            </a:pPr>
+            <a:r>
+              <a:rPr lang="ru-RU" dirty="0">
+                <a:solidFill>
+                  <a:schemeClr val="accent4"/>
+                </a:solidFill>
+                <a:latin typeface="Arial"/>
+                <a:cs typeface="Arial"/>
+              </a:rPr>
+              <a:t>Маленькие наборы можно выполнять чаще</a:t>
             </a:r>
           </a:p>
         </p:txBody>
@@ -20265,7 +20934,7 @@
     </p:spTree>
     <p:extLst>
       <p:ext uri="{BB962C8B-B14F-4D97-AF65-F5344CB8AC3E}">
-        <p14:creationId xmlns:p14="http://schemas.microsoft.com/office/powerpoint/2010/main" val="3664060530"/>
+        <p14:creationId xmlns:p14="http://schemas.microsoft.com/office/powerpoint/2010/main" val="423627083"/>
       </p:ext>
     </p:extLst>
   </p:cSld>
@@ -20316,7 +20985,7 @@
           <a:p>
             <a:r>
               <a:rPr lang="ru-RU" dirty="0"/>
-              <a:t>Разделение по бизнес-модулям</a:t>
+              <a:t>Измеряйте покрытие</a:t>
             </a:r>
           </a:p>
         </p:txBody>
@@ -20335,8 +21004,8 @@
         </p:nvSpPr>
         <p:spPr bwMode="auto">
           <a:xfrm>
-            <a:off x="2045928" y="2062698"/>
-            <a:ext cx="5023841" cy="2732604"/>
+            <a:off x="838200" y="2339697"/>
+            <a:ext cx="7467600" cy="2178606"/>
           </a:xfrm>
           <a:prstGeom prst="rect">
             <a:avLst/>
@@ -20368,21 +21037,27 @@
                 <a:solidFill>
                   <a:schemeClr val="accent4"/>
                 </a:solidFill>
+                <a:latin typeface="Arial"/>
+                <a:cs typeface="Arial"/>
               </a:rPr>
-              <a:t>Создавайте наборы тестов для каждого из </a:t>
+              <a:t>Зачастую, трудно понять, насколько хорошо оттестирована та или иная часть </a:t>
             </a:r>
             <a:r>
               <a:rPr lang="ru-RU" dirty="0" smtClean="0">
                 <a:solidFill>
                   <a:schemeClr val="accent4"/>
                 </a:solidFill>
+                <a:latin typeface="Arial"/>
+                <a:cs typeface="Arial"/>
               </a:rPr>
-              <a:t>модулей</a:t>
+              <a:t>кода</a:t>
             </a:r>
             <a:endParaRPr lang="en-US" dirty="0" smtClean="0">
               <a:solidFill>
                 <a:schemeClr val="accent4"/>
               </a:solidFill>
+              <a:latin typeface="Arial"/>
+              <a:cs typeface="Arial"/>
             </a:endParaRPr>
           </a:p>
           <a:p>
@@ -20398,6 +21073,8 @@
               <a:solidFill>
                 <a:schemeClr val="accent4"/>
               </a:solidFill>
+              <a:latin typeface="Arial"/>
+              <a:cs typeface="Arial"/>
             </a:endParaRPr>
           </a:p>
           <a:p>
@@ -20414,100 +21091,10 @@
                 <a:solidFill>
                   <a:schemeClr val="accent4"/>
                 </a:solidFill>
+                <a:latin typeface="Arial"/>
+                <a:cs typeface="Arial"/>
               </a:rPr>
-              <a:t>Используйте иерархический </a:t>
-            </a:r>
-            <a:r>
-              <a:rPr lang="ru-RU" dirty="0" smtClean="0">
-                <a:solidFill>
-                  <a:schemeClr val="accent4"/>
-                </a:solidFill>
-              </a:rPr>
-              <a:t>подход</a:t>
-            </a:r>
-            <a:endParaRPr lang="en-US" dirty="0" smtClean="0">
-              <a:solidFill>
-                <a:schemeClr val="accent4"/>
-              </a:solidFill>
-            </a:endParaRPr>
-          </a:p>
-          <a:p>
-            <a:pPr marL="287338" indent="-287338" defTabSz="803275">
-              <a:buClr>
-                <a:srgbClr val="FF6600"/>
-              </a:buClr>
-              <a:buSzPct val="125000"/>
-              <a:buFont typeface="Wingdings" charset="0"/>
-              <a:buChar char="§"/>
-            </a:pPr>
-            <a:endParaRPr lang="ru-RU" dirty="0">
-              <a:solidFill>
-                <a:schemeClr val="accent4"/>
-              </a:solidFill>
-            </a:endParaRPr>
-          </a:p>
-          <a:p>
-            <a:pPr marL="287338" indent="-287338" defTabSz="803275">
-              <a:buClr>
-                <a:srgbClr val="FF6600"/>
-              </a:buClr>
-              <a:buSzPct val="125000"/>
-              <a:buFont typeface="Wingdings" charset="0"/>
-              <a:buChar char="§"/>
-            </a:pPr>
-            <a:r>
-              <a:rPr lang="ru-RU" dirty="0">
-                <a:solidFill>
-                  <a:schemeClr val="accent4"/>
-                </a:solidFill>
-              </a:rPr>
-              <a:t>Уменьшайте время выполнения наборов, разбивая их на </a:t>
-            </a:r>
-            <a:r>
-              <a:rPr lang="ru-RU" dirty="0" smtClean="0">
-                <a:solidFill>
-                  <a:schemeClr val="accent4"/>
-                </a:solidFill>
-              </a:rPr>
-              <a:t>подмодули</a:t>
-            </a:r>
-            <a:endParaRPr lang="en-US" dirty="0" smtClean="0">
-              <a:solidFill>
-                <a:schemeClr val="accent4"/>
-              </a:solidFill>
-            </a:endParaRPr>
-          </a:p>
-          <a:p>
-            <a:pPr marL="287338" indent="-287338" defTabSz="803275">
-              <a:buClr>
-                <a:srgbClr val="FF6600"/>
-              </a:buClr>
-              <a:buSzPct val="125000"/>
-              <a:buFont typeface="Wingdings" charset="0"/>
-              <a:buChar char="§"/>
-            </a:pPr>
-            <a:endParaRPr lang="ru-RU" dirty="0">
-              <a:solidFill>
-                <a:schemeClr val="accent4"/>
-              </a:solidFill>
-            </a:endParaRPr>
-          </a:p>
-          <a:p>
-            <a:pPr marL="287338" indent="-287338" defTabSz="803275">
-              <a:buClr>
-                <a:srgbClr val="FF6600"/>
-              </a:buClr>
-              <a:buSzPct val="125000"/>
-              <a:buFont typeface="Wingdings" charset="0"/>
-              <a:buChar char="§"/>
-            </a:pPr>
-            <a:r>
-              <a:rPr lang="ru-RU" dirty="0">
-                <a:solidFill>
-                  <a:schemeClr val="accent4"/>
-                </a:solidFill>
-              </a:rPr>
-              <a:t>Маленькие наборы можно выполнять чаще</a:t>
+              <a:t>Современные инструменты анализа покрытия интегрируются в IDE и инструменты автоматических сборок (ant, maven), и дают наглядное представление степени покрытия кода на различных уровнях</a:t>
             </a:r>
           </a:p>
         </p:txBody>
@@ -20515,7 +21102,7 @@
     </p:spTree>
     <p:extLst>
       <p:ext uri="{BB962C8B-B14F-4D97-AF65-F5344CB8AC3E}">
-        <p14:creationId xmlns:p14="http://schemas.microsoft.com/office/powerpoint/2010/main" val="423627083"/>
+        <p14:creationId xmlns:p14="http://schemas.microsoft.com/office/powerpoint/2010/main" val="2032815203"/>
       </p:ext>
     </p:extLst>
   </p:cSld>
@@ -20566,7 +21153,7 @@
           <a:p>
             <a:r>
               <a:rPr lang="ru-RU" dirty="0"/>
-              <a:t>Измеряйте покрытие</a:t>
+              <a:t>Полная автоматизация</a:t>
             </a:r>
           </a:p>
         </p:txBody>
@@ -20585,8 +21172,8 @@
         </p:nvSpPr>
         <p:spPr bwMode="auto">
           <a:xfrm>
-            <a:off x="2045928" y="2062698"/>
-            <a:ext cx="5023841" cy="2732604"/>
+            <a:off x="990600" y="1447800"/>
+            <a:ext cx="7521576" cy="516612"/>
           </a:xfrm>
           <a:prstGeom prst="rect">
             <a:avLst/>
@@ -20605,6 +21192,76 @@
           </a:bodyPr>
           <a:lstStyle/>
           <a:p>
+            <a:pPr defTabSz="803275">
+              <a:buClr>
+                <a:srgbClr val="FF6600"/>
+              </a:buClr>
+              <a:buSzPct val="125000"/>
+            </a:pPr>
+            <a:r>
+              <a:rPr lang="ru-RU" dirty="0">
+                <a:solidFill>
+                  <a:schemeClr val="accent4"/>
+                </a:solidFill>
+                <a:latin typeface="Arial"/>
+                <a:cs typeface="Arial"/>
+              </a:rPr>
+              <a:t>Каждый из этих шагов должен выполняться автоматически</a:t>
+            </a:r>
+            <a:r>
+              <a:rPr lang="ru-RU" dirty="0" smtClean="0">
+                <a:solidFill>
+                  <a:schemeClr val="accent4"/>
+                </a:solidFill>
+                <a:latin typeface="Arial"/>
+                <a:cs typeface="Arial"/>
+              </a:rPr>
+              <a:t>:</a:t>
+            </a:r>
+            <a:endParaRPr lang="ru-RU" dirty="0">
+              <a:solidFill>
+                <a:schemeClr val="accent4"/>
+              </a:solidFill>
+              <a:latin typeface="Arial"/>
+              <a:cs typeface="Arial"/>
+            </a:endParaRPr>
+          </a:p>
+        </p:txBody>
+      </p:sp>
+      <p:sp>
+        <p:nvSpPr>
+          <p:cNvPr id="4" name="Rectangle 3"/>
+          <p:cNvSpPr>
+            <a:spLocks noChangeArrowheads="1"/>
+          </p:cNvSpPr>
+          <p:nvPr>
+            <p:custDataLst>
+              <p:tags r:id="rId2"/>
+            </p:custDataLst>
+          </p:nvPr>
+        </p:nvSpPr>
+        <p:spPr bwMode="auto">
+          <a:xfrm>
+            <a:off x="990599" y="2667000"/>
+            <a:ext cx="7521576" cy="2455605"/>
+          </a:xfrm>
+          <a:prstGeom prst="rect">
+            <a:avLst/>
+          </a:prstGeom>
+          <a:noFill/>
+          <a:ln w="19050">
+            <a:noFill/>
+            <a:miter lim="800000"/>
+            <a:headEnd/>
+            <a:tailEnd/>
+          </a:ln>
+        </p:spPr>
+        <p:txBody>
+          <a:bodyPr wrap="square" lIns="93296" tIns="144000" rIns="93296" bIns="93296">
+            <a:spAutoFit/>
+          </a:bodyPr>
+          <a:lstStyle/>
+          <a:p>
             <a:pPr marL="287338" indent="-287338" defTabSz="803275">
               <a:buClr>
                 <a:srgbClr val="FF6600"/>
@@ -20614,25 +21271,21 @@
               <a:buChar char="§"/>
             </a:pPr>
             <a:r>
-              <a:rPr lang="ru-RU" dirty="0">
+              <a:rPr lang="ru-RU" dirty="0" smtClean="0">
                 <a:solidFill>
                   <a:schemeClr val="accent4"/>
                 </a:solidFill>
+                <a:latin typeface="Arial"/>
+                <a:cs typeface="Arial"/>
               </a:rPr>
-              <a:t>Зачастую, трудно понять, насколько хорошо оттестирована та или иная часть </a:t>
-            </a:r>
-            <a:r>
-              <a:rPr lang="ru-RU" dirty="0" smtClean="0">
-                <a:solidFill>
-                  <a:schemeClr val="accent4"/>
-                </a:solidFill>
-              </a:rPr>
-              <a:t>кода</a:t>
+              <a:t>выполнение тестов</a:t>
             </a:r>
             <a:endParaRPr lang="en-US" dirty="0" smtClean="0">
               <a:solidFill>
                 <a:schemeClr val="accent4"/>
               </a:solidFill>
+              <a:latin typeface="Arial"/>
+              <a:cs typeface="Arial"/>
             </a:endParaRPr>
           </a:p>
           <a:p>
@@ -20648,6 +21301,8 @@
               <a:solidFill>
                 <a:schemeClr val="accent4"/>
               </a:solidFill>
+              <a:latin typeface="Arial"/>
+              <a:cs typeface="Arial"/>
             </a:endParaRPr>
           </a:p>
           <a:p>
@@ -20664,8 +21319,118 @@
                 <a:solidFill>
                   <a:schemeClr val="accent4"/>
                 </a:solidFill>
+                <a:latin typeface="Arial"/>
+                <a:cs typeface="Arial"/>
               </a:rPr>
-              <a:t>Современные инструменты анализа покрытия интегрируются в IDE и инструменты автоматических сборок (ant, maven), и дают наглядное представление степени покрытия кода на различных уровнях</a:t>
+              <a:t>сбор </a:t>
+            </a:r>
+            <a:r>
+              <a:rPr lang="ru-RU" dirty="0" smtClean="0">
+                <a:solidFill>
+                  <a:schemeClr val="accent4"/>
+                </a:solidFill>
+                <a:latin typeface="Arial"/>
+                <a:cs typeface="Arial"/>
+              </a:rPr>
+              <a:t>результатов</a:t>
+            </a:r>
+            <a:endParaRPr lang="en-US" dirty="0" smtClean="0">
+              <a:solidFill>
+                <a:schemeClr val="accent4"/>
+              </a:solidFill>
+              <a:latin typeface="Arial"/>
+              <a:cs typeface="Arial"/>
+            </a:endParaRPr>
+          </a:p>
+          <a:p>
+            <a:pPr marL="287338" indent="-287338" defTabSz="803275">
+              <a:buClr>
+                <a:srgbClr val="FF6600"/>
+              </a:buClr>
+              <a:buSzPct val="125000"/>
+              <a:buFont typeface="Wingdings" charset="0"/>
+              <a:buChar char="§"/>
+            </a:pPr>
+            <a:endParaRPr lang="ru-RU" dirty="0">
+              <a:solidFill>
+                <a:schemeClr val="accent4"/>
+              </a:solidFill>
+              <a:latin typeface="Arial"/>
+              <a:cs typeface="Arial"/>
+            </a:endParaRPr>
+          </a:p>
+          <a:p>
+            <a:pPr marL="287338" indent="-287338" defTabSz="803275">
+              <a:buClr>
+                <a:srgbClr val="FF6600"/>
+              </a:buClr>
+              <a:buSzPct val="125000"/>
+              <a:buFont typeface="Wingdings" charset="0"/>
+              <a:buChar char="§"/>
+            </a:pPr>
+            <a:r>
+              <a:rPr lang="ru-RU" dirty="0">
+                <a:solidFill>
+                  <a:schemeClr val="accent4"/>
+                </a:solidFill>
+                <a:latin typeface="Arial"/>
+                <a:cs typeface="Arial"/>
+              </a:rPr>
+              <a:t>определение успешности выполнения </a:t>
+            </a:r>
+            <a:r>
+              <a:rPr lang="ru-RU" dirty="0" smtClean="0">
+                <a:solidFill>
+                  <a:schemeClr val="accent4"/>
+                </a:solidFill>
+                <a:latin typeface="Arial"/>
+                <a:cs typeface="Arial"/>
+              </a:rPr>
+              <a:t>тестов</a:t>
+            </a:r>
+            <a:endParaRPr lang="en-US" dirty="0" smtClean="0">
+              <a:solidFill>
+                <a:schemeClr val="accent4"/>
+              </a:solidFill>
+              <a:latin typeface="Arial"/>
+              <a:cs typeface="Arial"/>
+            </a:endParaRPr>
+          </a:p>
+          <a:p>
+            <a:pPr marL="287338" indent="-287338" defTabSz="803275">
+              <a:buClr>
+                <a:srgbClr val="FF6600"/>
+              </a:buClr>
+              <a:buSzPct val="125000"/>
+              <a:buFont typeface="Wingdings" charset="0"/>
+              <a:buChar char="§"/>
+            </a:pPr>
+            <a:endParaRPr lang="ru-RU" dirty="0">
+              <a:solidFill>
+                <a:schemeClr val="accent4"/>
+              </a:solidFill>
+              <a:latin typeface="Arial"/>
+              <a:cs typeface="Arial"/>
+            </a:endParaRPr>
+          </a:p>
+          <a:p>
+            <a:pPr marL="287338" indent="-287338" defTabSz="803275">
+              <a:buClr>
+                <a:srgbClr val="FF6600"/>
+              </a:buClr>
+              <a:buSzPct val="125000"/>
+              <a:buFont typeface="Wingdings" charset="0"/>
+              <a:buChar char="§"/>
+            </a:pPr>
+            <a:r>
+              <a:rPr lang="ru-RU" dirty="0">
+                <a:solidFill>
+                  <a:schemeClr val="accent4"/>
+                </a:solidFill>
+                <a:latin typeface="Arial"/>
+                <a:cs typeface="Arial"/>
+              </a:rPr>
+              <a:t>нотификация о результатах (e-mail, IM, страница на dashboard’e проекта, иконка в трее, флажок в IDE, сигнальный огонь и т.д.)</a:t>
             </a:r>
           </a:p>
         </p:txBody>
@@ -20673,7 +21438,7 @@
     </p:spTree>
     <p:extLst>
       <p:ext uri="{BB962C8B-B14F-4D97-AF65-F5344CB8AC3E}">
-        <p14:creationId xmlns:p14="http://schemas.microsoft.com/office/powerpoint/2010/main" val="2032815203"/>
+        <p14:creationId xmlns:p14="http://schemas.microsoft.com/office/powerpoint/2010/main" val="4165442562"/>
       </p:ext>
     </p:extLst>
   </p:cSld>
@@ -20709,1333 +21474,6 @@
       </p:grpSpPr>
       <p:sp>
         <p:nvSpPr>
-          <p:cNvPr id="2" name="Title 1"/>
-          <p:cNvSpPr>
-            <a:spLocks noGrp="1"/>
-          </p:cNvSpPr>
-          <p:nvPr>
-            <p:ph type="title"/>
-          </p:nvPr>
-        </p:nvSpPr>
-        <p:spPr/>
-        <p:txBody>
-          <a:bodyPr/>
-          <a:lstStyle/>
-          <a:p>
-            <a:r>
-              <a:rPr lang="ru-RU" dirty="0"/>
-              <a:t>Полная автоматизация</a:t>
-            </a:r>
-          </a:p>
-        </p:txBody>
-      </p:sp>
-      <p:sp>
-        <p:nvSpPr>
-          <p:cNvPr id="5" name="Rectangle 4"/>
-          <p:cNvSpPr>
-            <a:spLocks noChangeArrowheads="1"/>
-          </p:cNvSpPr>
-          <p:nvPr>
-            <p:custDataLst>
-              <p:tags r:id="rId1"/>
-            </p:custDataLst>
-          </p:nvPr>
-        </p:nvSpPr>
-        <p:spPr bwMode="auto">
-          <a:xfrm>
-            <a:off x="2051664" y="1447800"/>
-            <a:ext cx="5023841" cy="793611"/>
-          </a:xfrm>
-          <a:prstGeom prst="rect">
-            <a:avLst/>
-          </a:prstGeom>
-          <a:noFill/>
-          <a:ln w="19050">
-            <a:noFill/>
-            <a:miter lim="800000"/>
-            <a:headEnd/>
-            <a:tailEnd/>
-          </a:ln>
-        </p:spPr>
-        <p:txBody>
-          <a:bodyPr wrap="square" lIns="93296" tIns="144000" rIns="93296" bIns="93296">
-            <a:spAutoFit/>
-          </a:bodyPr>
-          <a:lstStyle/>
-          <a:p>
-            <a:pPr defTabSz="803275">
-              <a:buClr>
-                <a:srgbClr val="FF6600"/>
-              </a:buClr>
-              <a:buSzPct val="125000"/>
-            </a:pPr>
-            <a:r>
-              <a:rPr lang="ru-RU" dirty="0">
-                <a:solidFill>
-                  <a:schemeClr val="accent4"/>
-                </a:solidFill>
-              </a:rPr>
-              <a:t>Каждый из этих шагов должен выполняться автоматически</a:t>
-            </a:r>
-            <a:r>
-              <a:rPr lang="ru-RU" dirty="0" smtClean="0">
-                <a:solidFill>
-                  <a:schemeClr val="accent4"/>
-                </a:solidFill>
-              </a:rPr>
-              <a:t>:</a:t>
-            </a:r>
-            <a:endParaRPr lang="ru-RU" dirty="0">
-              <a:solidFill>
-                <a:schemeClr val="accent4"/>
-              </a:solidFill>
-            </a:endParaRPr>
-          </a:p>
-        </p:txBody>
-      </p:sp>
-      <p:sp>
-        <p:nvSpPr>
-          <p:cNvPr id="4" name="Rectangle 3"/>
-          <p:cNvSpPr>
-            <a:spLocks noChangeArrowheads="1"/>
-          </p:cNvSpPr>
-          <p:nvPr>
-            <p:custDataLst>
-              <p:tags r:id="rId2"/>
-            </p:custDataLst>
-          </p:nvPr>
-        </p:nvSpPr>
-        <p:spPr bwMode="auto">
-          <a:xfrm>
-            <a:off x="2051663" y="2667000"/>
-            <a:ext cx="5023841" cy="2732604"/>
-          </a:xfrm>
-          <a:prstGeom prst="rect">
-            <a:avLst/>
-          </a:prstGeom>
-          <a:noFill/>
-          <a:ln w="19050">
-            <a:noFill/>
-            <a:miter lim="800000"/>
-            <a:headEnd/>
-            <a:tailEnd/>
-          </a:ln>
-        </p:spPr>
-        <p:txBody>
-          <a:bodyPr wrap="square" lIns="93296" tIns="144000" rIns="93296" bIns="93296">
-            <a:spAutoFit/>
-          </a:bodyPr>
-          <a:lstStyle/>
-          <a:p>
-            <a:pPr marL="287338" indent="-287338" defTabSz="803275">
-              <a:buClr>
-                <a:srgbClr val="FF6600"/>
-              </a:buClr>
-              <a:buSzPct val="125000"/>
-              <a:buFont typeface="Wingdings" charset="0"/>
-              <a:buChar char="§"/>
-            </a:pPr>
-            <a:r>
-              <a:rPr lang="ru-RU" dirty="0" smtClean="0">
-                <a:solidFill>
-                  <a:schemeClr val="accent4"/>
-                </a:solidFill>
-              </a:rPr>
-              <a:t>выполнение тестов</a:t>
-            </a:r>
-            <a:endParaRPr lang="en-US" dirty="0" smtClean="0">
-              <a:solidFill>
-                <a:schemeClr val="accent4"/>
-              </a:solidFill>
-            </a:endParaRPr>
-          </a:p>
-          <a:p>
-            <a:pPr marL="287338" indent="-287338" defTabSz="803275">
-              <a:buClr>
-                <a:srgbClr val="FF6600"/>
-              </a:buClr>
-              <a:buSzPct val="125000"/>
-              <a:buFont typeface="Wingdings" charset="0"/>
-              <a:buChar char="§"/>
-            </a:pPr>
-            <a:endParaRPr lang="ru-RU" dirty="0">
-              <a:solidFill>
-                <a:schemeClr val="accent4"/>
-              </a:solidFill>
-            </a:endParaRPr>
-          </a:p>
-          <a:p>
-            <a:pPr marL="287338" indent="-287338" defTabSz="803275">
-              <a:buClr>
-                <a:srgbClr val="FF6600"/>
-              </a:buClr>
-              <a:buSzPct val="125000"/>
-              <a:buFont typeface="Wingdings" charset="0"/>
-              <a:buChar char="§"/>
-            </a:pPr>
-            <a:r>
-              <a:rPr lang="ru-RU" dirty="0">
-                <a:solidFill>
-                  <a:schemeClr val="accent4"/>
-                </a:solidFill>
-              </a:rPr>
-              <a:t>сбор </a:t>
-            </a:r>
-            <a:r>
-              <a:rPr lang="ru-RU" dirty="0" smtClean="0">
-                <a:solidFill>
-                  <a:schemeClr val="accent4"/>
-                </a:solidFill>
-              </a:rPr>
-              <a:t>результатов</a:t>
-            </a:r>
-            <a:endParaRPr lang="en-US" dirty="0" smtClean="0">
-              <a:solidFill>
-                <a:schemeClr val="accent4"/>
-              </a:solidFill>
-            </a:endParaRPr>
-          </a:p>
-          <a:p>
-            <a:pPr marL="287338" indent="-287338" defTabSz="803275">
-              <a:buClr>
-                <a:srgbClr val="FF6600"/>
-              </a:buClr>
-              <a:buSzPct val="125000"/>
-              <a:buFont typeface="Wingdings" charset="0"/>
-              <a:buChar char="§"/>
-            </a:pPr>
-            <a:endParaRPr lang="ru-RU" dirty="0">
-              <a:solidFill>
-                <a:schemeClr val="accent4"/>
-              </a:solidFill>
-            </a:endParaRPr>
-          </a:p>
-          <a:p>
-            <a:pPr marL="287338" indent="-287338" defTabSz="803275">
-              <a:buClr>
-                <a:srgbClr val="FF6600"/>
-              </a:buClr>
-              <a:buSzPct val="125000"/>
-              <a:buFont typeface="Wingdings" charset="0"/>
-              <a:buChar char="§"/>
-            </a:pPr>
-            <a:r>
-              <a:rPr lang="ru-RU" dirty="0">
-                <a:solidFill>
-                  <a:schemeClr val="accent4"/>
-                </a:solidFill>
-              </a:rPr>
-              <a:t>определение успешности выполнения </a:t>
-            </a:r>
-            <a:r>
-              <a:rPr lang="ru-RU" dirty="0" smtClean="0">
-                <a:solidFill>
-                  <a:schemeClr val="accent4"/>
-                </a:solidFill>
-              </a:rPr>
-              <a:t>тестов</a:t>
-            </a:r>
-            <a:endParaRPr lang="en-US" dirty="0" smtClean="0">
-              <a:solidFill>
-                <a:schemeClr val="accent4"/>
-              </a:solidFill>
-            </a:endParaRPr>
-          </a:p>
-          <a:p>
-            <a:pPr marL="287338" indent="-287338" defTabSz="803275">
-              <a:buClr>
-                <a:srgbClr val="FF6600"/>
-              </a:buClr>
-              <a:buSzPct val="125000"/>
-              <a:buFont typeface="Wingdings" charset="0"/>
-              <a:buChar char="§"/>
-            </a:pPr>
-            <a:endParaRPr lang="ru-RU" dirty="0">
-              <a:solidFill>
-                <a:schemeClr val="accent4"/>
-              </a:solidFill>
-            </a:endParaRPr>
-          </a:p>
-          <a:p>
-            <a:pPr marL="287338" indent="-287338" defTabSz="803275">
-              <a:buClr>
-                <a:srgbClr val="FF6600"/>
-              </a:buClr>
-              <a:buSzPct val="125000"/>
-              <a:buFont typeface="Wingdings" charset="0"/>
-              <a:buChar char="§"/>
-            </a:pPr>
-            <a:r>
-              <a:rPr lang="ru-RU" dirty="0">
-                <a:solidFill>
-                  <a:schemeClr val="accent4"/>
-                </a:solidFill>
-              </a:rPr>
-              <a:t>нотификация о результатах (e-mail, IM, страница на dashboard’e проекта, иконка в трее, флажок в IDE, сигнальный огонь и т.д.)</a:t>
-            </a:r>
-          </a:p>
-        </p:txBody>
-      </p:sp>
-    </p:spTree>
-    <p:extLst>
-      <p:ext uri="{BB962C8B-B14F-4D97-AF65-F5344CB8AC3E}">
-        <p14:creationId xmlns:p14="http://schemas.microsoft.com/office/powerpoint/2010/main" val="4165442562"/>
-      </p:ext>
-    </p:extLst>
-  </p:cSld>
-  <p:clrMapOvr>
-    <a:masterClrMapping/>
-  </p:clrMapOvr>
-  <p:timing>
-    <p:tnLst>
-      <p:par>
-        <p:cTn xmlns:p14="http://schemas.microsoft.com/office/powerpoint/2010/main" id="1" dur="indefinite" restart="never" nodeType="tmRoot"/>
-      </p:par>
-    </p:tnLst>
-  </p:timing>
-</p:sld>
-</file>
-
-<file path=ppt/slides/slide2.xml><?xml version="1.0" encoding="utf-8"?>
-<p:sld xmlns:a="http://schemas.openxmlformats.org/drawingml/2006/main" xmlns:r="http://schemas.openxmlformats.org/officeDocument/2006/relationships" xmlns:p="http://schemas.openxmlformats.org/presentationml/2006/main">
-  <p:cSld>
-    <p:spTree>
-      <p:nvGrpSpPr>
-        <p:cNvPr id="1" name=""/>
-        <p:cNvGrpSpPr/>
-        <p:nvPr/>
-      </p:nvGrpSpPr>
-      <p:grpSpPr>
-        <a:xfrm>
-          <a:off x="0" y="0"/>
-          <a:ext cx="0" cy="0"/>
-          <a:chOff x="0" y="0"/>
-          <a:chExt cx="0" cy="0"/>
-        </a:xfrm>
-      </p:grpSpPr>
-      <p:sp>
-        <p:nvSpPr>
-          <p:cNvPr id="9221" name="Title 1"/>
-          <p:cNvSpPr>
-            <a:spLocks noGrp="1"/>
-          </p:cNvSpPr>
-          <p:nvPr>
-            <p:ph type="title"/>
-          </p:nvPr>
-        </p:nvSpPr>
-        <p:spPr/>
-        <p:txBody>
-          <a:bodyPr/>
-          <a:lstStyle/>
-          <a:p>
-            <a:r>
-              <a:rPr lang="ru-RU" dirty="0" smtClean="0">
-                <a:solidFill>
-                  <a:srgbClr val="161645"/>
-                </a:solidFill>
-                <a:latin typeface="Arial" charset="0"/>
-              </a:rPr>
-              <a:t>Для кого этот тренинг?</a:t>
-            </a:r>
-            <a:endParaRPr lang="ru-RU" dirty="0">
-              <a:solidFill>
-                <a:srgbClr val="161645"/>
-              </a:solidFill>
-              <a:latin typeface="Arial" charset="0"/>
-            </a:endParaRPr>
-          </a:p>
-        </p:txBody>
-      </p:sp>
-      <p:grpSp>
-        <p:nvGrpSpPr>
-          <p:cNvPr id="3" name="Group 2"/>
-          <p:cNvGrpSpPr/>
-          <p:nvPr/>
-        </p:nvGrpSpPr>
-        <p:grpSpPr>
-          <a:xfrm>
-            <a:off x="1362075" y="1988656"/>
-            <a:ext cx="6419850" cy="3229939"/>
-            <a:chOff x="1352550" y="2035583"/>
-            <a:chExt cx="6419850" cy="3229939"/>
-          </a:xfrm>
-        </p:grpSpPr>
-        <p:sp>
-          <p:nvSpPr>
-            <p:cNvPr id="15" name="Rectangle 14"/>
-            <p:cNvSpPr/>
-            <p:nvPr/>
-          </p:nvSpPr>
-          <p:spPr>
-            <a:xfrm>
-              <a:off x="2219325" y="4337787"/>
-              <a:ext cx="5553075" cy="895350"/>
-            </a:xfrm>
-            <a:prstGeom prst="rect">
-              <a:avLst/>
-            </a:prstGeom>
-            <a:solidFill>
-              <a:schemeClr val="accent2"/>
-            </a:solidFill>
-            <a:ln>
-              <a:noFill/>
-            </a:ln>
-          </p:spPr>
-          <p:style>
-            <a:lnRef idx="2">
-              <a:schemeClr val="accent1">
-                <a:shade val="50000"/>
-              </a:schemeClr>
-            </a:lnRef>
-            <a:fillRef idx="1">
-              <a:schemeClr val="accent1"/>
-            </a:fillRef>
-            <a:effectRef idx="0">
-              <a:schemeClr val="accent1"/>
-            </a:effectRef>
-            <a:fontRef idx="minor">
-              <a:schemeClr val="lt1"/>
-            </a:fontRef>
-          </p:style>
-          <p:txBody>
-            <a:bodyPr anchor="ctr"/>
-            <a:lstStyle/>
-            <a:p>
-              <a:pPr algn="ctr">
-                <a:defRPr/>
-              </a:pPr>
-              <a:endParaRPr lang="ru-RU" dirty="0"/>
-            </a:p>
-          </p:txBody>
-        </p:sp>
-        <p:sp>
-          <p:nvSpPr>
-            <p:cNvPr id="14" name="Rectangle 13"/>
-            <p:cNvSpPr/>
-            <p:nvPr/>
-          </p:nvSpPr>
-          <p:spPr>
-            <a:xfrm>
-              <a:off x="2219325" y="3199867"/>
-              <a:ext cx="5553075" cy="895350"/>
-            </a:xfrm>
-            <a:prstGeom prst="rect">
-              <a:avLst/>
-            </a:prstGeom>
-            <a:solidFill>
-              <a:schemeClr val="accent2"/>
-            </a:solidFill>
-            <a:ln>
-              <a:noFill/>
-            </a:ln>
-          </p:spPr>
-          <p:style>
-            <a:lnRef idx="2">
-              <a:schemeClr val="accent1">
-                <a:shade val="50000"/>
-              </a:schemeClr>
-            </a:lnRef>
-            <a:fillRef idx="1">
-              <a:schemeClr val="accent1"/>
-            </a:fillRef>
-            <a:effectRef idx="0">
-              <a:schemeClr val="accent1"/>
-            </a:effectRef>
-            <a:fontRef idx="minor">
-              <a:schemeClr val="lt1"/>
-            </a:fontRef>
-          </p:style>
-          <p:txBody>
-            <a:bodyPr anchor="ctr"/>
-            <a:lstStyle/>
-            <a:p>
-              <a:pPr algn="ctr">
-                <a:defRPr/>
-              </a:pPr>
-              <a:endParaRPr lang="ru-RU" dirty="0"/>
-            </a:p>
-          </p:txBody>
-        </p:sp>
-        <p:sp>
-          <p:nvSpPr>
-            <p:cNvPr id="13" name="Rectangle 12"/>
-            <p:cNvSpPr/>
-            <p:nvPr/>
-          </p:nvSpPr>
-          <p:spPr>
-            <a:xfrm>
-              <a:off x="2219325" y="2035583"/>
-              <a:ext cx="5553075" cy="960120"/>
-            </a:xfrm>
-            <a:prstGeom prst="rect">
-              <a:avLst/>
-            </a:prstGeom>
-            <a:solidFill>
-              <a:schemeClr val="accent2"/>
-            </a:solidFill>
-            <a:ln>
-              <a:noFill/>
-            </a:ln>
-          </p:spPr>
-          <p:style>
-            <a:lnRef idx="2">
-              <a:schemeClr val="accent1">
-                <a:shade val="50000"/>
-              </a:schemeClr>
-            </a:lnRef>
-            <a:fillRef idx="1">
-              <a:schemeClr val="accent1"/>
-            </a:fillRef>
-            <a:effectRef idx="0">
-              <a:schemeClr val="accent1"/>
-            </a:effectRef>
-            <a:fontRef idx="minor">
-              <a:schemeClr val="lt1"/>
-            </a:fontRef>
-          </p:style>
-          <p:txBody>
-            <a:bodyPr anchor="ctr"/>
-            <a:lstStyle/>
-            <a:p>
-              <a:pPr algn="ctr">
-                <a:defRPr/>
-              </a:pPr>
-              <a:endParaRPr lang="ru-RU" dirty="0"/>
-            </a:p>
-          </p:txBody>
-        </p:sp>
-        <p:sp>
-          <p:nvSpPr>
-            <p:cNvPr id="4" name="TextBox 3"/>
-            <p:cNvSpPr txBox="1"/>
-            <p:nvPr/>
-          </p:nvSpPr>
-          <p:spPr>
-            <a:xfrm>
-              <a:off x="2219325" y="3167482"/>
-              <a:ext cx="5553075" cy="960120"/>
-            </a:xfrm>
-            <a:prstGeom prst="rect">
-              <a:avLst/>
-            </a:prstGeom>
-            <a:solidFill>
-              <a:schemeClr val="accent2"/>
-            </a:solidFill>
-          </p:spPr>
-          <p:txBody>
-            <a:bodyPr wrap="square" lIns="108000" tIns="108000" rIns="108000" bIns="108000">
-              <a:spAutoFit/>
-            </a:bodyPr>
-            <a:lstStyle>
-              <a:lvl1pPr eaLnBrk="0" hangingPunct="0">
-                <a:defRPr>
-                  <a:solidFill>
-                    <a:schemeClr val="tx1"/>
-                  </a:solidFill>
-                  <a:latin typeface="Arial" charset="0"/>
-                  <a:ea typeface="ＭＳ Ｐゴシック" charset="0"/>
-                  <a:cs typeface="Arial" charset="0"/>
-                </a:defRPr>
-              </a:lvl1pPr>
-              <a:lvl2pPr marL="742950" indent="-285750" eaLnBrk="0" hangingPunct="0">
-                <a:defRPr>
-                  <a:solidFill>
-                    <a:schemeClr val="tx1"/>
-                  </a:solidFill>
-                  <a:latin typeface="Arial" charset="0"/>
-                  <a:ea typeface="Arial" charset="0"/>
-                  <a:cs typeface="Arial" charset="0"/>
-                </a:defRPr>
-              </a:lvl2pPr>
-              <a:lvl3pPr marL="1143000" indent="-228600" eaLnBrk="0" hangingPunct="0">
-                <a:defRPr>
-                  <a:solidFill>
-                    <a:schemeClr val="tx1"/>
-                  </a:solidFill>
-                  <a:latin typeface="Arial" charset="0"/>
-                  <a:ea typeface="Arial" charset="0"/>
-                  <a:cs typeface="Arial" charset="0"/>
-                </a:defRPr>
-              </a:lvl3pPr>
-              <a:lvl4pPr marL="1600200" indent="-228600" eaLnBrk="0" hangingPunct="0">
-                <a:defRPr>
-                  <a:solidFill>
-                    <a:schemeClr val="tx1"/>
-                  </a:solidFill>
-                  <a:latin typeface="Arial" charset="0"/>
-                  <a:ea typeface="Arial" charset="0"/>
-                  <a:cs typeface="Arial" charset="0"/>
-                </a:defRPr>
-              </a:lvl4pPr>
-              <a:lvl5pPr marL="2057400" indent="-228600" eaLnBrk="0" hangingPunct="0">
-                <a:defRPr>
-                  <a:solidFill>
-                    <a:schemeClr val="tx1"/>
-                  </a:solidFill>
-                  <a:latin typeface="Arial" charset="0"/>
-                  <a:ea typeface="Arial" charset="0"/>
-                  <a:cs typeface="Arial" charset="0"/>
-                </a:defRPr>
-              </a:lvl5pPr>
-              <a:lvl6pPr marL="2514600" indent="-228600" eaLnBrk="0" fontAlgn="base" hangingPunct="0">
-                <a:spcBef>
-                  <a:spcPct val="0"/>
-                </a:spcBef>
-                <a:spcAft>
-                  <a:spcPct val="0"/>
-                </a:spcAft>
-                <a:defRPr>
-                  <a:solidFill>
-                    <a:schemeClr val="tx1"/>
-                  </a:solidFill>
-                  <a:latin typeface="Arial" charset="0"/>
-                  <a:ea typeface="Arial" charset="0"/>
-                  <a:cs typeface="Arial" charset="0"/>
-                </a:defRPr>
-              </a:lvl6pPr>
-              <a:lvl7pPr marL="2971800" indent="-228600" eaLnBrk="0" fontAlgn="base" hangingPunct="0">
-                <a:spcBef>
-                  <a:spcPct val="0"/>
-                </a:spcBef>
-                <a:spcAft>
-                  <a:spcPct val="0"/>
-                </a:spcAft>
-                <a:defRPr>
-                  <a:solidFill>
-                    <a:schemeClr val="tx1"/>
-                  </a:solidFill>
-                  <a:latin typeface="Arial" charset="0"/>
-                  <a:ea typeface="Arial" charset="0"/>
-                  <a:cs typeface="Arial" charset="0"/>
-                </a:defRPr>
-              </a:lvl7pPr>
-              <a:lvl8pPr marL="3429000" indent="-228600" eaLnBrk="0" fontAlgn="base" hangingPunct="0">
-                <a:spcBef>
-                  <a:spcPct val="0"/>
-                </a:spcBef>
-                <a:spcAft>
-                  <a:spcPct val="0"/>
-                </a:spcAft>
-                <a:defRPr>
-                  <a:solidFill>
-                    <a:schemeClr val="tx1"/>
-                  </a:solidFill>
-                  <a:latin typeface="Arial" charset="0"/>
-                  <a:ea typeface="Arial" charset="0"/>
-                  <a:cs typeface="Arial" charset="0"/>
-                </a:defRPr>
-              </a:lvl8pPr>
-              <a:lvl9pPr marL="3886200" indent="-228600" eaLnBrk="0" fontAlgn="base" hangingPunct="0">
-                <a:spcBef>
-                  <a:spcPct val="0"/>
-                </a:spcBef>
-                <a:spcAft>
-                  <a:spcPct val="0"/>
-                </a:spcAft>
-                <a:defRPr>
-                  <a:solidFill>
-                    <a:schemeClr val="tx1"/>
-                  </a:solidFill>
-                  <a:latin typeface="Arial" charset="0"/>
-                  <a:ea typeface="Arial" charset="0"/>
-                  <a:cs typeface="Arial" charset="0"/>
-                </a:defRPr>
-              </a:lvl9pPr>
-            </a:lstStyle>
-            <a:p>
-              <a:pPr eaLnBrk="1" hangingPunct="1">
-                <a:buClr>
-                  <a:srgbClr val="FF6600"/>
-                </a:buClr>
-                <a:buSzPct val="125000"/>
-              </a:pPr>
-              <a:r>
-                <a:rPr lang="en-US" b="1" dirty="0" smtClean="0">
-                  <a:solidFill>
-                    <a:srgbClr val="004080"/>
-                  </a:solidFill>
-                </a:rPr>
-                <a:t>Intermediate</a:t>
-              </a:r>
-              <a:endParaRPr lang="en-US" dirty="0" smtClean="0">
-                <a:solidFill>
-                  <a:srgbClr val="004080"/>
-                </a:solidFill>
-              </a:endParaRPr>
-            </a:p>
-            <a:p>
-              <a:pPr eaLnBrk="1" hangingPunct="1">
-                <a:buClr>
-                  <a:srgbClr val="FF6600"/>
-                </a:buClr>
-                <a:buSzPct val="125000"/>
-              </a:pPr>
-              <a:r>
-                <a:rPr lang="ru-RU" dirty="0" smtClean="0">
-                  <a:solidFill>
-                    <a:srgbClr val="004080"/>
-                  </a:solidFill>
-                </a:rPr>
-                <a:t>Поможет лучше всё структурировать в голове и объяснять коллегам</a:t>
-              </a:r>
-              <a:endParaRPr lang="ru-RU" dirty="0">
-                <a:solidFill>
-                  <a:srgbClr val="004080"/>
-                </a:solidFill>
-              </a:endParaRPr>
-            </a:p>
-          </p:txBody>
-        </p:sp>
-        <p:sp>
-          <p:nvSpPr>
-            <p:cNvPr id="6" name="TextBox 5"/>
-            <p:cNvSpPr txBox="1"/>
-            <p:nvPr/>
-          </p:nvSpPr>
-          <p:spPr>
-            <a:xfrm>
-              <a:off x="2286000" y="2129590"/>
-              <a:ext cx="5438775" cy="772107"/>
-            </a:xfrm>
-            <a:prstGeom prst="rect">
-              <a:avLst/>
-            </a:prstGeom>
-            <a:solidFill>
-              <a:schemeClr val="accent2"/>
-            </a:solidFill>
-          </p:spPr>
-          <p:txBody>
-            <a:bodyPr lIns="108000" tIns="108000" rIns="108000" bIns="108000">
-              <a:spAutoFit/>
-            </a:bodyPr>
-            <a:lstStyle>
-              <a:lvl1pPr eaLnBrk="0" hangingPunct="0">
-                <a:defRPr>
-                  <a:solidFill>
-                    <a:schemeClr val="tx1"/>
-                  </a:solidFill>
-                  <a:latin typeface="Arial" charset="0"/>
-                  <a:ea typeface="ＭＳ Ｐゴシック" charset="0"/>
-                  <a:cs typeface="Arial" charset="0"/>
-                </a:defRPr>
-              </a:lvl1pPr>
-              <a:lvl2pPr marL="742950" indent="-285750" eaLnBrk="0" hangingPunct="0">
-                <a:defRPr>
-                  <a:solidFill>
-                    <a:schemeClr val="tx1"/>
-                  </a:solidFill>
-                  <a:latin typeface="Arial" charset="0"/>
-                  <a:ea typeface="Arial" charset="0"/>
-                  <a:cs typeface="Arial" charset="0"/>
-                </a:defRPr>
-              </a:lvl2pPr>
-              <a:lvl3pPr marL="1143000" indent="-228600" eaLnBrk="0" hangingPunct="0">
-                <a:defRPr>
-                  <a:solidFill>
-                    <a:schemeClr val="tx1"/>
-                  </a:solidFill>
-                  <a:latin typeface="Arial" charset="0"/>
-                  <a:ea typeface="Arial" charset="0"/>
-                  <a:cs typeface="Arial" charset="0"/>
-                </a:defRPr>
-              </a:lvl3pPr>
-              <a:lvl4pPr marL="1600200" indent="-228600" eaLnBrk="0" hangingPunct="0">
-                <a:defRPr>
-                  <a:solidFill>
-                    <a:schemeClr val="tx1"/>
-                  </a:solidFill>
-                  <a:latin typeface="Arial" charset="0"/>
-                  <a:ea typeface="Arial" charset="0"/>
-                  <a:cs typeface="Arial" charset="0"/>
-                </a:defRPr>
-              </a:lvl4pPr>
-              <a:lvl5pPr marL="2057400" indent="-228600" eaLnBrk="0" hangingPunct="0">
-                <a:defRPr>
-                  <a:solidFill>
-                    <a:schemeClr val="tx1"/>
-                  </a:solidFill>
-                  <a:latin typeface="Arial" charset="0"/>
-                  <a:ea typeface="Arial" charset="0"/>
-                  <a:cs typeface="Arial" charset="0"/>
-                </a:defRPr>
-              </a:lvl5pPr>
-              <a:lvl6pPr marL="2514600" indent="-228600" eaLnBrk="0" fontAlgn="base" hangingPunct="0">
-                <a:spcBef>
-                  <a:spcPct val="0"/>
-                </a:spcBef>
-                <a:spcAft>
-                  <a:spcPct val="0"/>
-                </a:spcAft>
-                <a:defRPr>
-                  <a:solidFill>
-                    <a:schemeClr val="tx1"/>
-                  </a:solidFill>
-                  <a:latin typeface="Arial" charset="0"/>
-                  <a:ea typeface="Arial" charset="0"/>
-                  <a:cs typeface="Arial" charset="0"/>
-                </a:defRPr>
-              </a:lvl6pPr>
-              <a:lvl7pPr marL="2971800" indent="-228600" eaLnBrk="0" fontAlgn="base" hangingPunct="0">
-                <a:spcBef>
-                  <a:spcPct val="0"/>
-                </a:spcBef>
-                <a:spcAft>
-                  <a:spcPct val="0"/>
-                </a:spcAft>
-                <a:defRPr>
-                  <a:solidFill>
-                    <a:schemeClr val="tx1"/>
-                  </a:solidFill>
-                  <a:latin typeface="Arial" charset="0"/>
-                  <a:ea typeface="Arial" charset="0"/>
-                  <a:cs typeface="Arial" charset="0"/>
-                </a:defRPr>
-              </a:lvl7pPr>
-              <a:lvl8pPr marL="3429000" indent="-228600" eaLnBrk="0" fontAlgn="base" hangingPunct="0">
-                <a:spcBef>
-                  <a:spcPct val="0"/>
-                </a:spcBef>
-                <a:spcAft>
-                  <a:spcPct val="0"/>
-                </a:spcAft>
-                <a:defRPr>
-                  <a:solidFill>
-                    <a:schemeClr val="tx1"/>
-                  </a:solidFill>
-                  <a:latin typeface="Arial" charset="0"/>
-                  <a:ea typeface="Arial" charset="0"/>
-                  <a:cs typeface="Arial" charset="0"/>
-                </a:defRPr>
-              </a:lvl8pPr>
-              <a:lvl9pPr marL="3886200" indent="-228600" eaLnBrk="0" fontAlgn="base" hangingPunct="0">
-                <a:spcBef>
-                  <a:spcPct val="0"/>
-                </a:spcBef>
-                <a:spcAft>
-                  <a:spcPct val="0"/>
-                </a:spcAft>
-                <a:defRPr>
-                  <a:solidFill>
-                    <a:schemeClr val="tx1"/>
-                  </a:solidFill>
-                  <a:latin typeface="Arial" charset="0"/>
-                  <a:ea typeface="Arial" charset="0"/>
-                  <a:cs typeface="Arial" charset="0"/>
-                </a:defRPr>
-              </a:lvl9pPr>
-            </a:lstStyle>
-            <a:p>
-              <a:pPr eaLnBrk="1" hangingPunct="1">
-                <a:buClr>
-                  <a:srgbClr val="FF6600"/>
-                </a:buClr>
-                <a:buSzPct val="125000"/>
-              </a:pPr>
-              <a:r>
-                <a:rPr lang="de-DE" b="1" dirty="0" smtClean="0">
-                  <a:solidFill>
-                    <a:srgbClr val="004080"/>
-                  </a:solidFill>
-                </a:rPr>
-                <a:t>Beginner</a:t>
-              </a:r>
-              <a:endParaRPr lang="ru-RU" b="1" dirty="0" smtClean="0">
-                <a:solidFill>
-                  <a:srgbClr val="004080"/>
-                </a:solidFill>
-              </a:endParaRPr>
-            </a:p>
-            <a:p>
-              <a:pPr eaLnBrk="1" hangingPunct="1">
-                <a:buClr>
-                  <a:srgbClr val="FF6600"/>
-                </a:buClr>
-                <a:buSzPct val="125000"/>
-              </a:pPr>
-              <a:r>
-                <a:rPr lang="ru-RU" dirty="0" smtClean="0">
-                  <a:solidFill>
-                    <a:srgbClr val="004080"/>
-                  </a:solidFill>
-                </a:rPr>
-                <a:t>Хорошая</a:t>
-              </a:r>
-              <a:r>
-                <a:rPr lang="de-DE" dirty="0" smtClean="0">
-                  <a:solidFill>
-                    <a:srgbClr val="004080"/>
-                  </a:solidFill>
-                </a:rPr>
-                <a:t> </a:t>
-              </a:r>
-              <a:r>
-                <a:rPr lang="ru-RU" dirty="0" smtClean="0">
-                  <a:solidFill>
-                    <a:srgbClr val="004080"/>
-                  </a:solidFill>
-                </a:rPr>
-                <a:t>точка входа</a:t>
-              </a:r>
-              <a:endParaRPr lang="ru-RU" dirty="0">
-                <a:solidFill>
-                  <a:srgbClr val="004080"/>
-                </a:solidFill>
-              </a:endParaRPr>
-            </a:p>
-          </p:txBody>
-        </p:sp>
-        <p:sp>
-          <p:nvSpPr>
-            <p:cNvPr id="8" name="TextBox 7"/>
-            <p:cNvSpPr txBox="1"/>
-            <p:nvPr/>
-          </p:nvSpPr>
-          <p:spPr>
-            <a:xfrm>
-              <a:off x="2219326" y="4305402"/>
-              <a:ext cx="5505450" cy="960120"/>
-            </a:xfrm>
-            <a:prstGeom prst="rect">
-              <a:avLst/>
-            </a:prstGeom>
-            <a:solidFill>
-              <a:schemeClr val="accent2"/>
-            </a:solidFill>
-          </p:spPr>
-          <p:txBody>
-            <a:bodyPr wrap="square" lIns="108000" tIns="108000" rIns="108000" bIns="108000">
-              <a:spAutoFit/>
-            </a:bodyPr>
-            <a:lstStyle>
-              <a:lvl1pPr eaLnBrk="0" hangingPunct="0">
-                <a:defRPr>
-                  <a:solidFill>
-                    <a:schemeClr val="tx1"/>
-                  </a:solidFill>
-                  <a:latin typeface="Arial" charset="0"/>
-                  <a:ea typeface="ＭＳ Ｐゴシック" charset="0"/>
-                  <a:cs typeface="Arial" charset="0"/>
-                </a:defRPr>
-              </a:lvl1pPr>
-              <a:lvl2pPr marL="742950" indent="-285750" eaLnBrk="0" hangingPunct="0">
-                <a:defRPr>
-                  <a:solidFill>
-                    <a:schemeClr val="tx1"/>
-                  </a:solidFill>
-                  <a:latin typeface="Arial" charset="0"/>
-                  <a:ea typeface="Arial" charset="0"/>
-                  <a:cs typeface="Arial" charset="0"/>
-                </a:defRPr>
-              </a:lvl2pPr>
-              <a:lvl3pPr marL="1143000" indent="-228600" eaLnBrk="0" hangingPunct="0">
-                <a:defRPr>
-                  <a:solidFill>
-                    <a:schemeClr val="tx1"/>
-                  </a:solidFill>
-                  <a:latin typeface="Arial" charset="0"/>
-                  <a:ea typeface="Arial" charset="0"/>
-                  <a:cs typeface="Arial" charset="0"/>
-                </a:defRPr>
-              </a:lvl3pPr>
-              <a:lvl4pPr marL="1600200" indent="-228600" eaLnBrk="0" hangingPunct="0">
-                <a:defRPr>
-                  <a:solidFill>
-                    <a:schemeClr val="tx1"/>
-                  </a:solidFill>
-                  <a:latin typeface="Arial" charset="0"/>
-                  <a:ea typeface="Arial" charset="0"/>
-                  <a:cs typeface="Arial" charset="0"/>
-                </a:defRPr>
-              </a:lvl4pPr>
-              <a:lvl5pPr marL="2057400" indent="-228600" eaLnBrk="0" hangingPunct="0">
-                <a:defRPr>
-                  <a:solidFill>
-                    <a:schemeClr val="tx1"/>
-                  </a:solidFill>
-                  <a:latin typeface="Arial" charset="0"/>
-                  <a:ea typeface="Arial" charset="0"/>
-                  <a:cs typeface="Arial" charset="0"/>
-                </a:defRPr>
-              </a:lvl5pPr>
-              <a:lvl6pPr marL="2514600" indent="-228600" eaLnBrk="0" fontAlgn="base" hangingPunct="0">
-                <a:spcBef>
-                  <a:spcPct val="0"/>
-                </a:spcBef>
-                <a:spcAft>
-                  <a:spcPct val="0"/>
-                </a:spcAft>
-                <a:defRPr>
-                  <a:solidFill>
-                    <a:schemeClr val="tx1"/>
-                  </a:solidFill>
-                  <a:latin typeface="Arial" charset="0"/>
-                  <a:ea typeface="Arial" charset="0"/>
-                  <a:cs typeface="Arial" charset="0"/>
-                </a:defRPr>
-              </a:lvl6pPr>
-              <a:lvl7pPr marL="2971800" indent="-228600" eaLnBrk="0" fontAlgn="base" hangingPunct="0">
-                <a:spcBef>
-                  <a:spcPct val="0"/>
-                </a:spcBef>
-                <a:spcAft>
-                  <a:spcPct val="0"/>
-                </a:spcAft>
-                <a:defRPr>
-                  <a:solidFill>
-                    <a:schemeClr val="tx1"/>
-                  </a:solidFill>
-                  <a:latin typeface="Arial" charset="0"/>
-                  <a:ea typeface="Arial" charset="0"/>
-                  <a:cs typeface="Arial" charset="0"/>
-                </a:defRPr>
-              </a:lvl7pPr>
-              <a:lvl8pPr marL="3429000" indent="-228600" eaLnBrk="0" fontAlgn="base" hangingPunct="0">
-                <a:spcBef>
-                  <a:spcPct val="0"/>
-                </a:spcBef>
-                <a:spcAft>
-                  <a:spcPct val="0"/>
-                </a:spcAft>
-                <a:defRPr>
-                  <a:solidFill>
-                    <a:schemeClr val="tx1"/>
-                  </a:solidFill>
-                  <a:latin typeface="Arial" charset="0"/>
-                  <a:ea typeface="Arial" charset="0"/>
-                  <a:cs typeface="Arial" charset="0"/>
-                </a:defRPr>
-              </a:lvl8pPr>
-              <a:lvl9pPr marL="3886200" indent="-228600" eaLnBrk="0" fontAlgn="base" hangingPunct="0">
-                <a:spcBef>
-                  <a:spcPct val="0"/>
-                </a:spcBef>
-                <a:spcAft>
-                  <a:spcPct val="0"/>
-                </a:spcAft>
-                <a:defRPr>
-                  <a:solidFill>
-                    <a:schemeClr val="tx1"/>
-                  </a:solidFill>
-                  <a:latin typeface="Arial" charset="0"/>
-                  <a:ea typeface="Arial" charset="0"/>
-                  <a:cs typeface="Arial" charset="0"/>
-                </a:defRPr>
-              </a:lvl9pPr>
-            </a:lstStyle>
-            <a:p>
-              <a:pPr eaLnBrk="1" hangingPunct="1">
-                <a:buClr>
-                  <a:srgbClr val="FF6600"/>
-                </a:buClr>
-                <a:buSzPct val="125000"/>
-              </a:pPr>
-              <a:r>
-                <a:rPr lang="en-US" b="1" dirty="0" smtClean="0">
-                  <a:solidFill>
-                    <a:srgbClr val="004080"/>
-                  </a:solidFill>
-                </a:rPr>
-                <a:t>Advanced </a:t>
-              </a:r>
-              <a:endParaRPr lang="ru-RU" b="1" dirty="0" smtClean="0">
-                <a:solidFill>
-                  <a:srgbClr val="004080"/>
-                </a:solidFill>
-              </a:endParaRPr>
-            </a:p>
-            <a:p>
-              <a:pPr eaLnBrk="1" hangingPunct="1">
-                <a:buClr>
-                  <a:srgbClr val="FF6600"/>
-                </a:buClr>
-                <a:buSzPct val="125000"/>
-              </a:pPr>
-              <a:r>
-                <a:rPr lang="ru-RU" dirty="0" smtClean="0">
-                  <a:solidFill>
-                    <a:srgbClr val="004080"/>
-                  </a:solidFill>
-                </a:rPr>
-                <a:t>Можно использовать для</a:t>
-              </a:r>
-              <a:r>
-                <a:rPr lang="en-US" dirty="0" smtClean="0">
-                  <a:solidFill>
-                    <a:srgbClr val="004080"/>
-                  </a:solidFill>
-                </a:rPr>
-                <a:t> </a:t>
-              </a:r>
-              <a:r>
-                <a:rPr lang="ru-RU" dirty="0" smtClean="0">
-                  <a:solidFill>
-                    <a:srgbClr val="004080"/>
-                  </a:solidFill>
-                </a:rPr>
-                <a:t>обучения</a:t>
-              </a:r>
-              <a:r>
-                <a:rPr lang="en-US" dirty="0" smtClean="0">
-                  <a:solidFill>
-                    <a:srgbClr val="004080"/>
-                  </a:solidFill>
-                </a:rPr>
-                <a:t> </a:t>
-              </a:r>
-              <a:r>
-                <a:rPr lang="ru-RU" dirty="0" smtClean="0">
-                  <a:solidFill>
-                    <a:srgbClr val="004080"/>
-                  </a:solidFill>
-                </a:rPr>
-                <a:t>и</a:t>
-              </a:r>
-              <a:r>
-                <a:rPr lang="en-US" dirty="0" smtClean="0">
-                  <a:solidFill>
-                    <a:srgbClr val="004080"/>
-                  </a:solidFill>
-                </a:rPr>
-                <a:t> </a:t>
-              </a:r>
-              <a:r>
-                <a:rPr lang="ru-RU" dirty="0" smtClean="0">
-                  <a:solidFill>
-                    <a:srgbClr val="004080"/>
-                  </a:solidFill>
-                </a:rPr>
-                <a:t>проверки других</a:t>
-              </a:r>
-              <a:endParaRPr lang="ru-RU" dirty="0">
-                <a:solidFill>
-                  <a:srgbClr val="004080"/>
-                </a:solidFill>
-              </a:endParaRPr>
-            </a:p>
-          </p:txBody>
-        </p:sp>
-        <p:sp>
-          <p:nvSpPr>
-            <p:cNvPr id="16" name="Rectangle 15"/>
-            <p:cNvSpPr/>
-            <p:nvPr/>
-          </p:nvSpPr>
-          <p:spPr>
-            <a:xfrm>
-              <a:off x="1352550" y="4305402"/>
-              <a:ext cx="752475" cy="960120"/>
-            </a:xfrm>
-            <a:prstGeom prst="rect">
-              <a:avLst/>
-            </a:prstGeom>
-            <a:solidFill>
-              <a:schemeClr val="accent3"/>
-            </a:solidFill>
-            <a:ln>
-              <a:noFill/>
-            </a:ln>
-          </p:spPr>
-          <p:style>
-            <a:lnRef idx="2">
-              <a:schemeClr val="accent1">
-                <a:shade val="50000"/>
-              </a:schemeClr>
-            </a:lnRef>
-            <a:fillRef idx="1">
-              <a:schemeClr val="accent1"/>
-            </a:fillRef>
-            <a:effectRef idx="0">
-              <a:schemeClr val="accent1"/>
-            </a:effectRef>
-            <a:fontRef idx="minor">
-              <a:schemeClr val="lt1"/>
-            </a:fontRef>
-          </p:style>
-          <p:txBody>
-            <a:bodyPr anchor="ctr"/>
-            <a:lstStyle/>
-            <a:p>
-              <a:pPr algn="ctr">
-                <a:defRPr/>
-              </a:pPr>
-              <a:r>
-                <a:rPr lang="ru-RU" sz="5400" b="1" dirty="0"/>
-                <a:t>3</a:t>
-              </a:r>
-            </a:p>
-          </p:txBody>
-        </p:sp>
-        <p:sp>
-          <p:nvSpPr>
-            <p:cNvPr id="17" name="Rectangle 16"/>
-            <p:cNvSpPr/>
-            <p:nvPr/>
-          </p:nvSpPr>
-          <p:spPr>
-            <a:xfrm>
-              <a:off x="1352550" y="3167482"/>
-              <a:ext cx="752475" cy="960120"/>
-            </a:xfrm>
-            <a:prstGeom prst="rect">
-              <a:avLst/>
-            </a:prstGeom>
-            <a:solidFill>
-              <a:schemeClr val="accent3"/>
-            </a:solidFill>
-            <a:ln>
-              <a:noFill/>
-            </a:ln>
-          </p:spPr>
-          <p:style>
-            <a:lnRef idx="2">
-              <a:schemeClr val="accent1">
-                <a:shade val="50000"/>
-              </a:schemeClr>
-            </a:lnRef>
-            <a:fillRef idx="1">
-              <a:schemeClr val="accent1"/>
-            </a:fillRef>
-            <a:effectRef idx="0">
-              <a:schemeClr val="accent1"/>
-            </a:effectRef>
-            <a:fontRef idx="minor">
-              <a:schemeClr val="lt1"/>
-            </a:fontRef>
-          </p:style>
-          <p:txBody>
-            <a:bodyPr anchor="ctr"/>
-            <a:lstStyle/>
-            <a:p>
-              <a:pPr algn="ctr">
-                <a:defRPr/>
-              </a:pPr>
-              <a:r>
-                <a:rPr lang="ru-RU" sz="5400" b="1" dirty="0"/>
-                <a:t>2</a:t>
-              </a:r>
-            </a:p>
-          </p:txBody>
-        </p:sp>
-        <p:sp>
-          <p:nvSpPr>
-            <p:cNvPr id="18" name="Rectangle 17"/>
-            <p:cNvSpPr/>
-            <p:nvPr/>
-          </p:nvSpPr>
-          <p:spPr>
-            <a:xfrm>
-              <a:off x="1352550" y="2035583"/>
-              <a:ext cx="752475" cy="960120"/>
-            </a:xfrm>
-            <a:prstGeom prst="rect">
-              <a:avLst/>
-            </a:prstGeom>
-            <a:solidFill>
-              <a:schemeClr val="accent3"/>
-            </a:solidFill>
-            <a:ln>
-              <a:noFill/>
-            </a:ln>
-          </p:spPr>
-          <p:style>
-            <a:lnRef idx="2">
-              <a:schemeClr val="accent1">
-                <a:shade val="50000"/>
-              </a:schemeClr>
-            </a:lnRef>
-            <a:fillRef idx="1">
-              <a:schemeClr val="accent1"/>
-            </a:fillRef>
-            <a:effectRef idx="0">
-              <a:schemeClr val="accent1"/>
-            </a:effectRef>
-            <a:fontRef idx="minor">
-              <a:schemeClr val="lt1"/>
-            </a:fontRef>
-          </p:style>
-          <p:txBody>
-            <a:bodyPr anchor="ctr"/>
-            <a:lstStyle/>
-            <a:p>
-              <a:pPr algn="ctr">
-                <a:defRPr/>
-              </a:pPr>
-              <a:r>
-                <a:rPr lang="ru-RU" sz="5400" b="1" dirty="0"/>
-                <a:t>1</a:t>
-              </a:r>
-            </a:p>
-          </p:txBody>
-        </p:sp>
-      </p:grpSp>
-      <p:sp>
-        <p:nvSpPr>
-          <p:cNvPr id="5" name="TextBox 4"/>
-          <p:cNvSpPr txBox="1"/>
-          <p:nvPr/>
-        </p:nvSpPr>
-        <p:spPr>
-          <a:xfrm>
-            <a:off x="8731250" y="6683375"/>
-            <a:ext cx="184666" cy="369332"/>
-          </a:xfrm>
-          <a:prstGeom prst="rect">
-            <a:avLst/>
-          </a:prstGeom>
-          <a:noFill/>
-        </p:spPr>
-        <p:txBody>
-          <a:bodyPr wrap="none" rtlCol="0">
-            <a:spAutoFit/>
-          </a:bodyPr>
-          <a:lstStyle/>
-          <a:p>
-            <a:endParaRPr lang="en-US" dirty="0"/>
-          </a:p>
-        </p:txBody>
-      </p:sp>
-    </p:spTree>
-    <p:extLst>
-      <p:ext uri="{BB962C8B-B14F-4D97-AF65-F5344CB8AC3E}">
-        <p14:creationId xmlns:p14="http://schemas.microsoft.com/office/powerpoint/2010/main" val="1987314718"/>
-      </p:ext>
-    </p:extLst>
-  </p:cSld>
-  <p:clrMapOvr>
-    <a:masterClrMapping/>
-  </p:clrMapOvr>
-  <p:transition xmlns:p14="http://schemas.microsoft.com/office/powerpoint/2010/main" spd="slow">
-    <p:fade/>
-  </p:transition>
-  <p:timing>
-    <p:tnLst>
-      <p:par>
-        <p:cTn xmlns:p14="http://schemas.microsoft.com/office/powerpoint/2010/main" id="1" dur="indefinite" restart="never" nodeType="tmRoot"/>
-      </p:par>
-    </p:tnLst>
-  </p:timing>
-</p:sld>
-</file>
-
-<file path=ppt/slides/slide20.xml><?xml version="1.0" encoding="utf-8"?>
-<p:sld xmlns:a="http://schemas.openxmlformats.org/drawingml/2006/main" xmlns:r="http://schemas.openxmlformats.org/officeDocument/2006/relationships" xmlns:p="http://schemas.openxmlformats.org/presentationml/2006/main">
-  <p:cSld>
-    <p:spTree>
-      <p:nvGrpSpPr>
-        <p:cNvPr id="1" name=""/>
-        <p:cNvGrpSpPr/>
-        <p:nvPr/>
-      </p:nvGrpSpPr>
-      <p:grpSpPr>
-        <a:xfrm>
-          <a:off x="0" y="0"/>
-          <a:ext cx="0" cy="0"/>
-          <a:chOff x="0" y="0"/>
-          <a:chExt cx="0" cy="0"/>
-        </a:xfrm>
-      </p:grpSpPr>
-      <p:sp>
-        <p:nvSpPr>
           <p:cNvPr id="7" name="Text Placeholder 6"/>
           <p:cNvSpPr>
             <a:spLocks noGrp="1"/>
@@ -22085,226 +21523,7 @@
 </p:sld>
 </file>
 
-<file path=ppt/slides/slide21.xml><?xml version="1.0" encoding="utf-8"?>
-<p:sld xmlns:a="http://schemas.openxmlformats.org/drawingml/2006/main" xmlns:r="http://schemas.openxmlformats.org/officeDocument/2006/relationships" xmlns:p="http://schemas.openxmlformats.org/presentationml/2006/main">
-  <p:cSld>
-    <p:spTree>
-      <p:nvGrpSpPr>
-        <p:cNvPr id="1" name=""/>
-        <p:cNvGrpSpPr/>
-        <p:nvPr/>
-      </p:nvGrpSpPr>
-      <p:grpSpPr>
-        <a:xfrm>
-          <a:off x="0" y="0"/>
-          <a:ext cx="0" cy="0"/>
-          <a:chOff x="0" y="0"/>
-          <a:chExt cx="0" cy="0"/>
-        </a:xfrm>
-      </p:grpSpPr>
-      <p:sp>
-        <p:nvSpPr>
-          <p:cNvPr id="7" name="Subtitle 6"/>
-          <p:cNvSpPr>
-            <a:spLocks noGrp="1"/>
-          </p:cNvSpPr>
-          <p:nvPr>
-            <p:ph type="subTitle" idx="1"/>
-          </p:nvPr>
-        </p:nvSpPr>
-        <p:spPr/>
-        <p:txBody>
-          <a:bodyPr/>
-          <a:lstStyle/>
-          <a:p>
-            <a:r>
-              <a:rPr lang="en-US" dirty="0">
-                <a:latin typeface="Arial" charset="0"/>
-              </a:rPr>
-              <a:t>Разработка через </a:t>
-            </a:r>
-            <a:r>
-              <a:rPr lang="en-US" dirty="0" smtClean="0">
-                <a:latin typeface="Arial" charset="0"/>
-              </a:rPr>
-              <a:t>тестирование</a:t>
-            </a:r>
-            <a:r>
-              <a:rPr lang="en-US" dirty="0">
-                <a:latin typeface="Arial" charset="0"/>
-              </a:rPr>
-              <a:t/>
-            </a:r>
-            <a:br>
-              <a:rPr lang="en-US" dirty="0">
-                <a:latin typeface="Arial" charset="0"/>
-              </a:rPr>
-            </a:br>
-            <a:endParaRPr lang="en-US" dirty="0"/>
-          </a:p>
-        </p:txBody>
-      </p:sp>
-      <p:sp>
-        <p:nvSpPr>
-          <p:cNvPr id="8" name="Text Placeholder 7"/>
-          <p:cNvSpPr>
-            <a:spLocks noGrp="1"/>
-          </p:cNvSpPr>
-          <p:nvPr>
-            <p:ph type="body" sz="quarter" idx="11"/>
-          </p:nvPr>
-        </p:nvSpPr>
-        <p:spPr/>
-        <p:txBody>
-          <a:bodyPr>
-            <a:normAutofit/>
-          </a:bodyPr>
-          <a:lstStyle/>
-          <a:p>
-            <a:r>
-              <a:rPr lang="en-US" dirty="0" err="1"/>
-              <a:t>git</a:t>
-            </a:r>
-            <a:r>
-              <a:rPr lang="en-US" dirty="0"/>
-              <a:t> clone </a:t>
-            </a:r>
-            <a:r>
-              <a:rPr lang="en-US" dirty="0" err="1"/>
-              <a:t>git</a:t>
-            </a:r>
-            <a:r>
-              <a:rPr lang="en-US" dirty="0"/>
-              <a:t>://</a:t>
-            </a:r>
-            <a:r>
-              <a:rPr lang="en-US" dirty="0" err="1"/>
-              <a:t>github.com</a:t>
-            </a:r>
-            <a:r>
-              <a:rPr lang="en-US" dirty="0"/>
-              <a:t>/</a:t>
-            </a:r>
-            <a:r>
-              <a:rPr lang="en-US" dirty="0" err="1"/>
-              <a:t>ivan-dyachenko</a:t>
-            </a:r>
-            <a:r>
-              <a:rPr lang="en-US" dirty="0"/>
-              <a:t>/</a:t>
-            </a:r>
-            <a:r>
-              <a:rPr lang="en-US" dirty="0" err="1"/>
-              <a:t>Trainings.git</a:t>
-            </a:r>
-            <a:endParaRPr lang="en-US" dirty="0"/>
-          </a:p>
-        </p:txBody>
-      </p:sp>
-      <p:sp>
-        <p:nvSpPr>
-          <p:cNvPr id="9" name="Text Placeholder 8"/>
-          <p:cNvSpPr>
-            <a:spLocks noGrp="1"/>
-          </p:cNvSpPr>
-          <p:nvPr>
-            <p:ph type="body" sz="quarter" idx="12"/>
-          </p:nvPr>
-        </p:nvSpPr>
-        <p:spPr/>
-        <p:txBody>
-          <a:bodyPr/>
-          <a:lstStyle/>
-          <a:p>
-            <a:r>
-              <a:rPr lang="en-US" dirty="0" err="1" smtClean="0"/>
-              <a:t>IDyachenko@luxoft.com</a:t>
-            </a:r>
-            <a:endParaRPr lang="en-US" dirty="0"/>
-          </a:p>
-        </p:txBody>
-      </p:sp>
-      <p:sp>
-        <p:nvSpPr>
-          <p:cNvPr id="10" name="Text Placeholder 9"/>
-          <p:cNvSpPr>
-            <a:spLocks noGrp="1"/>
-          </p:cNvSpPr>
-          <p:nvPr>
-            <p:ph type="body" sz="quarter" idx="13"/>
-          </p:nvPr>
-        </p:nvSpPr>
-        <p:spPr/>
-        <p:txBody>
-          <a:bodyPr>
-            <a:normAutofit/>
-          </a:bodyPr>
-          <a:lstStyle/>
-          <a:p>
-            <a:r>
-              <a:rPr lang="en-US" dirty="0"/>
-              <a:t>https://</a:t>
-            </a:r>
-            <a:r>
-              <a:rPr lang="en-US" dirty="0" err="1"/>
-              <a:t>github.com</a:t>
-            </a:r>
-            <a:r>
-              <a:rPr lang="en-US" dirty="0"/>
-              <a:t>/</a:t>
-            </a:r>
-            <a:r>
-              <a:rPr lang="en-US" dirty="0" err="1"/>
-              <a:t>ivan-dyachenko</a:t>
-            </a:r>
-            <a:r>
-              <a:rPr lang="en-US" dirty="0"/>
-              <a:t>/</a:t>
-            </a:r>
-            <a:r>
-              <a:rPr lang="en-US" dirty="0" smtClean="0"/>
-              <a:t>Trainings</a:t>
-            </a:r>
-            <a:endParaRPr lang="en-US" dirty="0"/>
-          </a:p>
-        </p:txBody>
-      </p:sp>
-      <p:sp>
-        <p:nvSpPr>
-          <p:cNvPr id="11" name="Text Placeholder 10"/>
-          <p:cNvSpPr>
-            <a:spLocks noGrp="1"/>
-          </p:cNvSpPr>
-          <p:nvPr>
-            <p:ph type="body" sz="quarter" idx="14"/>
-          </p:nvPr>
-        </p:nvSpPr>
-        <p:spPr/>
-        <p:txBody>
-          <a:bodyPr/>
-          <a:lstStyle/>
-          <a:p>
-            <a:endParaRPr lang="en-US"/>
-          </a:p>
-        </p:txBody>
-      </p:sp>
-    </p:spTree>
-    <p:extLst>
-      <p:ext uri="{BB962C8B-B14F-4D97-AF65-F5344CB8AC3E}">
-        <p14:creationId xmlns:p14="http://schemas.microsoft.com/office/powerpoint/2010/main" val="1157964761"/>
-      </p:ext>
-    </p:extLst>
-  </p:cSld>
-  <p:clrMapOvr>
-    <a:masterClrMapping/>
-  </p:clrMapOvr>
-  <p:transition xmlns:p14="http://schemas.microsoft.com/office/powerpoint/2010/main">
-    <p:zoom/>
-  </p:transition>
-</p:sld>
-</file>
-
-<file path=ppt/slides/slide3.xml><?xml version="1.0" encoding="utf-8"?>
+<file path=ppt/slides/slide2.xml><?xml version="1.0" encoding="utf-8"?>
 <p:sld xmlns:a="http://schemas.openxmlformats.org/drawingml/2006/main" xmlns:r="http://schemas.openxmlformats.org/officeDocument/2006/relationships" xmlns:p="http://schemas.openxmlformats.org/presentationml/2006/main">
   <p:cSld>
     <p:spTree>
@@ -24270,6 +23489,405 @@
 </p:sld>
 </file>
 
+<file path=ppt/slides/slide20.xml><?xml version="1.0" encoding="utf-8"?>
+<p:sld xmlns:a="http://schemas.openxmlformats.org/drawingml/2006/main" xmlns:r="http://schemas.openxmlformats.org/officeDocument/2006/relationships" xmlns:p="http://schemas.openxmlformats.org/presentationml/2006/main">
+  <p:cSld>
+    <p:spTree>
+      <p:nvGrpSpPr>
+        <p:cNvPr id="1" name=""/>
+        <p:cNvGrpSpPr/>
+        <p:nvPr/>
+      </p:nvGrpSpPr>
+      <p:grpSpPr>
+        <a:xfrm>
+          <a:off x="0" y="0"/>
+          <a:ext cx="0" cy="0"/>
+          <a:chOff x="0" y="0"/>
+          <a:chExt cx="0" cy="0"/>
+        </a:xfrm>
+      </p:grpSpPr>
+      <p:sp>
+        <p:nvSpPr>
+          <p:cNvPr id="7" name="Subtitle 6"/>
+          <p:cNvSpPr>
+            <a:spLocks noGrp="1"/>
+          </p:cNvSpPr>
+          <p:nvPr>
+            <p:ph type="subTitle" idx="1"/>
+          </p:nvPr>
+        </p:nvSpPr>
+        <p:spPr/>
+        <p:txBody>
+          <a:bodyPr/>
+          <a:lstStyle/>
+          <a:p>
+            <a:r>
+              <a:rPr lang="en-US" dirty="0">
+                <a:latin typeface="Arial" charset="0"/>
+              </a:rPr>
+              <a:t>Разработка через </a:t>
+            </a:r>
+            <a:r>
+              <a:rPr lang="en-US" dirty="0" smtClean="0">
+                <a:latin typeface="Arial" charset="0"/>
+              </a:rPr>
+              <a:t>тестирование</a:t>
+            </a:r>
+            <a:r>
+              <a:rPr lang="en-US" dirty="0">
+                <a:latin typeface="Arial" charset="0"/>
+              </a:rPr>
+              <a:t/>
+            </a:r>
+            <a:br>
+              <a:rPr lang="en-US" dirty="0">
+                <a:latin typeface="Arial" charset="0"/>
+              </a:rPr>
+            </a:br>
+            <a:endParaRPr lang="en-US" dirty="0"/>
+          </a:p>
+        </p:txBody>
+      </p:sp>
+      <p:sp>
+        <p:nvSpPr>
+          <p:cNvPr id="8" name="Text Placeholder 7"/>
+          <p:cNvSpPr>
+            <a:spLocks noGrp="1"/>
+          </p:cNvSpPr>
+          <p:nvPr>
+            <p:ph type="body" sz="quarter" idx="11"/>
+          </p:nvPr>
+        </p:nvSpPr>
+        <p:spPr/>
+        <p:txBody>
+          <a:bodyPr>
+            <a:normAutofit/>
+          </a:bodyPr>
+          <a:lstStyle/>
+          <a:p>
+            <a:r>
+              <a:rPr lang="en-US" dirty="0" err="1"/>
+              <a:t>git</a:t>
+            </a:r>
+            <a:r>
+              <a:rPr lang="en-US" dirty="0"/>
+              <a:t> clone </a:t>
+            </a:r>
+            <a:r>
+              <a:rPr lang="en-US" dirty="0" err="1"/>
+              <a:t>git</a:t>
+            </a:r>
+            <a:r>
+              <a:rPr lang="en-US" dirty="0"/>
+              <a:t>://</a:t>
+            </a:r>
+            <a:r>
+              <a:rPr lang="en-US" dirty="0" err="1"/>
+              <a:t>github.com</a:t>
+            </a:r>
+            <a:r>
+              <a:rPr lang="en-US" dirty="0"/>
+              <a:t>/</a:t>
+            </a:r>
+            <a:r>
+              <a:rPr lang="en-US" dirty="0" err="1"/>
+              <a:t>ivan-dyachenko</a:t>
+            </a:r>
+            <a:r>
+              <a:rPr lang="en-US" dirty="0"/>
+              <a:t>/</a:t>
+            </a:r>
+            <a:r>
+              <a:rPr lang="en-US" dirty="0" err="1"/>
+              <a:t>Trainings.git</a:t>
+            </a:r>
+            <a:endParaRPr lang="en-US" dirty="0"/>
+          </a:p>
+        </p:txBody>
+      </p:sp>
+      <p:sp>
+        <p:nvSpPr>
+          <p:cNvPr id="9" name="Text Placeholder 8"/>
+          <p:cNvSpPr>
+            <a:spLocks noGrp="1"/>
+          </p:cNvSpPr>
+          <p:nvPr>
+            <p:ph type="body" sz="quarter" idx="12"/>
+          </p:nvPr>
+        </p:nvSpPr>
+        <p:spPr/>
+        <p:txBody>
+          <a:bodyPr/>
+          <a:lstStyle/>
+          <a:p>
+            <a:r>
+              <a:rPr lang="en-US" dirty="0" err="1" smtClean="0"/>
+              <a:t>IDyachenko@luxoft.com</a:t>
+            </a:r>
+            <a:endParaRPr lang="en-US" dirty="0"/>
+          </a:p>
+        </p:txBody>
+      </p:sp>
+      <p:sp>
+        <p:nvSpPr>
+          <p:cNvPr id="10" name="Text Placeholder 9"/>
+          <p:cNvSpPr>
+            <a:spLocks noGrp="1"/>
+          </p:cNvSpPr>
+          <p:nvPr>
+            <p:ph type="body" sz="quarter" idx="13"/>
+          </p:nvPr>
+        </p:nvSpPr>
+        <p:spPr/>
+        <p:txBody>
+          <a:bodyPr>
+            <a:normAutofit/>
+          </a:bodyPr>
+          <a:lstStyle/>
+          <a:p>
+            <a:r>
+              <a:rPr lang="en-US" dirty="0"/>
+              <a:t>https://</a:t>
+            </a:r>
+            <a:r>
+              <a:rPr lang="en-US" dirty="0" err="1"/>
+              <a:t>github.com</a:t>
+            </a:r>
+            <a:r>
+              <a:rPr lang="en-US" dirty="0"/>
+              <a:t>/</a:t>
+            </a:r>
+            <a:r>
+              <a:rPr lang="en-US" dirty="0" err="1"/>
+              <a:t>ivan-dyachenko</a:t>
+            </a:r>
+            <a:r>
+              <a:rPr lang="en-US" dirty="0"/>
+              <a:t>/</a:t>
+            </a:r>
+            <a:r>
+              <a:rPr lang="en-US" dirty="0" smtClean="0"/>
+              <a:t>Trainings</a:t>
+            </a:r>
+            <a:endParaRPr lang="en-US" dirty="0"/>
+          </a:p>
+        </p:txBody>
+      </p:sp>
+      <p:sp>
+        <p:nvSpPr>
+          <p:cNvPr id="11" name="Text Placeholder 10"/>
+          <p:cNvSpPr>
+            <a:spLocks noGrp="1"/>
+          </p:cNvSpPr>
+          <p:nvPr>
+            <p:ph type="body" sz="quarter" idx="14"/>
+          </p:nvPr>
+        </p:nvSpPr>
+        <p:spPr/>
+        <p:txBody>
+          <a:bodyPr/>
+          <a:lstStyle/>
+          <a:p>
+            <a:endParaRPr lang="en-US"/>
+          </a:p>
+        </p:txBody>
+      </p:sp>
+    </p:spTree>
+    <p:extLst>
+      <p:ext uri="{BB962C8B-B14F-4D97-AF65-F5344CB8AC3E}">
+        <p14:creationId xmlns:p14="http://schemas.microsoft.com/office/powerpoint/2010/main" val="1157964761"/>
+      </p:ext>
+    </p:extLst>
+  </p:cSld>
+  <p:clrMapOvr>
+    <a:masterClrMapping/>
+  </p:clrMapOvr>
+  <p:transition xmlns:p14="http://schemas.microsoft.com/office/powerpoint/2010/main">
+    <p:zoom/>
+  </p:transition>
+</p:sld>
+</file>
+
+<file path=ppt/slides/slide3.xml><?xml version="1.0" encoding="utf-8"?>
+<p:sld xmlns:a="http://schemas.openxmlformats.org/drawingml/2006/main" xmlns:r="http://schemas.openxmlformats.org/officeDocument/2006/relationships" xmlns:p="http://schemas.openxmlformats.org/presentationml/2006/main">
+  <p:cSld>
+    <p:spTree>
+      <p:nvGrpSpPr>
+        <p:cNvPr id="1" name=""/>
+        <p:cNvGrpSpPr/>
+        <p:nvPr/>
+      </p:nvGrpSpPr>
+      <p:grpSpPr>
+        <a:xfrm>
+          <a:off x="0" y="0"/>
+          <a:ext cx="0" cy="0"/>
+          <a:chOff x="0" y="0"/>
+          <a:chExt cx="0" cy="0"/>
+        </a:xfrm>
+      </p:grpSpPr>
+      <p:sp>
+        <p:nvSpPr>
+          <p:cNvPr id="2" name="Title 1"/>
+          <p:cNvSpPr>
+            <a:spLocks noGrp="1"/>
+          </p:cNvSpPr>
+          <p:nvPr>
+            <p:ph type="title"/>
+          </p:nvPr>
+        </p:nvSpPr>
+        <p:spPr/>
+        <p:txBody>
+          <a:bodyPr/>
+          <a:lstStyle/>
+          <a:p>
+            <a:r>
+              <a:rPr lang="en-US" dirty="0"/>
+              <a:t>Best P</a:t>
+            </a:r>
+            <a:r>
+              <a:rPr lang="en-US" dirty="0" smtClean="0"/>
+              <a:t>ractices </a:t>
+            </a:r>
+            <a:endParaRPr lang="ru-RU" dirty="0"/>
+          </a:p>
+        </p:txBody>
+      </p:sp>
+      <p:sp>
+        <p:nvSpPr>
+          <p:cNvPr id="5" name="Rectangle 4"/>
+          <p:cNvSpPr>
+            <a:spLocks noChangeArrowheads="1"/>
+          </p:cNvSpPr>
+          <p:nvPr>
+            <p:custDataLst>
+              <p:tags r:id="rId1"/>
+            </p:custDataLst>
+          </p:nvPr>
+        </p:nvSpPr>
+        <p:spPr bwMode="auto">
+          <a:xfrm>
+            <a:off x="1316352" y="2339697"/>
+            <a:ext cx="6511297" cy="2178606"/>
+          </a:xfrm>
+          <a:prstGeom prst="rect">
+            <a:avLst/>
+          </a:prstGeom>
+          <a:noFill/>
+          <a:ln w="19050">
+            <a:noFill/>
+            <a:miter lim="800000"/>
+            <a:headEnd/>
+            <a:tailEnd/>
+          </a:ln>
+        </p:spPr>
+        <p:txBody>
+          <a:bodyPr wrap="square" lIns="93296" tIns="144000" rIns="93296" bIns="93296">
+            <a:spAutoFit/>
+          </a:bodyPr>
+          <a:lstStyle/>
+          <a:p>
+            <a:pPr marL="287338" indent="-287338" defTabSz="803275">
+              <a:buClr>
+                <a:srgbClr val="FF6600"/>
+              </a:buClr>
+              <a:buSzPct val="125000"/>
+              <a:buFont typeface="Wingdings" charset="0"/>
+              <a:buChar char="§"/>
+            </a:pPr>
+            <a:r>
+              <a:rPr lang="ru-RU" b="1" dirty="0">
+                <a:latin typeface="Arial"/>
+                <a:cs typeface="Arial"/>
+              </a:rPr>
+              <a:t>Best practice </a:t>
+            </a:r>
+            <a:r>
+              <a:rPr lang="ru-RU" dirty="0">
+                <a:solidFill>
+                  <a:schemeClr val="accent4"/>
+                </a:solidFill>
+                <a:latin typeface="Arial"/>
+                <a:cs typeface="Arial"/>
+              </a:rPr>
+              <a:t>(Лучшая практика) – формализация уникального успешного практического </a:t>
+            </a:r>
+            <a:r>
+              <a:rPr lang="ru-RU" dirty="0" smtClean="0">
+                <a:solidFill>
+                  <a:schemeClr val="accent4"/>
+                </a:solidFill>
+                <a:latin typeface="Arial"/>
+                <a:cs typeface="Arial"/>
+              </a:rPr>
+              <a:t>опыта</a:t>
+            </a:r>
+            <a:endParaRPr lang="en-US" dirty="0" smtClean="0">
+              <a:solidFill>
+                <a:schemeClr val="accent4"/>
+              </a:solidFill>
+              <a:latin typeface="Arial"/>
+              <a:cs typeface="Arial"/>
+            </a:endParaRPr>
+          </a:p>
+          <a:p>
+            <a:pPr marL="287338" indent="-287338" defTabSz="803275">
+              <a:buClr>
+                <a:srgbClr val="FF6600"/>
+              </a:buClr>
+              <a:buSzPct val="125000"/>
+              <a:buFont typeface="Wingdings" charset="0"/>
+              <a:buChar char="§"/>
+            </a:pPr>
+            <a:endParaRPr lang="ru-RU" dirty="0">
+              <a:solidFill>
+                <a:schemeClr val="accent4"/>
+              </a:solidFill>
+              <a:latin typeface="Arial"/>
+              <a:cs typeface="Arial"/>
+            </a:endParaRPr>
+          </a:p>
+          <a:p>
+            <a:pPr marL="287338" indent="-287338" defTabSz="803275">
+              <a:buClr>
+                <a:srgbClr val="FF6600"/>
+              </a:buClr>
+              <a:buSzPct val="125000"/>
+              <a:buFont typeface="Wingdings" charset="0"/>
+              <a:buChar char="§"/>
+            </a:pPr>
+            <a:r>
+              <a:rPr lang="ru-RU" dirty="0">
+                <a:solidFill>
+                  <a:schemeClr val="accent4"/>
+                </a:solidFill>
+                <a:latin typeface="Arial"/>
+                <a:cs typeface="Arial"/>
+              </a:rPr>
+              <a:t>Согласно этой идее, в любой деятельности существует оптимальный способ достижения цели, который, оказавшись эффективным в одном месте, может оказаться столь же эффективным и в другом</a:t>
+            </a:r>
+          </a:p>
+        </p:txBody>
+      </p:sp>
+    </p:spTree>
+    <p:extLst>
+      <p:ext uri="{BB962C8B-B14F-4D97-AF65-F5344CB8AC3E}">
+        <p14:creationId xmlns:p14="http://schemas.microsoft.com/office/powerpoint/2010/main" val="2351183653"/>
+      </p:ext>
+    </p:extLst>
+  </p:cSld>
+  <p:clrMapOvr>
+    <a:masterClrMapping/>
+  </p:clrMapOvr>
+  <p:timing>
+    <p:tnLst>
+      <p:par>
+        <p:cTn xmlns:p14="http://schemas.microsoft.com/office/powerpoint/2010/main" id="1" dur="indefinite" restart="never" nodeType="tmRoot"/>
+      </p:par>
+    </p:tnLst>
+  </p:timing>
+</p:sld>
+</file>
+
 <file path=ppt/slides/slide4.xml><?xml version="1.0" encoding="utf-8"?>
 <p:sld xmlns:a="http://schemas.openxmlformats.org/drawingml/2006/main" xmlns:r="http://schemas.openxmlformats.org/officeDocument/2006/relationships" xmlns:p="http://schemas.openxmlformats.org/presentationml/2006/main">
   <p:cSld>
@@ -24303,14 +23921,9 @@
           <a:lstStyle/>
           <a:p>
             <a:r>
-              <a:rPr lang="en-US" dirty="0"/>
-              <a:t>Best P</a:t>
-            </a:r>
-            <a:r>
-              <a:rPr lang="en-US" dirty="0" smtClean="0"/>
-              <a:t>ractices </a:t>
-            </a:r>
-            <a:endParaRPr lang="ru-RU" dirty="0"/>
+              <a:rPr lang="ru-RU" dirty="0"/>
+              <a:t>Начинаем с наименее зависимых</a:t>
+            </a:r>
           </a:p>
         </p:txBody>
       </p:sp>
@@ -24328,8 +23941,8 @@
         </p:nvSpPr>
         <p:spPr bwMode="auto">
           <a:xfrm>
-            <a:off x="2000878" y="2062698"/>
-            <a:ext cx="5023841" cy="2732604"/>
+            <a:off x="990600" y="2062698"/>
+            <a:ext cx="7162800" cy="2732604"/>
           </a:xfrm>
           <a:prstGeom prst="rect">
             <a:avLst/>
@@ -24357,33 +23970,31 @@
               <a:buChar char="§"/>
             </a:pPr>
             <a:r>
-              <a:rPr lang="ru-RU" b="1" dirty="0">
+              <a:rPr lang="ru-RU" dirty="0">
                 <a:solidFill>
                   <a:schemeClr val="accent4"/>
                 </a:solidFill>
+                <a:latin typeface="Arial"/>
+                <a:cs typeface="Arial"/>
               </a:rPr>
-              <a:t>Best practice </a:t>
-            </a:r>
-            <a:r>
-              <a:rPr lang="ru-RU" dirty="0">
+              <a:t>Если вы начнете тестировать «высокоуровневый» метод, то он может завалиться из-за некорректного значения, возвращаемого второстепенным методом внутри </a:t>
+            </a:r>
+            <a:r>
+              <a:rPr lang="ru-RU" dirty="0" smtClean="0">
                 <a:solidFill>
                   <a:schemeClr val="accent4"/>
                 </a:solidFill>
+                <a:latin typeface="Arial"/>
+                <a:cs typeface="Arial"/>
               </a:rPr>
-              <a:t>(Лучшая практика) – формализация уникального успешного практического </a:t>
-            </a:r>
-            <a:r>
-              <a:rPr lang="ru-RU" dirty="0" smtClean="0">
-                <a:solidFill>
-                  <a:schemeClr val="accent4"/>
-                </a:solidFill>
-              </a:rPr>
-              <a:t>опыта</a:t>
+              <a:t>него</a:t>
             </a:r>
             <a:endParaRPr lang="en-US" dirty="0" smtClean="0">
               <a:solidFill>
                 <a:schemeClr val="accent4"/>
               </a:solidFill>
+              <a:latin typeface="Arial"/>
+              <a:cs typeface="Arial"/>
             </a:endParaRPr>
           </a:p>
           <a:p>
@@ -24399,6 +24010,8 @@
               <a:solidFill>
                 <a:schemeClr val="accent4"/>
               </a:solidFill>
+              <a:latin typeface="Arial"/>
+              <a:cs typeface="Arial"/>
             </a:endParaRPr>
           </a:p>
           <a:p>
@@ -24415,8 +24028,64 @@
                 <a:solidFill>
                   <a:schemeClr val="accent4"/>
                 </a:solidFill>
+                <a:latin typeface="Arial"/>
+                <a:cs typeface="Arial"/>
               </a:rPr>
-              <a:t>Согласно этой идее, в любой деятельности существует оптимальный способ достижения цели, который, оказавшись эффективным в одном месте, может оказаться столь же эффективным и в другом</a:t>
+              <a:t>Т.о. вы тратите дополнительное время на поиск источника </a:t>
+            </a:r>
+            <a:r>
+              <a:rPr lang="ru-RU" dirty="0" smtClean="0">
+                <a:solidFill>
+                  <a:schemeClr val="accent4"/>
+                </a:solidFill>
+                <a:latin typeface="Arial"/>
+                <a:cs typeface="Arial"/>
+              </a:rPr>
+              <a:t>проблемы</a:t>
+            </a:r>
+            <a:endParaRPr lang="en-US" dirty="0" smtClean="0">
+              <a:solidFill>
+                <a:schemeClr val="accent4"/>
+              </a:solidFill>
+              <a:latin typeface="Arial"/>
+              <a:cs typeface="Arial"/>
+            </a:endParaRPr>
+          </a:p>
+          <a:p>
+            <a:pPr marL="287338" indent="-287338" defTabSz="803275">
+              <a:buClr>
+                <a:srgbClr val="FF6600"/>
+              </a:buClr>
+              <a:buSzPct val="125000"/>
+              <a:buFont typeface="Wingdings" charset="0"/>
+              <a:buChar char="§"/>
+            </a:pPr>
+            <a:endParaRPr lang="ru-RU" dirty="0">
+              <a:solidFill>
+                <a:schemeClr val="accent4"/>
+              </a:solidFill>
+              <a:latin typeface="Arial"/>
+              <a:cs typeface="Arial"/>
+            </a:endParaRPr>
+          </a:p>
+          <a:p>
+            <a:pPr marL="287338" indent="-287338" defTabSz="803275">
+              <a:buClr>
+                <a:srgbClr val="FF6600"/>
+              </a:buClr>
+              <a:buSzPct val="125000"/>
+              <a:buFont typeface="Wingdings" charset="0"/>
+              <a:buChar char="§"/>
+            </a:pPr>
+            <a:r>
+              <a:rPr lang="ru-RU" dirty="0">
+                <a:solidFill>
+                  <a:schemeClr val="accent4"/>
+                </a:solidFill>
+                <a:latin typeface="Arial"/>
+                <a:cs typeface="Arial"/>
+              </a:rPr>
+              <a:t>В итоге вы все равно оттестируете сначала второстепенный метод</a:t>
             </a:r>
           </a:p>
         </p:txBody>
@@ -24424,7 +24093,7 @@
     </p:spTree>
     <p:extLst>
       <p:ext uri="{BB962C8B-B14F-4D97-AF65-F5344CB8AC3E}">
-        <p14:creationId xmlns:p14="http://schemas.microsoft.com/office/powerpoint/2010/main" val="2351183653"/>
+        <p14:creationId xmlns:p14="http://schemas.microsoft.com/office/powerpoint/2010/main" val="1260421597"/>
       </p:ext>
     </p:extLst>
   </p:cSld>
@@ -24475,7 +24144,7 @@
           <a:p>
             <a:r>
               <a:rPr lang="ru-RU" dirty="0"/>
-              <a:t>Начинаем с наименее зависимых</a:t>
+              <a:t>Простые тесты</a:t>
             </a:r>
           </a:p>
         </p:txBody>
@@ -24494,8 +24163,8 @@
         </p:nvSpPr>
         <p:spPr bwMode="auto">
           <a:xfrm>
-            <a:off x="2000878" y="1785700"/>
-            <a:ext cx="5023841" cy="3286601"/>
+            <a:off x="2045928" y="2616696"/>
+            <a:ext cx="5023841" cy="1624608"/>
           </a:xfrm>
           <a:prstGeom prst="rect">
             <a:avLst/>
@@ -24527,21 +24196,27 @@
                 <a:solidFill>
                   <a:schemeClr val="accent4"/>
                 </a:solidFill>
+                <a:latin typeface="Arial"/>
+                <a:cs typeface="Arial"/>
               </a:rPr>
-              <a:t>Если вы начнете тестировать «высокоуровневый» метод, то он может завалиться из-за некорректного значения, возвращаемого второстепенным методом внутри </a:t>
+              <a:t>Подготовка входных </a:t>
             </a:r>
             <a:r>
               <a:rPr lang="ru-RU" dirty="0" smtClean="0">
                 <a:solidFill>
                   <a:schemeClr val="accent4"/>
                 </a:solidFill>
+                <a:latin typeface="Arial"/>
+                <a:cs typeface="Arial"/>
               </a:rPr>
-              <a:t>него</a:t>
+              <a:t>параметров</a:t>
             </a:r>
             <a:endParaRPr lang="en-US" dirty="0" smtClean="0">
               <a:solidFill>
                 <a:schemeClr val="accent4"/>
               </a:solidFill>
+              <a:latin typeface="Arial"/>
+              <a:cs typeface="Arial"/>
             </a:endParaRPr>
           </a:p>
           <a:p>
@@ -24557,6 +24232,8 @@
               <a:solidFill>
                 <a:schemeClr val="accent4"/>
               </a:solidFill>
+              <a:latin typeface="Arial"/>
+              <a:cs typeface="Arial"/>
             </a:endParaRPr>
           </a:p>
           <a:p>
@@ -24573,21 +24250,27 @@
                 <a:solidFill>
                   <a:schemeClr val="accent4"/>
                 </a:solidFill>
+                <a:latin typeface="Arial"/>
+                <a:cs typeface="Arial"/>
               </a:rPr>
-              <a:t>Т.о. вы тратите дополнительное время на поиск источника </a:t>
+              <a:t>Вызов тестируемого </a:t>
             </a:r>
             <a:r>
               <a:rPr lang="ru-RU" dirty="0" smtClean="0">
                 <a:solidFill>
                   <a:schemeClr val="accent4"/>
                 </a:solidFill>
+                <a:latin typeface="Arial"/>
+                <a:cs typeface="Arial"/>
               </a:rPr>
-              <a:t>проблемы</a:t>
+              <a:t>метода</a:t>
             </a:r>
             <a:endParaRPr lang="en-US" dirty="0" smtClean="0">
               <a:solidFill>
                 <a:schemeClr val="accent4"/>
               </a:solidFill>
+              <a:latin typeface="Arial"/>
+              <a:cs typeface="Arial"/>
             </a:endParaRPr>
           </a:p>
           <a:p>
@@ -24603,6 +24286,8 @@
               <a:solidFill>
                 <a:schemeClr val="accent4"/>
               </a:solidFill>
+              <a:latin typeface="Arial"/>
+              <a:cs typeface="Arial"/>
             </a:endParaRPr>
           </a:p>
           <a:p>
@@ -24619,8 +24304,60 @@
                 <a:solidFill>
                   <a:schemeClr val="accent4"/>
                 </a:solidFill>
+                <a:latin typeface="Arial"/>
+                <a:cs typeface="Arial"/>
               </a:rPr>
-              <a:t>В итоге вы все равно оттестируете сначала второстепенный метод</a:t>
+              <a:t>Проверка выходных параметров</a:t>
+            </a:r>
+          </a:p>
+        </p:txBody>
+      </p:sp>
+      <p:sp>
+        <p:nvSpPr>
+          <p:cNvPr id="4" name="Rectangle 3"/>
+          <p:cNvSpPr>
+            <a:spLocks noChangeArrowheads="1"/>
+          </p:cNvSpPr>
+          <p:nvPr>
+            <p:custDataLst>
+              <p:tags r:id="rId2"/>
+            </p:custDataLst>
+          </p:nvPr>
+        </p:nvSpPr>
+        <p:spPr bwMode="auto">
+          <a:xfrm>
+            <a:off x="1981200" y="1447800"/>
+            <a:ext cx="5023841" cy="793611"/>
+          </a:xfrm>
+          <a:prstGeom prst="rect">
+            <a:avLst/>
+          </a:prstGeom>
+          <a:noFill/>
+          <a:ln w="19050">
+            <a:noFill/>
+            <a:miter lim="800000"/>
+            <a:headEnd/>
+            <a:tailEnd/>
+          </a:ln>
+        </p:spPr>
+        <p:txBody>
+          <a:bodyPr wrap="square" lIns="93296" tIns="144000" rIns="93296" bIns="93296">
+            <a:spAutoFit/>
+          </a:bodyPr>
+          <a:lstStyle/>
+          <a:p>
+            <a:pPr>
+              <a:defRPr/>
+            </a:pPr>
+            <a:r>
+              <a:rPr lang="ru-RU" dirty="0">
+                <a:solidFill>
+                  <a:schemeClr val="accent4"/>
+                </a:solidFill>
+                <a:latin typeface="Arial"/>
+                <a:cs typeface="Arial"/>
+              </a:rPr>
+              <a:t>В идеале, тесты должны состоять из трёх простых шагов:</a:t>
             </a:r>
           </a:p>
         </p:txBody>
@@ -24628,7 +24365,7 @@
     </p:spTree>
     <p:extLst>
       <p:ext uri="{BB962C8B-B14F-4D97-AF65-F5344CB8AC3E}">
-        <p14:creationId xmlns:p14="http://schemas.microsoft.com/office/powerpoint/2010/main" val="1260421597"/>
+        <p14:creationId xmlns:p14="http://schemas.microsoft.com/office/powerpoint/2010/main" val="4003836949"/>
       </p:ext>
     </p:extLst>
   </p:cSld>
@@ -24698,8 +24435,8 @@
         </p:nvSpPr>
         <p:spPr bwMode="auto">
           <a:xfrm>
-            <a:off x="2045928" y="2616696"/>
-            <a:ext cx="5023841" cy="1624608"/>
+            <a:off x="1143000" y="2478197"/>
+            <a:ext cx="6858000" cy="1901607"/>
           </a:xfrm>
           <a:prstGeom prst="rect">
             <a:avLst/>
@@ -24731,21 +24468,101 @@
                 <a:solidFill>
                   <a:schemeClr val="accent4"/>
                 </a:solidFill>
+                <a:latin typeface="Arial"/>
+                <a:cs typeface="Arial"/>
               </a:rPr>
-              <a:t>Подготовка входных </a:t>
+              <a:t>Любой тест завершается либо </a:t>
+            </a:r>
+            <a:r>
+              <a:rPr lang="ru-RU" b="1" dirty="0">
+                <a:solidFill>
+                  <a:schemeClr val="accent4"/>
+                </a:solidFill>
+                <a:latin typeface="Arial"/>
+                <a:cs typeface="Arial"/>
+              </a:rPr>
+              <a:t>успехом</a:t>
+            </a:r>
+            <a:r>
+              <a:rPr lang="ru-RU" dirty="0">
+                <a:solidFill>
+                  <a:schemeClr val="accent4"/>
+                </a:solidFill>
+                <a:latin typeface="Arial"/>
+                <a:cs typeface="Arial"/>
+              </a:rPr>
+              <a:t>, либо </a:t>
+            </a:r>
+            <a:r>
+              <a:rPr lang="ru-RU" b="1" dirty="0" smtClean="0">
+                <a:solidFill>
+                  <a:schemeClr val="accent4"/>
+                </a:solidFill>
+                <a:latin typeface="Arial"/>
+                <a:cs typeface="Arial"/>
+              </a:rPr>
+              <a:t>провалом</a:t>
+            </a:r>
+            <a:endParaRPr lang="en-US" b="1" dirty="0" smtClean="0">
+              <a:solidFill>
+                <a:schemeClr val="accent4"/>
+              </a:solidFill>
+              <a:latin typeface="Arial"/>
+              <a:cs typeface="Arial"/>
+            </a:endParaRPr>
+          </a:p>
+          <a:p>
+            <a:pPr marL="287338" indent="-287338" defTabSz="803275">
+              <a:buClr>
+                <a:srgbClr val="FF6600"/>
+              </a:buClr>
+              <a:buSzPct val="125000"/>
+              <a:buFont typeface="Wingdings" charset="0"/>
+              <a:buChar char="§"/>
+            </a:pPr>
+            <a:endParaRPr lang="ru-RU" b="1" dirty="0">
+              <a:solidFill>
+                <a:schemeClr val="accent4"/>
+              </a:solidFill>
+              <a:latin typeface="Arial"/>
+              <a:cs typeface="Arial"/>
+            </a:endParaRPr>
+          </a:p>
+          <a:p>
+            <a:pPr marL="287338" indent="-287338" defTabSz="803275">
+              <a:buClr>
+                <a:srgbClr val="FF6600"/>
+              </a:buClr>
+              <a:buSzPct val="125000"/>
+              <a:buFont typeface="Wingdings" charset="0"/>
+              <a:buChar char="§"/>
+            </a:pPr>
+            <a:r>
+              <a:rPr lang="ru-RU" dirty="0">
+                <a:solidFill>
+                  <a:schemeClr val="accent4"/>
+                </a:solidFill>
+                <a:latin typeface="Arial"/>
+                <a:cs typeface="Arial"/>
+              </a:rPr>
+              <a:t>Не должно быть «наполовину(частично) успешных» </a:t>
             </a:r>
             <a:r>
               <a:rPr lang="ru-RU" dirty="0" smtClean="0">
                 <a:solidFill>
                   <a:schemeClr val="accent4"/>
                 </a:solidFill>
+                <a:latin typeface="Arial"/>
+                <a:cs typeface="Arial"/>
               </a:rPr>
-              <a:t>параметров</a:t>
+              <a:t>тестов</a:t>
             </a:r>
             <a:endParaRPr lang="en-US" dirty="0" smtClean="0">
               <a:solidFill>
                 <a:schemeClr val="accent4"/>
               </a:solidFill>
+              <a:latin typeface="Arial"/>
+              <a:cs typeface="Arial"/>
             </a:endParaRPr>
           </a:p>
           <a:p>
@@ -24761,6 +24578,8 @@
               <a:solidFill>
                 <a:schemeClr val="accent4"/>
               </a:solidFill>
+              <a:latin typeface="Arial"/>
+              <a:cs typeface="Arial"/>
             </a:endParaRPr>
           </a:p>
           <a:p>
@@ -24777,102 +24596,10 @@
                 <a:solidFill>
                   <a:schemeClr val="accent4"/>
                 </a:solidFill>
+                <a:latin typeface="Arial"/>
+                <a:cs typeface="Arial"/>
               </a:rPr>
-              <a:t>Вызов тестируемого </a:t>
-            </a:r>
-            <a:r>
-              <a:rPr lang="ru-RU" dirty="0" smtClean="0">
-                <a:solidFill>
-                  <a:schemeClr val="accent4"/>
-                </a:solidFill>
-              </a:rPr>
-              <a:t>метода</a:t>
-            </a:r>
-            <a:endParaRPr lang="en-US" dirty="0" smtClean="0">
-              <a:solidFill>
-                <a:schemeClr val="accent4"/>
-              </a:solidFill>
-            </a:endParaRPr>
-          </a:p>
-          <a:p>
-            <a:pPr marL="287338" indent="-287338" defTabSz="803275">
-              <a:buClr>
-                <a:srgbClr val="FF6600"/>
-              </a:buClr>
-              <a:buSzPct val="125000"/>
-              <a:buFont typeface="Wingdings" charset="0"/>
-              <a:buChar char="§"/>
-            </a:pPr>
-            <a:endParaRPr lang="ru-RU" dirty="0">
-              <a:solidFill>
-                <a:schemeClr val="accent4"/>
-              </a:solidFill>
-            </a:endParaRPr>
-          </a:p>
-          <a:p>
-            <a:pPr marL="287338" indent="-287338" defTabSz="803275">
-              <a:buClr>
-                <a:srgbClr val="FF6600"/>
-              </a:buClr>
-              <a:buSzPct val="125000"/>
-              <a:buFont typeface="Wingdings" charset="0"/>
-              <a:buChar char="§"/>
-            </a:pPr>
-            <a:r>
-              <a:rPr lang="ru-RU" dirty="0">
-                <a:solidFill>
-                  <a:schemeClr val="accent4"/>
-                </a:solidFill>
-              </a:rPr>
-              <a:t>Проверка выходных параметров</a:t>
-            </a:r>
-          </a:p>
-        </p:txBody>
-      </p:sp>
-      <p:sp>
-        <p:nvSpPr>
-          <p:cNvPr id="4" name="Rectangle 3"/>
-          <p:cNvSpPr>
-            <a:spLocks noChangeArrowheads="1"/>
-          </p:cNvSpPr>
-          <p:nvPr>
-            <p:custDataLst>
-              <p:tags r:id="rId2"/>
-            </p:custDataLst>
-          </p:nvPr>
-        </p:nvSpPr>
-        <p:spPr bwMode="auto">
-          <a:xfrm>
-            <a:off x="1981200" y="1447800"/>
-            <a:ext cx="5023841" cy="793611"/>
-          </a:xfrm>
-          <a:prstGeom prst="rect">
-            <a:avLst/>
-          </a:prstGeom>
-          <a:noFill/>
-          <a:ln w="19050">
-            <a:noFill/>
-            <a:miter lim="800000"/>
-            <a:headEnd/>
-            <a:tailEnd/>
-          </a:ln>
-        </p:spPr>
-        <p:txBody>
-          <a:bodyPr wrap="square" lIns="93296" tIns="144000" rIns="93296" bIns="93296">
-            <a:spAutoFit/>
-          </a:bodyPr>
-          <a:lstStyle/>
-          <a:p>
-            <a:pPr>
-              <a:defRPr/>
-            </a:pPr>
-            <a:r>
-              <a:rPr lang="ru-RU" dirty="0">
-                <a:solidFill>
-                  <a:schemeClr val="accent4"/>
-                </a:solidFill>
-              </a:rPr>
-              <a:t>В идеале, тесты должны состоять из трёх простых шагов:</a:t>
+              <a:t>Если тест провален, то проваленным считается и весь тестовый набор</a:t>
             </a:r>
           </a:p>
         </p:txBody>
@@ -24880,7 +24607,7 @@
     </p:spTree>
     <p:extLst>
       <p:ext uri="{BB962C8B-B14F-4D97-AF65-F5344CB8AC3E}">
-        <p14:creationId xmlns:p14="http://schemas.microsoft.com/office/powerpoint/2010/main" val="4003836949"/>
+        <p14:creationId xmlns:p14="http://schemas.microsoft.com/office/powerpoint/2010/main" val="1847099274"/>
       </p:ext>
     </p:extLst>
   </p:cSld>
@@ -24950,8 +24677,8 @@
         </p:nvSpPr>
         <p:spPr bwMode="auto">
           <a:xfrm>
-            <a:off x="2045928" y="2201198"/>
-            <a:ext cx="5023841" cy="2455605"/>
+            <a:off x="876300" y="1785699"/>
+            <a:ext cx="7391400" cy="3286602"/>
           </a:xfrm>
           <a:prstGeom prst="rect">
             <a:avLst/>
@@ -24983,83 +24710,27 @@
                 <a:solidFill>
                   <a:schemeClr val="accent4"/>
                 </a:solidFill>
+                <a:latin typeface="Arial"/>
+                <a:cs typeface="Arial"/>
               </a:rPr>
-              <a:t>Любой тест завершается либо </a:t>
-            </a:r>
-            <a:r>
-              <a:rPr lang="ru-RU" b="1" dirty="0">
+              <a:t>Стремитесь к тому, чтобы тесты содержали не более одной </a:t>
+            </a:r>
+            <a:r>
+              <a:rPr lang="ru-RU" dirty="0" smtClean="0">
                 <a:solidFill>
                   <a:schemeClr val="accent4"/>
                 </a:solidFill>
+                <a:latin typeface="Arial"/>
+                <a:cs typeface="Arial"/>
               </a:rPr>
-              <a:t>успехом</a:t>
-            </a:r>
-            <a:r>
-              <a:rPr lang="ru-RU" dirty="0">
-                <a:solidFill>
-                  <a:schemeClr val="accent4"/>
-                </a:solidFill>
-              </a:rPr>
-              <a:t>, либо </a:t>
-            </a:r>
-            <a:r>
-              <a:rPr lang="ru-RU" b="1" dirty="0" smtClean="0">
-                <a:solidFill>
-                  <a:schemeClr val="accent4"/>
-                </a:solidFill>
-              </a:rPr>
-              <a:t>провалом</a:t>
-            </a:r>
-            <a:endParaRPr lang="en-US" b="1" dirty="0" smtClean="0">
-              <a:solidFill>
-                <a:schemeClr val="accent4"/>
-              </a:solidFill>
-            </a:endParaRPr>
-          </a:p>
-          <a:p>
-            <a:pPr marL="287338" indent="-287338" defTabSz="803275">
-              <a:buClr>
-                <a:srgbClr val="FF6600"/>
-              </a:buClr>
-              <a:buSzPct val="125000"/>
-              <a:buFont typeface="Wingdings" charset="0"/>
-              <a:buChar char="§"/>
-            </a:pPr>
-            <a:endParaRPr lang="ru-RU" b="1" dirty="0">
-              <a:solidFill>
-                <a:schemeClr val="accent4"/>
-              </a:solidFill>
-            </a:endParaRPr>
-          </a:p>
-          <a:p>
-            <a:pPr marL="287338" indent="-287338" defTabSz="803275">
-              <a:buClr>
-                <a:srgbClr val="FF6600"/>
-              </a:buClr>
-              <a:buSzPct val="125000"/>
-              <a:buFont typeface="Wingdings" charset="0"/>
-              <a:buChar char="§"/>
-            </a:pPr>
-            <a:r>
-              <a:rPr lang="ru-RU" dirty="0">
-                <a:solidFill>
-                  <a:schemeClr val="accent4"/>
-                </a:solidFill>
-              </a:rPr>
-              <a:t>Не должно быть «наполовину(частично) успешных» </a:t>
-            </a:r>
-            <a:r>
-              <a:rPr lang="ru-RU" dirty="0" smtClean="0">
-                <a:solidFill>
-                  <a:schemeClr val="accent4"/>
-                </a:solidFill>
-              </a:rPr>
-              <a:t>тестов</a:t>
+              <a:t>проверки</a:t>
             </a:r>
             <a:endParaRPr lang="en-US" dirty="0" smtClean="0">
               <a:solidFill>
                 <a:schemeClr val="accent4"/>
               </a:solidFill>
+              <a:latin typeface="Arial"/>
+              <a:cs typeface="Arial"/>
             </a:endParaRPr>
           </a:p>
           <a:p>
@@ -25075,6 +24746,8 @@
               <a:solidFill>
                 <a:schemeClr val="accent4"/>
               </a:solidFill>
+              <a:latin typeface="Arial"/>
+              <a:cs typeface="Arial"/>
             </a:endParaRPr>
           </a:p>
           <a:p>
@@ -25091,8 +24764,118 @@
                 <a:solidFill>
                   <a:schemeClr val="accent4"/>
                 </a:solidFill>
+                <a:latin typeface="Arial"/>
+                <a:cs typeface="Arial"/>
               </a:rPr>
-              <a:t>Если тест провален, то проваленным считается и весь тестовый набор</a:t>
+              <a:t>Множество проверок в одном тесте может вызвать падение </a:t>
+            </a:r>
+            <a:r>
+              <a:rPr lang="ru-RU" dirty="0" smtClean="0">
+                <a:solidFill>
+                  <a:schemeClr val="accent4"/>
+                </a:solidFill>
+                <a:latin typeface="Arial"/>
+                <a:cs typeface="Arial"/>
+              </a:rPr>
+              <a:t>производительности</a:t>
+            </a:r>
+            <a:endParaRPr lang="en-US" dirty="0" smtClean="0">
+              <a:solidFill>
+                <a:schemeClr val="accent4"/>
+              </a:solidFill>
+              <a:latin typeface="Arial"/>
+              <a:cs typeface="Arial"/>
+            </a:endParaRPr>
+          </a:p>
+          <a:p>
+            <a:pPr marL="287338" indent="-287338" defTabSz="803275">
+              <a:buClr>
+                <a:srgbClr val="FF6600"/>
+              </a:buClr>
+              <a:buSzPct val="125000"/>
+              <a:buFont typeface="Wingdings" charset="0"/>
+              <a:buChar char="§"/>
+            </a:pPr>
+            <a:endParaRPr lang="ru-RU" dirty="0">
+              <a:solidFill>
+                <a:schemeClr val="accent4"/>
+              </a:solidFill>
+              <a:latin typeface="Arial"/>
+              <a:cs typeface="Arial"/>
+            </a:endParaRPr>
+          </a:p>
+          <a:p>
+            <a:pPr marL="287338" indent="-287338" defTabSz="803275">
+              <a:buClr>
+                <a:srgbClr val="FF6600"/>
+              </a:buClr>
+              <a:buSzPct val="125000"/>
+              <a:buFont typeface="Wingdings" charset="0"/>
+              <a:buChar char="§"/>
+            </a:pPr>
+            <a:r>
+              <a:rPr lang="ru-RU" dirty="0">
+                <a:solidFill>
+                  <a:schemeClr val="accent4"/>
+                </a:solidFill>
+                <a:latin typeface="Arial"/>
+                <a:cs typeface="Arial"/>
+              </a:rPr>
+              <a:t>Если не пройдет первая проверка, то остальные даже не </a:t>
+            </a:r>
+            <a:r>
+              <a:rPr lang="ru-RU" dirty="0" smtClean="0">
+                <a:solidFill>
+                  <a:schemeClr val="accent4"/>
+                </a:solidFill>
+                <a:latin typeface="Arial"/>
+                <a:cs typeface="Arial"/>
+              </a:rPr>
+              <a:t>выполнятся</a:t>
+            </a:r>
+            <a:endParaRPr lang="en-US" dirty="0" smtClean="0">
+              <a:solidFill>
+                <a:schemeClr val="accent4"/>
+              </a:solidFill>
+              <a:latin typeface="Arial"/>
+              <a:cs typeface="Arial"/>
+            </a:endParaRPr>
+          </a:p>
+          <a:p>
+            <a:pPr marL="287338" indent="-287338" defTabSz="803275">
+              <a:buClr>
+                <a:srgbClr val="FF6600"/>
+              </a:buClr>
+              <a:buSzPct val="125000"/>
+              <a:buFont typeface="Wingdings" charset="0"/>
+              <a:buChar char="§"/>
+            </a:pPr>
+            <a:endParaRPr lang="ru-RU" dirty="0">
+              <a:solidFill>
+                <a:schemeClr val="accent4"/>
+              </a:solidFill>
+              <a:latin typeface="Arial"/>
+              <a:cs typeface="Arial"/>
+            </a:endParaRPr>
+          </a:p>
+          <a:p>
+            <a:pPr marL="287338" indent="-287338" defTabSz="803275">
+              <a:buClr>
+                <a:srgbClr val="FF6600"/>
+              </a:buClr>
+              <a:buSzPct val="125000"/>
+              <a:buFont typeface="Wingdings" charset="0"/>
+              <a:buChar char="§"/>
+            </a:pPr>
+            <a:r>
+              <a:rPr lang="ru-RU" dirty="0">
+                <a:solidFill>
+                  <a:schemeClr val="accent4"/>
+                </a:solidFill>
+                <a:latin typeface="Arial"/>
+                <a:cs typeface="Arial"/>
+              </a:rPr>
+              <a:t>Данная практика помогает более точно находить места возникновения дефектов</a:t>
             </a:r>
           </a:p>
         </p:txBody>
@@ -25100,7 +24883,7 @@
     </p:spTree>
     <p:extLst>
       <p:ext uri="{BB962C8B-B14F-4D97-AF65-F5344CB8AC3E}">
-        <p14:creationId xmlns:p14="http://schemas.microsoft.com/office/powerpoint/2010/main" val="1847099274"/>
+        <p14:creationId xmlns:p14="http://schemas.microsoft.com/office/powerpoint/2010/main" val="1647081839"/>
       </p:ext>
     </p:extLst>
   </p:cSld>
@@ -25151,7 +24934,7 @@
           <a:p>
             <a:r>
               <a:rPr lang="ru-RU" dirty="0"/>
-              <a:t>Простые тесты</a:t>
+              <a:t>Быстрые тесты</a:t>
             </a:r>
           </a:p>
         </p:txBody>
@@ -25170,8 +24953,8 @@
         </p:nvSpPr>
         <p:spPr bwMode="auto">
           <a:xfrm>
-            <a:off x="2045928" y="1785700"/>
-            <a:ext cx="5023841" cy="3286601"/>
+            <a:off x="1143000" y="2201198"/>
+            <a:ext cx="6858000" cy="2455605"/>
           </a:xfrm>
           <a:prstGeom prst="rect">
             <a:avLst/>
@@ -25203,21 +24986,27 @@
                 <a:solidFill>
                   <a:schemeClr val="accent4"/>
                 </a:solidFill>
+                <a:latin typeface="Arial"/>
+                <a:cs typeface="Arial"/>
               </a:rPr>
-              <a:t>Стремитесь к тому, чтобы тесты содержали не более одной </a:t>
+              <a:t>Чем быстрее выполняются тесты, тем чаще их можно запускать – быстрее получать </a:t>
             </a:r>
             <a:r>
               <a:rPr lang="ru-RU" dirty="0" smtClean="0">
                 <a:solidFill>
                   <a:schemeClr val="accent4"/>
                 </a:solidFill>
+                <a:latin typeface="Arial"/>
+                <a:cs typeface="Arial"/>
               </a:rPr>
-              <a:t>проверки</a:t>
+              <a:t>фидбек</a:t>
             </a:r>
             <a:endParaRPr lang="en-US" dirty="0" smtClean="0">
               <a:solidFill>
                 <a:schemeClr val="accent4"/>
               </a:solidFill>
+              <a:latin typeface="Arial"/>
+              <a:cs typeface="Arial"/>
             </a:endParaRPr>
           </a:p>
           <a:p>
@@ -25233,6 +25022,8 @@
               <a:solidFill>
                 <a:schemeClr val="accent4"/>
               </a:solidFill>
+              <a:latin typeface="Arial"/>
+              <a:cs typeface="Arial"/>
             </a:endParaRPr>
           </a:p>
           <a:p>
@@ -25249,21 +25040,27 @@
                 <a:solidFill>
                   <a:schemeClr val="accent4"/>
                 </a:solidFill>
+                <a:latin typeface="Arial"/>
+                <a:cs typeface="Arial"/>
               </a:rPr>
-              <a:t>Множество проверок в одном тесте может вызвать падение </a:t>
+              <a:t>Со временем количество тестов увеличивается, как и общее время их </a:t>
             </a:r>
             <a:r>
               <a:rPr lang="ru-RU" dirty="0" smtClean="0">
                 <a:solidFill>
                   <a:schemeClr val="accent4"/>
                 </a:solidFill>
+                <a:latin typeface="Arial"/>
+                <a:cs typeface="Arial"/>
               </a:rPr>
-              <a:t>производительности</a:t>
+              <a:t>выполнения</a:t>
             </a:r>
             <a:endParaRPr lang="en-US" dirty="0" smtClean="0">
               <a:solidFill>
                 <a:schemeClr val="accent4"/>
               </a:solidFill>
+              <a:latin typeface="Arial"/>
+              <a:cs typeface="Arial"/>
             </a:endParaRPr>
           </a:p>
           <a:p>
@@ -25279,6 +25076,8 @@
               <a:solidFill>
                 <a:schemeClr val="accent4"/>
               </a:solidFill>
+              <a:latin typeface="Arial"/>
+              <a:cs typeface="Arial"/>
             </a:endParaRPr>
           </a:p>
           <a:p>
@@ -25295,54 +25094,10 @@
                 <a:solidFill>
                   <a:schemeClr val="accent4"/>
                 </a:solidFill>
+                <a:latin typeface="Arial"/>
+                <a:cs typeface="Arial"/>
               </a:rPr>
-              <a:t>Если не пройдет первая проверка, то остальные даже не </a:t>
-            </a:r>
-            <a:r>
-              <a:rPr lang="ru-RU" dirty="0" smtClean="0">
-                <a:solidFill>
-                  <a:schemeClr val="accent4"/>
-                </a:solidFill>
-              </a:rPr>
-              <a:t>выполнятся</a:t>
-            </a:r>
-            <a:endParaRPr lang="en-US" dirty="0" smtClean="0">
-              <a:solidFill>
-                <a:schemeClr val="accent4"/>
-              </a:solidFill>
-            </a:endParaRPr>
-          </a:p>
-          <a:p>
-            <a:pPr marL="287338" indent="-287338" defTabSz="803275">
-              <a:buClr>
-                <a:srgbClr val="FF6600"/>
-              </a:buClr>
-              <a:buSzPct val="125000"/>
-              <a:buFont typeface="Wingdings" charset="0"/>
-              <a:buChar char="§"/>
-            </a:pPr>
-            <a:endParaRPr lang="ru-RU" dirty="0">
-              <a:solidFill>
-                <a:schemeClr val="accent4"/>
-              </a:solidFill>
-            </a:endParaRPr>
-          </a:p>
-          <a:p>
-            <a:pPr marL="287338" indent="-287338" defTabSz="803275">
-              <a:buClr>
-                <a:srgbClr val="FF6600"/>
-              </a:buClr>
-              <a:buSzPct val="125000"/>
-              <a:buFont typeface="Wingdings" charset="0"/>
-              <a:buChar char="§"/>
-            </a:pPr>
-            <a:r>
-              <a:rPr lang="ru-RU" dirty="0">
-                <a:solidFill>
-                  <a:schemeClr val="accent4"/>
-                </a:solidFill>
-              </a:rPr>
-              <a:t>Данная практика помогает более точно находить места возникновения дефектов</a:t>
+              <a:t>Даже один медленный тест «тормозит» выполнение всего тестового набора (слабое звено)</a:t>
             </a:r>
           </a:p>
         </p:txBody>
@@ -25350,7 +25105,7 @@
     </p:spTree>
     <p:extLst>
       <p:ext uri="{BB962C8B-B14F-4D97-AF65-F5344CB8AC3E}">
-        <p14:creationId xmlns:p14="http://schemas.microsoft.com/office/powerpoint/2010/main" val="1647081839"/>
+        <p14:creationId xmlns:p14="http://schemas.microsoft.com/office/powerpoint/2010/main" val="3514584715"/>
       </p:ext>
     </p:extLst>
   </p:cSld>
@@ -25401,7 +25156,7 @@
           <a:p>
             <a:r>
               <a:rPr lang="ru-RU" dirty="0"/>
-              <a:t>Быстрые тесты</a:t>
+              <a:t>Константы в проверках</a:t>
             </a:r>
           </a:p>
         </p:txBody>
@@ -25420,8 +25175,8 @@
         </p:nvSpPr>
         <p:spPr bwMode="auto">
           <a:xfrm>
-            <a:off x="2045928" y="1785700"/>
-            <a:ext cx="5023841" cy="3286601"/>
+            <a:off x="1143000" y="1524000"/>
+            <a:ext cx="6781800" cy="2178606"/>
           </a:xfrm>
           <a:prstGeom prst="rect">
             <a:avLst/>
@@ -25453,21 +25208,27 @@
                 <a:solidFill>
                   <a:schemeClr val="accent4"/>
                 </a:solidFill>
+                <a:latin typeface="Arial"/>
+                <a:cs typeface="Arial"/>
               </a:rPr>
-              <a:t>Чем быстрее выполняются тесты, тем чаще их можно запускать – быстрее получать </a:t>
+              <a:t>В первом случае, мы должны реализовать внутри теста ту же логику, что и в тестируемом </a:t>
             </a:r>
             <a:r>
               <a:rPr lang="ru-RU" dirty="0" smtClean="0">
                 <a:solidFill>
                   <a:schemeClr val="accent4"/>
                 </a:solidFill>
+                <a:latin typeface="Arial"/>
+                <a:cs typeface="Arial"/>
               </a:rPr>
-              <a:t>фидбек</a:t>
+              <a:t>методе</a:t>
             </a:r>
             <a:endParaRPr lang="en-US" dirty="0" smtClean="0">
               <a:solidFill>
                 <a:schemeClr val="accent4"/>
               </a:solidFill>
+              <a:latin typeface="Arial"/>
+              <a:cs typeface="Arial"/>
             </a:endParaRPr>
           </a:p>
           <a:p>
@@ -25483,6 +25244,8 @@
               <a:solidFill>
                 <a:schemeClr val="accent4"/>
               </a:solidFill>
+              <a:latin typeface="Arial"/>
+              <a:cs typeface="Arial"/>
             </a:endParaRPr>
           </a:p>
           <a:p>
@@ -25499,21 +25262,27 @@
                 <a:solidFill>
                   <a:schemeClr val="accent4"/>
                 </a:solidFill>
+                <a:latin typeface="Arial"/>
+                <a:cs typeface="Arial"/>
               </a:rPr>
-              <a:t>Со временем количество тестов увеличивается, как и общее время их </a:t>
+              <a:t>В случае ошибки в методе, мы должны будем править как метод, так и </a:t>
             </a:r>
             <a:r>
               <a:rPr lang="ru-RU" dirty="0" smtClean="0">
                 <a:solidFill>
                   <a:schemeClr val="accent4"/>
                 </a:solidFill>
+                <a:latin typeface="Arial"/>
+                <a:cs typeface="Arial"/>
               </a:rPr>
-              <a:t>выполнения</a:t>
+              <a:t>тест</a:t>
             </a:r>
             <a:endParaRPr lang="en-US" dirty="0" smtClean="0">
               <a:solidFill>
                 <a:schemeClr val="accent4"/>
               </a:solidFill>
+              <a:latin typeface="Arial"/>
+              <a:cs typeface="Arial"/>
             </a:endParaRPr>
           </a:p>
           <a:p>
@@ -25529,6 +25298,8 @@
               <a:solidFill>
                 <a:schemeClr val="accent4"/>
               </a:solidFill>
+              <a:latin typeface="Arial"/>
+              <a:cs typeface="Arial"/>
             </a:endParaRPr>
           </a:p>
           <a:p>
@@ -25545,16 +25316,243 @@
                 <a:solidFill>
                   <a:schemeClr val="accent4"/>
                 </a:solidFill>
+                <a:latin typeface="Arial"/>
+                <a:cs typeface="Arial"/>
               </a:rPr>
-              <a:t>Даже один медленный тест «тормозит» выполнение всего тестового набора (слабое звено)</a:t>
-            </a:r>
+              <a:t>Вторая проверка более понятна и проста в сопровождении</a:t>
+            </a:r>
+          </a:p>
+        </p:txBody>
+      </p:sp>
+      <p:sp>
+        <p:nvSpPr>
+          <p:cNvPr id="3" name="Rectangle 2"/>
+          <p:cNvSpPr/>
+          <p:nvPr/>
+        </p:nvSpPr>
+        <p:spPr>
+          <a:xfrm>
+            <a:off x="1371600" y="4267200"/>
+            <a:ext cx="6324600" cy="1477328"/>
+          </a:xfrm>
+          <a:prstGeom prst="rect">
+            <a:avLst/>
+          </a:prstGeom>
+        </p:spPr>
+        <p:txBody>
+          <a:bodyPr wrap="square">
+            <a:spAutoFit/>
+          </a:bodyPr>
+          <a:lstStyle/>
+          <a:p>
+            <a:r>
+              <a:rPr lang="en-US" dirty="0" err="1">
+                <a:solidFill>
+                  <a:srgbClr val="000000"/>
+                </a:solidFill>
+                <a:latin typeface="Menlo"/>
+              </a:rPr>
+              <a:t>returnVal</a:t>
+            </a:r>
+            <a:r>
+              <a:rPr lang="en-US" dirty="0">
+                <a:solidFill>
+                  <a:srgbClr val="000000"/>
+                </a:solidFill>
+                <a:latin typeface="Menlo"/>
+              </a:rPr>
+              <a:t> = </a:t>
+            </a:r>
+            <a:r>
+              <a:rPr lang="en-US" dirty="0" err="1">
+                <a:solidFill>
+                  <a:srgbClr val="000000"/>
+                </a:solidFill>
+                <a:latin typeface="Menlo"/>
+              </a:rPr>
+              <a:t>methodUnderTest</a:t>
+            </a:r>
+            <a:r>
+              <a:rPr lang="en-US" dirty="0">
+                <a:solidFill>
+                  <a:srgbClr val="000000"/>
+                </a:solidFill>
+                <a:latin typeface="Menlo"/>
+              </a:rPr>
+              <a:t>(input);</a:t>
+            </a:r>
+          </a:p>
+          <a:p>
+            <a:r>
+              <a:rPr lang="en-US" dirty="0" err="1">
+                <a:solidFill>
+                  <a:srgbClr val="000000"/>
+                </a:solidFill>
+                <a:latin typeface="Menlo"/>
+              </a:rPr>
+              <a:t>assertEquals</a:t>
+            </a:r>
+            <a:r>
+              <a:rPr lang="en-US" dirty="0">
+                <a:solidFill>
+                  <a:srgbClr val="000000"/>
+                </a:solidFill>
+                <a:latin typeface="Menlo"/>
+              </a:rPr>
+              <a:t>(</a:t>
+            </a:r>
+            <a:r>
+              <a:rPr lang="en-US" dirty="0" err="1">
+                <a:solidFill>
+                  <a:srgbClr val="000000"/>
+                </a:solidFill>
+                <a:latin typeface="Menlo"/>
+              </a:rPr>
+              <a:t>returnVal</a:t>
+            </a:r>
+            <a:r>
+              <a:rPr lang="en-US" dirty="0">
+                <a:solidFill>
+                  <a:srgbClr val="000000"/>
+                </a:solidFill>
+                <a:latin typeface="Menlo"/>
+              </a:rPr>
+              <a:t>, </a:t>
+            </a:r>
+            <a:r>
+              <a:rPr lang="en-US" dirty="0" err="1">
+                <a:solidFill>
+                  <a:srgbClr val="000000"/>
+                </a:solidFill>
+                <a:latin typeface="Menlo"/>
+              </a:rPr>
+              <a:t>computeExpectedValue</a:t>
+            </a:r>
+            <a:r>
+              <a:rPr lang="en-US" dirty="0">
+                <a:solidFill>
+                  <a:srgbClr val="000000"/>
+                </a:solidFill>
+                <a:latin typeface="Menlo"/>
+              </a:rPr>
+              <a:t>(input));</a:t>
+            </a:r>
+          </a:p>
+          <a:p>
+            <a:r>
+              <a:rPr lang="en-US" dirty="0" err="1">
+                <a:solidFill>
+                  <a:srgbClr val="000000"/>
+                </a:solidFill>
+                <a:latin typeface="Menlo"/>
+              </a:rPr>
+              <a:t>assertEquals</a:t>
+            </a:r>
+            <a:r>
+              <a:rPr lang="en-US" dirty="0">
+                <a:solidFill>
+                  <a:srgbClr val="000000"/>
+                </a:solidFill>
+                <a:latin typeface="Menlo"/>
+              </a:rPr>
+              <a:t>(</a:t>
+            </a:r>
+            <a:r>
+              <a:rPr lang="en-US" dirty="0" err="1">
+                <a:solidFill>
+                  <a:srgbClr val="000000"/>
+                </a:solidFill>
+                <a:latin typeface="Menlo"/>
+              </a:rPr>
+              <a:t>returnVal</a:t>
+            </a:r>
+            <a:r>
+              <a:rPr lang="en-US" dirty="0">
+                <a:solidFill>
+                  <a:srgbClr val="000000"/>
+                </a:solidFill>
+                <a:latin typeface="Menlo"/>
+              </a:rPr>
+              <a:t>, </a:t>
+            </a:r>
+            <a:r>
+              <a:rPr lang="en-US" dirty="0">
+                <a:solidFill>
+                  <a:srgbClr val="0000FF"/>
+                </a:solidFill>
+                <a:latin typeface="Menlo"/>
+              </a:rPr>
+              <a:t>12</a:t>
+            </a:r>
+            <a:r>
+              <a:rPr lang="en-US" dirty="0">
+                <a:solidFill>
+                  <a:srgbClr val="000000"/>
+                </a:solidFill>
+                <a:latin typeface="Menlo"/>
+              </a:rPr>
+              <a:t>);</a:t>
+            </a:r>
+          </a:p>
+          <a:p>
+            <a:endParaRPr lang="en-US" dirty="0">
+              <a:latin typeface="Menlo"/>
+            </a:endParaRPr>
+          </a:p>
+        </p:txBody>
+      </p:sp>
+      <p:sp>
+        <p:nvSpPr>
+          <p:cNvPr id="6" name="Rounded Rectangle 5"/>
+          <p:cNvSpPr/>
+          <p:nvPr/>
+        </p:nvSpPr>
+        <p:spPr>
+          <a:xfrm>
+            <a:off x="1219200" y="4114800"/>
+            <a:ext cx="6781800" cy="1629728"/>
+          </a:xfrm>
+          <a:prstGeom prst="roundRect">
+            <a:avLst>
+              <a:gd name="adj" fmla="val 7644"/>
+            </a:avLst>
+          </a:prstGeom>
+          <a:solidFill>
+            <a:schemeClr val="accent4">
+              <a:alpha val="18000"/>
+            </a:schemeClr>
+          </a:solidFill>
+          <a:ln>
+            <a:noFill/>
+          </a:ln>
+        </p:spPr>
+        <p:style>
+          <a:lnRef idx="2">
+            <a:schemeClr val="accent1"/>
+          </a:lnRef>
+          <a:fillRef idx="1">
+            <a:schemeClr val="lt1"/>
+          </a:fillRef>
+          <a:effectRef idx="0">
+            <a:schemeClr val="accent1"/>
+          </a:effectRef>
+          <a:fontRef idx="minor">
+            <a:schemeClr val="dk1"/>
+          </a:fontRef>
+        </p:style>
+        <p:txBody>
+          <a:bodyPr rtlCol="0" anchor="ctr"/>
+          <a:lstStyle/>
+          <a:p>
+            <a:pPr algn="ctr"/>
+            <a:endParaRPr lang="en-US"/>
           </a:p>
         </p:txBody>
       </p:sp>
     </p:spTree>
     <p:extLst>
       <p:ext uri="{BB962C8B-B14F-4D97-AF65-F5344CB8AC3E}">
-        <p14:creationId xmlns:p14="http://schemas.microsoft.com/office/powerpoint/2010/main" val="3514584715"/>
+        <p14:creationId xmlns:p14="http://schemas.microsoft.com/office/powerpoint/2010/main" val="25189009"/>
       </p:ext>
     </p:extLst>
   </p:cSld>
@@ -25635,13 +25633,6 @@
 </file>
 
 <file path=ppt/tags/tag18.xml><?xml version="1.0" encoding="utf-8"?>
-<p:tagLst xmlns:a="http://schemas.openxmlformats.org/drawingml/2006/main" xmlns:r="http://schemas.openxmlformats.org/officeDocument/2006/relationships" xmlns:p="http://schemas.openxmlformats.org/presentationml/2006/main">
-  <p:tag name="LTOP" val=" 238.25"/>
-  <p:tag name="LLEFT" val=" 144.125"/>
-</p:tagLst>
-</file>
-
-<file path=ppt/tags/tag19.xml><?xml version="1.0" encoding="utf-8"?>
 <p:tagLst xmlns:a="http://schemas.openxmlformats.org/drawingml/2006/main" xmlns:r="http://schemas.openxmlformats.org/officeDocument/2006/relationships" xmlns:p="http://schemas.openxmlformats.org/presentationml/2006/main">
   <p:tag name="LTOP" val=" 238.25"/>
   <p:tag name="LLEFT" val=" 144.125"/>

--- a/Test Driven Development/materials/pptx/11. TDD-Best-Practice.pptx
+++ b/Test Driven Development/materials/pptx/11. TDD-Best-Practice.pptx
@@ -21831,6 +21831,14 @@
                 </a:buClr>
                 <a:buSzPct val="125000"/>
               </a:pPr>
+              <a:r>
+                <a:rPr lang="en-US" dirty="0">
+                  <a:solidFill>
+                    <a:srgbClr val="004080"/>
+                  </a:solidFill>
+                </a:rPr>
+                <a:t>Best Practices </a:t>
+              </a:r>
               <a:endParaRPr lang="ru-RU" dirty="0">
                 <a:solidFill>
                   <a:srgbClr val="004080"/>
@@ -22102,6 +22110,14 @@
                 </a:buClr>
                 <a:buSzPct val="125000"/>
               </a:pPr>
+              <a:r>
+                <a:rPr lang="ru-RU" dirty="0">
+                  <a:solidFill>
+                    <a:srgbClr val="004080"/>
+                  </a:solidFill>
+                </a:rPr>
+                <a:t>Начинаем с наименее зависимых</a:t>
+              </a:r>
               <a:endParaRPr lang="en-US" dirty="0">
                 <a:solidFill>
                   <a:srgbClr val="004080"/>
@@ -22373,6 +22389,22 @@
                 </a:buClr>
                 <a:buSzPct val="125000"/>
               </a:pPr>
+              <a:r>
+                <a:rPr lang="ru-RU" dirty="0" smtClean="0">
+                  <a:solidFill>
+                    <a:srgbClr val="004080"/>
+                  </a:solidFill>
+                </a:rPr>
+                <a:t>Простые </a:t>
+              </a:r>
+              <a:r>
+                <a:rPr lang="ru-RU" dirty="0">
+                  <a:solidFill>
+                    <a:srgbClr val="004080"/>
+                  </a:solidFill>
+                </a:rPr>
+                <a:t>тесты</a:t>
+              </a:r>
               <a:endParaRPr lang="en-US" dirty="0" smtClean="0">
                 <a:solidFill>
                   <a:srgbClr val="004080"/>
@@ -22644,6 +22676,14 @@
                 </a:buClr>
                 <a:buSzPct val="125000"/>
               </a:pPr>
+              <a:r>
+                <a:rPr lang="ru-RU" dirty="0">
+                  <a:solidFill>
+                    <a:srgbClr val="004080"/>
+                  </a:solidFill>
+                </a:rPr>
+                <a:t>Константы в проверках</a:t>
+              </a:r>
               <a:endParaRPr lang="en-US" dirty="0">
                 <a:solidFill>
                   <a:srgbClr val="004080"/>
@@ -22915,6 +22955,14 @@
                 </a:buClr>
                 <a:buSzPct val="125000"/>
               </a:pPr>
+              <a:r>
+                <a:rPr lang="ru-RU" dirty="0">
+                  <a:solidFill>
+                    <a:srgbClr val="004080"/>
+                  </a:solidFill>
+                </a:rPr>
+                <a:t>Измеряйте покрытие</a:t>
+              </a:r>
               <a:endParaRPr lang="en-US" dirty="0" smtClean="0">
                 <a:solidFill>
                   <a:srgbClr val="004080"/>
@@ -23186,6 +23234,22 @@
                 </a:buClr>
                 <a:buSzPct val="125000"/>
               </a:pPr>
+              <a:r>
+                <a:rPr lang="it-IT" dirty="0">
+                  <a:solidFill>
+                    <a:srgbClr val="004080"/>
+                  </a:solidFill>
+                </a:rPr>
+                <a:t>Тестирование private </a:t>
+              </a:r>
+              <a:r>
+                <a:rPr lang="it-IT" dirty="0" err="1" smtClean="0">
+                  <a:solidFill>
+                    <a:srgbClr val="004080"/>
+                  </a:solidFill>
+                </a:rPr>
+                <a:t>методов</a:t>
+              </a:r>
               <a:endParaRPr lang="en-US" dirty="0" smtClean="0">
                 <a:solidFill>
                   <a:srgbClr val="004080"/>
@@ -23457,6 +23521,22 @@
                 </a:buClr>
                 <a:buSzPct val="125000"/>
               </a:pPr>
+              <a:r>
+                <a:rPr lang="ru-RU" dirty="0" smtClean="0">
+                  <a:solidFill>
+                    <a:srgbClr val="004080"/>
+                  </a:solidFill>
+                </a:rPr>
+                <a:t>Полная </a:t>
+              </a:r>
+              <a:r>
+                <a:rPr lang="ru-RU" dirty="0" err="1" smtClean="0">
+                  <a:solidFill>
+                    <a:srgbClr val="004080"/>
+                  </a:solidFill>
+                </a:rPr>
+                <a:t>автоматизиция</a:t>
+              </a:r>
               <a:endParaRPr lang="en-US" dirty="0">
                 <a:solidFill>
                   <a:srgbClr val="004080"/>
